--- a/presentation/Loan Analysis & Insights for Risk Identification.pptx
+++ b/presentation/Loan Analysis & Insights for Risk Identification.pptx
@@ -22,12 +22,16 @@
     <p:sldId id="269" r:id="rId16"/>
     <p:sldId id="270" r:id="rId17"/>
     <p:sldId id="275" r:id="rId18"/>
-    <p:sldId id="271" r:id="rId19"/>
-    <p:sldId id="272" r:id="rId20"/>
-    <p:sldId id="273" r:id="rId21"/>
-    <p:sldId id="274" r:id="rId22"/>
-    <p:sldId id="276" r:id="rId23"/>
-    <p:sldId id="277" r:id="rId24"/>
+    <p:sldId id="282" r:id="rId19"/>
+    <p:sldId id="283" r:id="rId20"/>
+    <p:sldId id="284" r:id="rId21"/>
+    <p:sldId id="285" r:id="rId22"/>
+    <p:sldId id="271" r:id="rId23"/>
+    <p:sldId id="272" r:id="rId24"/>
+    <p:sldId id="273" r:id="rId25"/>
+    <p:sldId id="274" r:id="rId26"/>
+    <p:sldId id="276" r:id="rId27"/>
+    <p:sldId id="277" r:id="rId28"/>
   </p:sldIdLst>
   <p:sldSz cx="12192000" cy="6858000"/>
   <p:notesSz cx="6858000" cy="9144000"/>
@@ -281,7 +285,7 @@
           <a:p>
             <a:fld id="{CBD56C24-66B3-4808-8C39-E70052D1FDF7}" type="datetimeFigureOut">
               <a:rPr lang="en-US" smtClean="0"/>
-              <a:t>12/2/2025</a:t>
+              <a:t>12/7/2025</a:t>
             </a:fld>
             <a:endParaRPr lang="en-US"/>
           </a:p>
@@ -479,7 +483,7 @@
           <a:p>
             <a:fld id="{CBD56C24-66B3-4808-8C39-E70052D1FDF7}" type="datetimeFigureOut">
               <a:rPr lang="en-US" smtClean="0"/>
-              <a:t>12/2/2025</a:t>
+              <a:t>12/7/2025</a:t>
             </a:fld>
             <a:endParaRPr lang="en-US"/>
           </a:p>
@@ -687,7 +691,7 @@
           <a:p>
             <a:fld id="{CBD56C24-66B3-4808-8C39-E70052D1FDF7}" type="datetimeFigureOut">
               <a:rPr lang="en-US" smtClean="0"/>
-              <a:t>12/2/2025</a:t>
+              <a:t>12/7/2025</a:t>
             </a:fld>
             <a:endParaRPr lang="en-US"/>
           </a:p>
@@ -885,7 +889,7 @@
           <a:p>
             <a:fld id="{CBD56C24-66B3-4808-8C39-E70052D1FDF7}" type="datetimeFigureOut">
               <a:rPr lang="en-US" smtClean="0"/>
-              <a:t>12/2/2025</a:t>
+              <a:t>12/7/2025</a:t>
             </a:fld>
             <a:endParaRPr lang="en-US"/>
           </a:p>
@@ -1160,7 +1164,7 @@
           <a:p>
             <a:fld id="{CBD56C24-66B3-4808-8C39-E70052D1FDF7}" type="datetimeFigureOut">
               <a:rPr lang="en-US" smtClean="0"/>
-              <a:t>12/2/2025</a:t>
+              <a:t>12/7/2025</a:t>
             </a:fld>
             <a:endParaRPr lang="en-US"/>
           </a:p>
@@ -1425,7 +1429,7 @@
           <a:p>
             <a:fld id="{CBD56C24-66B3-4808-8C39-E70052D1FDF7}" type="datetimeFigureOut">
               <a:rPr lang="en-US" smtClean="0"/>
-              <a:t>12/2/2025</a:t>
+              <a:t>12/7/2025</a:t>
             </a:fld>
             <a:endParaRPr lang="en-US"/>
           </a:p>
@@ -1837,7 +1841,7 @@
           <a:p>
             <a:fld id="{CBD56C24-66B3-4808-8C39-E70052D1FDF7}" type="datetimeFigureOut">
               <a:rPr lang="en-US" smtClean="0"/>
-              <a:t>12/2/2025</a:t>
+              <a:t>12/7/2025</a:t>
             </a:fld>
             <a:endParaRPr lang="en-US"/>
           </a:p>
@@ -1978,7 +1982,7 @@
           <a:p>
             <a:fld id="{CBD56C24-66B3-4808-8C39-E70052D1FDF7}" type="datetimeFigureOut">
               <a:rPr lang="en-US" smtClean="0"/>
-              <a:t>12/2/2025</a:t>
+              <a:t>12/7/2025</a:t>
             </a:fld>
             <a:endParaRPr lang="en-US"/>
           </a:p>
@@ -2091,7 +2095,7 @@
           <a:p>
             <a:fld id="{CBD56C24-66B3-4808-8C39-E70052D1FDF7}" type="datetimeFigureOut">
               <a:rPr lang="en-US" smtClean="0"/>
-              <a:t>12/2/2025</a:t>
+              <a:t>12/7/2025</a:t>
             </a:fld>
             <a:endParaRPr lang="en-US"/>
           </a:p>
@@ -2402,7 +2406,7 @@
           <a:p>
             <a:fld id="{CBD56C24-66B3-4808-8C39-E70052D1FDF7}" type="datetimeFigureOut">
               <a:rPr lang="en-US" smtClean="0"/>
-              <a:t>12/2/2025</a:t>
+              <a:t>12/7/2025</a:t>
             </a:fld>
             <a:endParaRPr lang="en-US"/>
           </a:p>
@@ -2690,7 +2694,7 @@
           <a:p>
             <a:fld id="{CBD56C24-66B3-4808-8C39-E70052D1FDF7}" type="datetimeFigureOut">
               <a:rPr lang="en-US" smtClean="0"/>
-              <a:t>12/2/2025</a:t>
+              <a:t>12/7/2025</a:t>
             </a:fld>
             <a:endParaRPr lang="en-US"/>
           </a:p>
@@ -2931,7 +2935,7 @@
           <a:p>
             <a:fld id="{CBD56C24-66B3-4808-8C39-E70052D1FDF7}" type="datetimeFigureOut">
               <a:rPr lang="en-US" smtClean="0"/>
-              <a:t>12/2/2025</a:t>
+              <a:t>12/7/2025</a:t>
             </a:fld>
             <a:endParaRPr lang="en-US"/>
           </a:p>
@@ -8713,8 +8717,8 @@
         </p:nvSpPr>
         <p:spPr>
           <a:xfrm>
-            <a:off x="548640" y="455596"/>
-            <a:ext cx="9144000" cy="738497"/>
+            <a:off x="1476962" y="572635"/>
+            <a:ext cx="10789920" cy="738497"/>
           </a:xfrm>
         </p:spPr>
         <p:txBody>
@@ -8733,17 +8737,17 @@
                 <a:ea typeface="Amazon Ember Display Heavy" panose="020F0803020204020204" pitchFamily="34" charset="0"/>
                 <a:cs typeface="Amazon Ember Display Heavy" panose="020F0803020204020204" pitchFamily="34" charset="0"/>
               </a:rPr>
-              <a:t>Visual Insights from Dashboards</a:t>
+              <a:t>SQL Data Storage &amp; Querying</a:t>
             </a:r>
           </a:p>
         </p:txBody>
       </p:sp>
       <p:sp>
         <p:nvSpPr>
-          <p:cNvPr id="26" name="TextBox 25">
-            <a:extLst>
-              <a:ext uri="{FF2B5EF4-FFF2-40B4-BE49-F238E27FC236}">
-                <a16:creationId xmlns:a16="http://schemas.microsoft.com/office/drawing/2014/main" id="{4ED139B9-0116-4674-9017-35E35C8B714B}"/>
+          <p:cNvPr id="2" name="TextBox 1">
+            <a:extLst>
+              <a:ext uri="{FF2B5EF4-FFF2-40B4-BE49-F238E27FC236}">
+                <a16:creationId xmlns:a16="http://schemas.microsoft.com/office/drawing/2014/main" id="{3DD509C2-10E7-41A1-AE27-5862EB2013DD}"/>
               </a:ext>
             </a:extLst>
           </p:cNvPr>
@@ -8752,8 +8756,8 @@
         </p:nvSpPr>
         <p:spPr>
           <a:xfrm>
-            <a:off x="9083040" y="924560"/>
-            <a:ext cx="2560320" cy="369332"/>
+            <a:off x="548640" y="1509756"/>
+            <a:ext cx="11094720" cy="5570756"/>
           </a:xfrm>
           <a:prstGeom prst="rect">
             <a:avLst/>
@@ -8766,138 +8770,318 @@
           </a:bodyPr>
           <a:lstStyle/>
           <a:p>
-            <a:endParaRPr lang="en-US" dirty="0"/>
+            <a:r>
+              <a:rPr lang="en-US" sz="1600" b="1" dirty="0">
+                <a:solidFill>
+                  <a:srgbClr val="0F5963"/>
+                </a:solidFill>
+                <a:latin typeface="Montserrat" panose="00000500000000000000" pitchFamily="2" charset="0"/>
+              </a:rPr>
+              <a:t>Why SQL?</a:t>
+            </a:r>
+          </a:p>
+          <a:p>
+            <a:endParaRPr lang="en-US" sz="1600" b="1" dirty="0">
+              <a:solidFill>
+                <a:srgbClr val="0F5963"/>
+              </a:solidFill>
+              <a:latin typeface="Montserrat" panose="00000500000000000000" pitchFamily="2" charset="0"/>
+            </a:endParaRPr>
+          </a:p>
+          <a:p>
+            <a:r>
+              <a:rPr lang="en-US" sz="1600" dirty="0">
+                <a:solidFill>
+                  <a:srgbClr val="0F5963"/>
+                </a:solidFill>
+                <a:latin typeface="Montserrat" panose="00000500000000000000" pitchFamily="2" charset="0"/>
+              </a:rPr>
+              <a:t>After cleaning and preparing the dataset in Python, the final </a:t>
+            </a:r>
+            <a:r>
+              <a:rPr lang="en-US" sz="1600" dirty="0" err="1">
+                <a:solidFill>
+                  <a:srgbClr val="0F5963"/>
+                </a:solidFill>
+                <a:latin typeface="Montserrat" panose="00000500000000000000" pitchFamily="2" charset="0"/>
+              </a:rPr>
+              <a:t>DataFrame</a:t>
+            </a:r>
+            <a:r>
+              <a:rPr lang="en-US" sz="1600" dirty="0">
+                <a:solidFill>
+                  <a:srgbClr val="0F5963"/>
+                </a:solidFill>
+                <a:latin typeface="Montserrat" panose="00000500000000000000" pitchFamily="2" charset="0"/>
+              </a:rPr>
+              <a:t> was uploaded into a SQL database for:</a:t>
+            </a:r>
+          </a:p>
+          <a:p>
+            <a:endParaRPr lang="en-US" sz="1600" dirty="0">
+              <a:solidFill>
+                <a:srgbClr val="0F5963"/>
+              </a:solidFill>
+              <a:latin typeface="Montserrat" panose="00000500000000000000" pitchFamily="2" charset="0"/>
+            </a:endParaRPr>
+          </a:p>
+          <a:p>
+            <a:pPr>
+              <a:buFont typeface="Arial" panose="020B0604020202020204" pitchFamily="34" charset="0"/>
+              <a:buChar char="•"/>
+            </a:pPr>
+            <a:r>
+              <a:rPr lang="en-US" sz="1600" dirty="0">
+                <a:solidFill>
+                  <a:srgbClr val="0F5963"/>
+                </a:solidFill>
+                <a:latin typeface="Montserrat" panose="00000500000000000000" pitchFamily="2" charset="0"/>
+              </a:rPr>
+              <a:t>Efficient querying</a:t>
+            </a:r>
+          </a:p>
+          <a:p>
+            <a:pPr>
+              <a:buFont typeface="Arial" panose="020B0604020202020204" pitchFamily="34" charset="0"/>
+              <a:buChar char="•"/>
+            </a:pPr>
+            <a:endParaRPr lang="en-US" sz="1600" dirty="0">
+              <a:solidFill>
+                <a:srgbClr val="0F5963"/>
+              </a:solidFill>
+              <a:latin typeface="Montserrat" panose="00000500000000000000" pitchFamily="2" charset="0"/>
+            </a:endParaRPr>
+          </a:p>
+          <a:p>
+            <a:pPr>
+              <a:buFont typeface="Arial" panose="020B0604020202020204" pitchFamily="34" charset="0"/>
+              <a:buChar char="•"/>
+            </a:pPr>
+            <a:r>
+              <a:rPr lang="en-US" sz="1600" dirty="0">
+                <a:solidFill>
+                  <a:srgbClr val="0F5963"/>
+                </a:solidFill>
+                <a:latin typeface="Montserrat" panose="00000500000000000000" pitchFamily="2" charset="0"/>
+              </a:rPr>
+              <a:t>KPI calculations</a:t>
+            </a:r>
+          </a:p>
+          <a:p>
+            <a:pPr>
+              <a:buFont typeface="Arial" panose="020B0604020202020204" pitchFamily="34" charset="0"/>
+              <a:buChar char="•"/>
+            </a:pPr>
+            <a:endParaRPr lang="en-US" sz="1600" dirty="0">
+              <a:solidFill>
+                <a:srgbClr val="0F5963"/>
+              </a:solidFill>
+              <a:latin typeface="Montserrat" panose="00000500000000000000" pitchFamily="2" charset="0"/>
+            </a:endParaRPr>
+          </a:p>
+          <a:p>
+            <a:pPr>
+              <a:buFont typeface="Arial" panose="020B0604020202020204" pitchFamily="34" charset="0"/>
+              <a:buChar char="•"/>
+            </a:pPr>
+            <a:r>
+              <a:rPr lang="en-US" sz="1600" dirty="0">
+                <a:solidFill>
+                  <a:srgbClr val="0F5963"/>
+                </a:solidFill>
+                <a:latin typeface="Montserrat" panose="00000500000000000000" pitchFamily="2" charset="0"/>
+              </a:rPr>
+              <a:t>Portfolio segmentation</a:t>
+            </a:r>
+          </a:p>
+          <a:p>
+            <a:pPr>
+              <a:buFont typeface="Arial" panose="020B0604020202020204" pitchFamily="34" charset="0"/>
+              <a:buChar char="•"/>
+            </a:pPr>
+            <a:endParaRPr lang="en-US" sz="1600" dirty="0">
+              <a:solidFill>
+                <a:srgbClr val="0F5963"/>
+              </a:solidFill>
+              <a:latin typeface="Montserrat" panose="00000500000000000000" pitchFamily="2" charset="0"/>
+            </a:endParaRPr>
+          </a:p>
+          <a:p>
+            <a:pPr>
+              <a:buFont typeface="Arial" panose="020B0604020202020204" pitchFamily="34" charset="0"/>
+              <a:buChar char="•"/>
+            </a:pPr>
+            <a:r>
+              <a:rPr lang="en-US" sz="1600" dirty="0">
+                <a:solidFill>
+                  <a:srgbClr val="0F5963"/>
+                </a:solidFill>
+                <a:latin typeface="Montserrat" panose="00000500000000000000" pitchFamily="2" charset="0"/>
+              </a:rPr>
+              <a:t>Data validation</a:t>
+            </a:r>
+          </a:p>
+          <a:p>
+            <a:pPr>
+              <a:buFont typeface="Arial" panose="020B0604020202020204" pitchFamily="34" charset="0"/>
+              <a:buChar char="•"/>
+            </a:pPr>
+            <a:endParaRPr lang="en-US" sz="1600" dirty="0">
+              <a:solidFill>
+                <a:srgbClr val="0F5963"/>
+              </a:solidFill>
+              <a:latin typeface="Montserrat" panose="00000500000000000000" pitchFamily="2" charset="0"/>
+            </a:endParaRPr>
+          </a:p>
+          <a:p>
+            <a:pPr>
+              <a:buFont typeface="Arial" panose="020B0604020202020204" pitchFamily="34" charset="0"/>
+              <a:buChar char="•"/>
+            </a:pPr>
+            <a:r>
+              <a:rPr lang="en-US" sz="1600" dirty="0">
+                <a:solidFill>
+                  <a:srgbClr val="0F5963"/>
+                </a:solidFill>
+                <a:latin typeface="Montserrat" panose="00000500000000000000" pitchFamily="2" charset="0"/>
+              </a:rPr>
+              <a:t>Power BI connection</a:t>
+            </a:r>
+          </a:p>
+          <a:p>
+            <a:pPr>
+              <a:buFont typeface="Arial" panose="020B0604020202020204" pitchFamily="34" charset="0"/>
+              <a:buChar char="•"/>
+            </a:pPr>
+            <a:endParaRPr lang="en-US" sz="1600" dirty="0">
+              <a:solidFill>
+                <a:srgbClr val="CC0000"/>
+              </a:solidFill>
+              <a:latin typeface="Montserrat" panose="00000500000000000000" pitchFamily="2" charset="0"/>
+            </a:endParaRPr>
+          </a:p>
+          <a:p>
+            <a:r>
+              <a:rPr lang="en-US" sz="2000" b="1" dirty="0">
+                <a:solidFill>
+                  <a:srgbClr val="CC0000"/>
+                </a:solidFill>
+                <a:latin typeface="Montserrat" panose="00000500000000000000" pitchFamily="2" charset="0"/>
+              </a:rPr>
+              <a:t>Database Setup:</a:t>
+            </a:r>
+          </a:p>
+          <a:p>
+            <a:pPr>
+              <a:buFont typeface="Arial" panose="020B0604020202020204" pitchFamily="34" charset="0"/>
+              <a:buChar char="•"/>
+            </a:pPr>
+            <a:endParaRPr lang="en-US" sz="2000" b="1" dirty="0">
+              <a:solidFill>
+                <a:srgbClr val="CC0000"/>
+              </a:solidFill>
+              <a:latin typeface="Montserrat" panose="00000500000000000000" pitchFamily="2" charset="0"/>
+            </a:endParaRPr>
+          </a:p>
+          <a:p>
+            <a:pPr>
+              <a:buFont typeface="Arial" panose="020B0604020202020204" pitchFamily="34" charset="0"/>
+              <a:buChar char="•"/>
+            </a:pPr>
+            <a:r>
+              <a:rPr lang="en-US" sz="1600" b="1" dirty="0">
+                <a:solidFill>
+                  <a:srgbClr val="0F5963"/>
+                </a:solidFill>
+                <a:latin typeface="Montserrat" panose="00000500000000000000" pitchFamily="2" charset="0"/>
+              </a:rPr>
+              <a:t>CREATE DATABASE Bank loan data;</a:t>
+            </a:r>
+          </a:p>
+          <a:p>
+            <a:pPr>
+              <a:buFont typeface="Arial" panose="020B0604020202020204" pitchFamily="34" charset="0"/>
+              <a:buChar char="•"/>
+            </a:pPr>
+            <a:r>
+              <a:rPr lang="en-US" sz="1600" b="1" dirty="0">
+                <a:solidFill>
+                  <a:srgbClr val="0F5963"/>
+                </a:solidFill>
+                <a:latin typeface="Montserrat" panose="00000500000000000000" pitchFamily="2" charset="0"/>
+              </a:rPr>
+              <a:t>USE Bank loan data;</a:t>
+            </a:r>
+          </a:p>
+          <a:p>
+            <a:endParaRPr lang="en-US" sz="2000" dirty="0">
+              <a:solidFill>
+                <a:srgbClr val="CC0000"/>
+              </a:solidFill>
+              <a:latin typeface="Montserrat" panose="00000500000000000000" pitchFamily="2" charset="0"/>
+            </a:endParaRPr>
+          </a:p>
+          <a:p>
+            <a:endParaRPr lang="en-US" sz="1600" dirty="0">
+              <a:solidFill>
+                <a:srgbClr val="0F5963"/>
+              </a:solidFill>
+              <a:latin typeface="Montserrat" panose="00000500000000000000" pitchFamily="2" charset="0"/>
+            </a:endParaRPr>
           </a:p>
         </p:txBody>
       </p:sp>
-      <p:sp>
-        <p:nvSpPr>
-          <p:cNvPr id="44" name="Rectangle 12">
-            <a:extLst>
-              <a:ext uri="{FF2B5EF4-FFF2-40B4-BE49-F238E27FC236}">
-                <a16:creationId xmlns:a16="http://schemas.microsoft.com/office/drawing/2014/main" id="{D451315E-7F17-4B18-9E8E-E5C105609BA0}"/>
-              </a:ext>
-            </a:extLst>
-          </p:cNvPr>
-          <p:cNvSpPr>
-            <a:spLocks noChangeArrowheads="1"/>
-          </p:cNvSpPr>
+      <p:pic>
+        <p:nvPicPr>
+          <p:cNvPr id="7" name="Picture 14" descr="SQL icon in Windows 11 Color Style">
+            <a:extLst>
+              <a:ext uri="{FF2B5EF4-FFF2-40B4-BE49-F238E27FC236}">
+                <a16:creationId xmlns:a16="http://schemas.microsoft.com/office/drawing/2014/main" id="{D4C14396-2BDE-4EA4-AD48-018D39553715}"/>
+              </a:ext>
+            </a:extLst>
+          </p:cNvPr>
+          <p:cNvPicPr>
+            <a:picLocks noChangeAspect="1" noChangeArrowheads="1"/>
+          </p:cNvPicPr>
           <p:nvPr/>
-        </p:nvSpPr>
+        </p:nvPicPr>
+        <p:blipFill>
+          <a:blip r:embed="rId2">
+            <a:extLst>
+              <a:ext uri="{28A0092B-C50C-407E-A947-70E740481C1C}">
+                <a14:useLocalDpi xmlns:a14="http://schemas.microsoft.com/office/drawing/2010/main" val="0"/>
+              </a:ext>
+            </a:extLst>
+          </a:blip>
+          <a:srcRect/>
+          <a:stretch>
+            <a:fillRect/>
+          </a:stretch>
+        </p:blipFill>
         <p:spPr bwMode="auto">
           <a:xfrm>
-            <a:off x="0" y="-184666"/>
-            <a:ext cx="264816" cy="369332"/>
+            <a:off x="720042" y="518600"/>
+            <a:ext cx="868680" cy="868680"/>
           </a:xfrm>
           <a:prstGeom prst="rect">
             <a:avLst/>
           </a:prstGeom>
           <a:noFill/>
-          <a:ln>
-            <a:noFill/>
-          </a:ln>
-          <a:effectLst/>
           <a:extLst>
             <a:ext uri="{909E8E84-426E-40DD-AFC4-6F175D3DCCD1}">
               <a14:hiddenFill xmlns:a14="http://schemas.microsoft.com/office/drawing/2010/main">
                 <a:solidFill>
-                  <a:schemeClr val="accent1"/>
+                  <a:srgbClr val="FFFFFF"/>
                 </a:solidFill>
               </a14:hiddenFill>
             </a:ext>
-            <a:ext uri="{91240B29-F687-4F45-9708-019B960494DF}">
-              <a14:hiddenLine xmlns:a14="http://schemas.microsoft.com/office/drawing/2010/main" w="9525">
-                <a:solidFill>
-                  <a:schemeClr val="tx1"/>
-                </a:solidFill>
-                <a:miter lim="800000"/>
-                <a:headEnd/>
-                <a:tailEnd/>
-              </a14:hiddenLine>
-            </a:ext>
-            <a:ext uri="{AF507438-7753-43E0-B8FC-AC1667EBCBE1}">
-              <a14:hiddenEffects xmlns:a14="http://schemas.microsoft.com/office/drawing/2010/main">
-                <a:effectLst>
-                  <a:outerShdw dist="35921" dir="2700000" algn="ctr" rotWithShape="0">
-                    <a:schemeClr val="bg2"/>
-                  </a:outerShdw>
-                </a:effectLst>
-              </a14:hiddenEffects>
-            </a:ext>
           </a:extLst>
-        </p:spPr>
-        <p:txBody>
-          <a:bodyPr vert="horz" wrap="none" lIns="91440" tIns="45720" rIns="91440" bIns="45720" numCol="1" anchor="ctr" anchorCtr="0" compatLnSpc="1">
-            <a:prstTxWarp prst="textNoShape">
-              <a:avLst/>
-            </a:prstTxWarp>
-            <a:spAutoFit/>
-          </a:bodyPr>
-          <a:lstStyle/>
-          <a:p>
-            <a:pPr marL="0" marR="0" lvl="0" indent="0" algn="l" defTabSz="914400" rtl="0" eaLnBrk="0" fontAlgn="base" latinLnBrk="0" hangingPunct="0">
-              <a:lnSpc>
-                <a:spcPct val="100000"/>
-              </a:lnSpc>
-              <a:spcBef>
-                <a:spcPct val="0"/>
-              </a:spcBef>
-              <a:spcAft>
-                <a:spcPct val="0"/>
-              </a:spcAft>
-              <a:buClrTx/>
-              <a:buSzTx/>
-              <a:buFontTx/>
-              <a:buChar char="•"/>
-              <a:tabLst/>
-            </a:pPr>
-            <a:endParaRPr kumimoji="0" lang="en-US" altLang="en-US" sz="1800" b="0" i="0" u="none" strike="noStrike" cap="none" normalizeH="0" baseline="0" dirty="0">
-              <a:ln>
-                <a:noFill/>
-              </a:ln>
-              <a:solidFill>
-                <a:schemeClr val="tx1"/>
-              </a:solidFill>
-              <a:effectLst/>
-              <a:latin typeface="Arial" panose="020B0604020202020204" pitchFamily="34" charset="0"/>
-            </a:endParaRPr>
-          </a:p>
-        </p:txBody>
-      </p:sp>
-      <p:pic>
-        <p:nvPicPr>
-          <p:cNvPr id="48" name="Picture 47">
-            <a:extLst>
-              <a:ext uri="{FF2B5EF4-FFF2-40B4-BE49-F238E27FC236}">
-                <a16:creationId xmlns:a16="http://schemas.microsoft.com/office/drawing/2014/main" id="{FAD14926-B590-46BD-B8A7-51F99ADE37CC}"/>
-              </a:ext>
-            </a:extLst>
-          </p:cNvPr>
-          <p:cNvPicPr>
-            <a:picLocks noChangeAspect="1"/>
-          </p:cNvPicPr>
-          <p:nvPr/>
-        </p:nvPicPr>
-        <p:blipFill>
-          <a:blip r:embed="rId2"/>
-          <a:stretch>
-            <a:fillRect/>
-          </a:stretch>
-        </p:blipFill>
-        <p:spPr>
-          <a:xfrm>
-            <a:off x="807720" y="1293892"/>
-            <a:ext cx="10718800" cy="5135368"/>
-          </a:xfrm>
-          <a:prstGeom prst="rect">
-            <a:avLst/>
-          </a:prstGeom>
         </p:spPr>
       </p:pic>
     </p:spTree>
     <p:extLst>
       <p:ext uri="{BB962C8B-B14F-4D97-AF65-F5344CB8AC3E}">
-        <p14:creationId xmlns:p14="http://schemas.microsoft.com/office/powerpoint/2010/main" val="3688960412"/>
+        <p14:creationId xmlns:p14="http://schemas.microsoft.com/office/powerpoint/2010/main" val="2732696203"/>
       </p:ext>
     </p:extLst>
   </p:cSld>
@@ -8994,37 +9178,37 @@
         </p:nvSpPr>
         <p:spPr>
           <a:xfrm>
-            <a:off x="548640" y="589280"/>
+            <a:off x="1476962" y="572635"/>
             <a:ext cx="10789920" cy="738497"/>
           </a:xfrm>
         </p:spPr>
         <p:txBody>
           <a:bodyPr>
-            <a:normAutofit fontScale="90000"/>
+            <a:normAutofit/>
           </a:bodyPr>
           <a:lstStyle/>
           <a:p>
             <a:pPr algn="l"/>
             <a:r>
-              <a:rPr lang="en-US" sz="4000" dirty="0">
-                <a:solidFill>
-                  <a:srgbClr val="CC0000"/>
+              <a:rPr lang="en-US" sz="3600" dirty="0">
+                <a:solidFill>
+                  <a:srgbClr val="C00000"/>
                 </a:solidFill>
                 <a:latin typeface="Amazon Ember Display Heavy" panose="020F0803020204020204" pitchFamily="34" charset="0"/>
                 <a:ea typeface="Amazon Ember Display Heavy" panose="020F0803020204020204" pitchFamily="34" charset="0"/>
                 <a:cs typeface="Amazon Ember Display Heavy" panose="020F0803020204020204" pitchFamily="34" charset="0"/>
               </a:rPr>
-              <a:t>Visual Insights from Dashboards (Continued)</a:t>
+              <a:t>SQL Analysis &amp; KPIs</a:t>
             </a:r>
           </a:p>
         </p:txBody>
       </p:sp>
       <p:sp>
         <p:nvSpPr>
-          <p:cNvPr id="5" name="TextBox 4">
-            <a:extLst>
-              <a:ext uri="{FF2B5EF4-FFF2-40B4-BE49-F238E27FC236}">
-                <a16:creationId xmlns:a16="http://schemas.microsoft.com/office/drawing/2014/main" id="{C9268BBC-E025-4D76-9CEB-6E03BF84B8B3}"/>
+          <p:cNvPr id="2" name="TextBox 1">
+            <a:extLst>
+              <a:ext uri="{FF2B5EF4-FFF2-40B4-BE49-F238E27FC236}">
+                <a16:creationId xmlns:a16="http://schemas.microsoft.com/office/drawing/2014/main" id="{3DD509C2-10E7-41A1-AE27-5862EB2013DD}"/>
               </a:ext>
             </a:extLst>
           </p:cNvPr>
@@ -9033,8 +9217,8 @@
         </p:nvSpPr>
         <p:spPr>
           <a:xfrm>
-            <a:off x="629920" y="1461461"/>
-            <a:ext cx="11033760" cy="4801314"/>
+            <a:off x="548640" y="1509756"/>
+            <a:ext cx="11094720" cy="6247864"/>
           </a:xfrm>
           <a:prstGeom prst="rect">
             <a:avLst/>
@@ -9048,17 +9232,230 @@
           <a:lstStyle/>
           <a:p>
             <a:r>
-              <a:rPr lang="en-US" b="1" dirty="0">
-                <a:solidFill>
-                  <a:srgbClr val="0F5963"/>
-                </a:solidFill>
-                <a:latin typeface="Montserrat" panose="00000500000000000000" pitchFamily="2" charset="0"/>
-              </a:rPr>
-              <a:t>Insights from Summary Dashboard</a:t>
-            </a:r>
-          </a:p>
-          <a:p>
-            <a:endParaRPr lang="en-US" b="1" dirty="0">
+              <a:rPr lang="en-US" sz="1600" b="1" dirty="0">
+                <a:solidFill>
+                  <a:srgbClr val="C00000"/>
+                </a:solidFill>
+                <a:latin typeface="Montserrat" panose="00000500000000000000" pitchFamily="2" charset="0"/>
+              </a:rPr>
+              <a:t>Table Creation:</a:t>
+            </a:r>
+          </a:p>
+          <a:p>
+            <a:endParaRPr lang="en-US" sz="1600" b="1" dirty="0">
+              <a:solidFill>
+                <a:srgbClr val="C00000"/>
+              </a:solidFill>
+              <a:latin typeface="Montserrat" panose="00000500000000000000" pitchFamily="2" charset="0"/>
+            </a:endParaRPr>
+          </a:p>
+          <a:p>
+            <a:r>
+              <a:rPr lang="en-US" sz="1600" dirty="0">
+                <a:solidFill>
+                  <a:srgbClr val="0F5963"/>
+                </a:solidFill>
+                <a:latin typeface="Montserrat" panose="00000500000000000000" pitchFamily="2" charset="0"/>
+              </a:rPr>
+              <a:t>CREATE TABLE </a:t>
+            </a:r>
+            <a:r>
+              <a:rPr lang="en-US" sz="1600" dirty="0" err="1">
+                <a:solidFill>
+                  <a:srgbClr val="0F5963"/>
+                </a:solidFill>
+                <a:latin typeface="Montserrat" panose="00000500000000000000" pitchFamily="2" charset="0"/>
+              </a:rPr>
+              <a:t>loans_cleaned</a:t>
+            </a:r>
+            <a:r>
+              <a:rPr lang="en-US" sz="1600" dirty="0">
+                <a:solidFill>
+                  <a:srgbClr val="0F5963"/>
+                </a:solidFill>
+                <a:latin typeface="Montserrat" panose="00000500000000000000" pitchFamily="2" charset="0"/>
+              </a:rPr>
+              <a:t> AS</a:t>
+            </a:r>
+          </a:p>
+          <a:p>
+            <a:r>
+              <a:rPr lang="en-US" sz="1600" dirty="0">
+                <a:solidFill>
+                  <a:srgbClr val="0F5963"/>
+                </a:solidFill>
+                <a:latin typeface="Montserrat" panose="00000500000000000000" pitchFamily="2" charset="0"/>
+              </a:rPr>
+              <a:t>SELECT * FROM </a:t>
+            </a:r>
+            <a:r>
+              <a:rPr lang="en-US" sz="1600" dirty="0" err="1">
+                <a:solidFill>
+                  <a:srgbClr val="0F5963"/>
+                </a:solidFill>
+                <a:latin typeface="Montserrat" panose="00000500000000000000" pitchFamily="2" charset="0"/>
+              </a:rPr>
+              <a:t>loans_python_clean</a:t>
+            </a:r>
+            <a:r>
+              <a:rPr lang="en-US" sz="1600" dirty="0">
+                <a:solidFill>
+                  <a:srgbClr val="0F5963"/>
+                </a:solidFill>
+                <a:latin typeface="Montserrat" panose="00000500000000000000" pitchFamily="2" charset="0"/>
+              </a:rPr>
+              <a:t>;</a:t>
+            </a:r>
+          </a:p>
+          <a:p>
+            <a:endParaRPr lang="en-US" sz="1600" dirty="0">
+              <a:latin typeface="Montserrat" panose="00000500000000000000" pitchFamily="2" charset="0"/>
+            </a:endParaRPr>
+          </a:p>
+          <a:p>
+            <a:r>
+              <a:rPr lang="en-US" sz="1600" b="1" dirty="0">
+                <a:solidFill>
+                  <a:srgbClr val="C00000"/>
+                </a:solidFill>
+                <a:latin typeface="Montserrat" panose="00000500000000000000" pitchFamily="2" charset="0"/>
+              </a:rPr>
+              <a:t>1.Portfolio Overview:</a:t>
+            </a:r>
+          </a:p>
+          <a:p>
+            <a:endParaRPr lang="en-US" sz="1600" b="1" dirty="0">
+              <a:solidFill>
+                <a:srgbClr val="C00000"/>
+              </a:solidFill>
+              <a:latin typeface="Montserrat" panose="00000500000000000000" pitchFamily="2" charset="0"/>
+            </a:endParaRPr>
+          </a:p>
+          <a:p>
+            <a:r>
+              <a:rPr lang="en-US" sz="1600" dirty="0">
+                <a:solidFill>
+                  <a:srgbClr val="0F5963"/>
+                </a:solidFill>
+                <a:latin typeface="Montserrat" panose="00000500000000000000" pitchFamily="2" charset="0"/>
+              </a:rPr>
+              <a:t>SELECT </a:t>
+            </a:r>
+          </a:p>
+          <a:p>
+            <a:r>
+              <a:rPr lang="en-US" sz="1600" dirty="0">
+                <a:solidFill>
+                  <a:srgbClr val="0F5963"/>
+                </a:solidFill>
+                <a:latin typeface="Montserrat" panose="00000500000000000000" pitchFamily="2" charset="0"/>
+              </a:rPr>
+              <a:t>  COUNT(*) AS </a:t>
+            </a:r>
+            <a:r>
+              <a:rPr lang="en-US" sz="1600" dirty="0" err="1">
+                <a:solidFill>
+                  <a:srgbClr val="0F5963"/>
+                </a:solidFill>
+                <a:latin typeface="Montserrat" panose="00000500000000000000" pitchFamily="2" charset="0"/>
+              </a:rPr>
+              <a:t>total_loans</a:t>
+            </a:r>
+            <a:r>
+              <a:rPr lang="en-US" sz="1600" dirty="0">
+                <a:solidFill>
+                  <a:srgbClr val="0F5963"/>
+                </a:solidFill>
+                <a:latin typeface="Montserrat" panose="00000500000000000000" pitchFamily="2" charset="0"/>
+              </a:rPr>
+              <a:t>,</a:t>
+            </a:r>
+          </a:p>
+          <a:p>
+            <a:r>
+              <a:rPr lang="en-US" sz="1600" dirty="0">
+                <a:solidFill>
+                  <a:srgbClr val="0F5963"/>
+                </a:solidFill>
+                <a:latin typeface="Montserrat" panose="00000500000000000000" pitchFamily="2" charset="0"/>
+              </a:rPr>
+              <a:t>  SUM(CASE WHEN </a:t>
+            </a:r>
+            <a:r>
+              <a:rPr lang="en-US" sz="1600" dirty="0" err="1">
+                <a:solidFill>
+                  <a:srgbClr val="0F5963"/>
+                </a:solidFill>
+                <a:latin typeface="Montserrat" panose="00000500000000000000" pitchFamily="2" charset="0"/>
+              </a:rPr>
+              <a:t>loan_status</a:t>
+            </a:r>
+            <a:r>
+              <a:rPr lang="en-US" sz="1600" dirty="0">
+                <a:solidFill>
+                  <a:srgbClr val="0F5963"/>
+                </a:solidFill>
+                <a:latin typeface="Montserrat" panose="00000500000000000000" pitchFamily="2" charset="0"/>
+              </a:rPr>
+              <a:t>='Good' THEN 1 END) AS </a:t>
+            </a:r>
+            <a:r>
+              <a:rPr lang="en-US" sz="1600" dirty="0" err="1">
+                <a:solidFill>
+                  <a:srgbClr val="0F5963"/>
+                </a:solidFill>
+                <a:latin typeface="Montserrat" panose="00000500000000000000" pitchFamily="2" charset="0"/>
+              </a:rPr>
+              <a:t>good_loans</a:t>
+            </a:r>
+            <a:r>
+              <a:rPr lang="en-US" sz="1600" dirty="0">
+                <a:solidFill>
+                  <a:srgbClr val="0F5963"/>
+                </a:solidFill>
+                <a:latin typeface="Montserrat" panose="00000500000000000000" pitchFamily="2" charset="0"/>
+              </a:rPr>
+              <a:t>,</a:t>
+            </a:r>
+          </a:p>
+          <a:p>
+            <a:r>
+              <a:rPr lang="en-US" sz="1600" dirty="0">
+                <a:solidFill>
+                  <a:srgbClr val="0F5963"/>
+                </a:solidFill>
+                <a:latin typeface="Montserrat" panose="00000500000000000000" pitchFamily="2" charset="0"/>
+              </a:rPr>
+              <a:t>  SUM(CASE WHEN </a:t>
+            </a:r>
+            <a:r>
+              <a:rPr lang="en-US" sz="1600" dirty="0" err="1">
+                <a:solidFill>
+                  <a:srgbClr val="0F5963"/>
+                </a:solidFill>
+                <a:latin typeface="Montserrat" panose="00000500000000000000" pitchFamily="2" charset="0"/>
+              </a:rPr>
+              <a:t>loan_status</a:t>
+            </a:r>
+            <a:r>
+              <a:rPr lang="en-US" sz="1600" dirty="0">
+                <a:solidFill>
+                  <a:srgbClr val="0F5963"/>
+                </a:solidFill>
+                <a:latin typeface="Montserrat" panose="00000500000000000000" pitchFamily="2" charset="0"/>
+              </a:rPr>
+              <a:t>='Bad' THEN 1 END) AS </a:t>
+            </a:r>
+            <a:r>
+              <a:rPr lang="en-US" sz="1600" dirty="0" err="1">
+                <a:solidFill>
+                  <a:srgbClr val="0F5963"/>
+                </a:solidFill>
+                <a:latin typeface="Montserrat" panose="00000500000000000000" pitchFamily="2" charset="0"/>
+              </a:rPr>
+              <a:t>bad_loans</a:t>
+            </a:r>
+            <a:endParaRPr lang="en-US" sz="1600" dirty="0">
               <a:solidFill>
                 <a:srgbClr val="0F5963"/>
               </a:solidFill>
@@ -9067,45 +9464,146 @@
           </a:p>
           <a:p>
             <a:r>
-              <a:rPr lang="en-US" b="1" dirty="0">
-                <a:solidFill>
-                  <a:srgbClr val="0F5963"/>
-                </a:solidFill>
-                <a:latin typeface="Montserrat" panose="00000500000000000000" pitchFamily="2" charset="0"/>
-              </a:rPr>
-              <a:t>1. High Loan Success Rate</a:t>
-            </a:r>
-          </a:p>
-          <a:p>
-            <a:pPr>
-              <a:buFont typeface="Arial" panose="020B0604020202020204" pitchFamily="34" charset="0"/>
-              <a:buChar char="•"/>
-            </a:pPr>
-            <a:r>
-              <a:rPr lang="en-US" b="1" dirty="0">
-                <a:solidFill>
-                  <a:srgbClr val="0F5963"/>
-                </a:solidFill>
-                <a:latin typeface="Montserrat" panose="00000500000000000000" pitchFamily="2" charset="0"/>
-              </a:rPr>
-              <a:t>86.18% of all loans issued are Good Loans</a:t>
-            </a:r>
-            <a:r>
-              <a:rPr lang="en-US" dirty="0">
-                <a:solidFill>
-                  <a:srgbClr val="0F5963"/>
-                </a:solidFill>
-                <a:latin typeface="Montserrat" panose="00000500000000000000" pitchFamily="2" charset="0"/>
-              </a:rPr>
-              <a:t>, indicating strong repayment behavior.</a:t>
-            </a:r>
-          </a:p>
-          <a:p>
-            <a:pPr>
-              <a:buFont typeface="Arial" panose="020B0604020202020204" pitchFamily="34" charset="0"/>
-              <a:buChar char="•"/>
-            </a:pPr>
-            <a:endParaRPr lang="en-US" dirty="0">
+              <a:rPr lang="en-US" sz="1600" dirty="0">
+                <a:solidFill>
+                  <a:srgbClr val="0F5963"/>
+                </a:solidFill>
+                <a:latin typeface="Montserrat" panose="00000500000000000000" pitchFamily="2" charset="0"/>
+              </a:rPr>
+              <a:t>FROM </a:t>
+            </a:r>
+            <a:r>
+              <a:rPr lang="en-US" sz="1600" dirty="0" err="1">
+                <a:solidFill>
+                  <a:srgbClr val="0F5963"/>
+                </a:solidFill>
+                <a:latin typeface="Montserrat" panose="00000500000000000000" pitchFamily="2" charset="0"/>
+              </a:rPr>
+              <a:t>loans_cleaned</a:t>
+            </a:r>
+            <a:r>
+              <a:rPr lang="en-US" sz="1600" dirty="0">
+                <a:solidFill>
+                  <a:srgbClr val="0F5963"/>
+                </a:solidFill>
+                <a:latin typeface="Montserrat" panose="00000500000000000000" pitchFamily="2" charset="0"/>
+              </a:rPr>
+              <a:t>;</a:t>
+            </a:r>
+          </a:p>
+          <a:p>
+            <a:endParaRPr lang="en-US" sz="1600" dirty="0">
+              <a:latin typeface="Montserrat" panose="00000500000000000000" pitchFamily="2" charset="0"/>
+            </a:endParaRPr>
+          </a:p>
+          <a:p>
+            <a:r>
+              <a:rPr lang="en-US" sz="1600" b="1" dirty="0">
+                <a:solidFill>
+                  <a:srgbClr val="C00000"/>
+                </a:solidFill>
+                <a:latin typeface="Montserrat" panose="00000500000000000000" pitchFamily="2" charset="0"/>
+              </a:rPr>
+              <a:t>2. Good vs Bad Loan Percentage:</a:t>
+            </a:r>
+          </a:p>
+          <a:p>
+            <a:endParaRPr lang="en-US" sz="1600" b="1" dirty="0">
+              <a:solidFill>
+                <a:srgbClr val="C00000"/>
+              </a:solidFill>
+              <a:latin typeface="Montserrat" panose="00000500000000000000" pitchFamily="2" charset="0"/>
+            </a:endParaRPr>
+          </a:p>
+          <a:p>
+            <a:r>
+              <a:rPr lang="en-US" sz="1600" dirty="0">
+                <a:solidFill>
+                  <a:srgbClr val="0F5963"/>
+                </a:solidFill>
+                <a:latin typeface="Montserrat" panose="00000500000000000000" pitchFamily="2" charset="0"/>
+              </a:rPr>
+              <a:t>SELECT </a:t>
+            </a:r>
+          </a:p>
+          <a:p>
+            <a:r>
+              <a:rPr lang="en-US" sz="1600" dirty="0">
+                <a:solidFill>
+                  <a:srgbClr val="0F5963"/>
+                </a:solidFill>
+                <a:latin typeface="Montserrat" panose="00000500000000000000" pitchFamily="2" charset="0"/>
+              </a:rPr>
+              <a:t>  </a:t>
+            </a:r>
+            <a:r>
+              <a:rPr lang="en-US" sz="1600" dirty="0" err="1">
+                <a:solidFill>
+                  <a:srgbClr val="0F5963"/>
+                </a:solidFill>
+                <a:latin typeface="Montserrat" panose="00000500000000000000" pitchFamily="2" charset="0"/>
+              </a:rPr>
+              <a:t>loan_status</a:t>
+            </a:r>
+            <a:r>
+              <a:rPr lang="en-US" sz="1600" dirty="0">
+                <a:solidFill>
+                  <a:srgbClr val="0F5963"/>
+                </a:solidFill>
+                <a:latin typeface="Montserrat" panose="00000500000000000000" pitchFamily="2" charset="0"/>
+              </a:rPr>
+              <a:t>,</a:t>
+            </a:r>
+          </a:p>
+          <a:p>
+            <a:r>
+              <a:rPr lang="en-US" sz="1600" dirty="0">
+                <a:solidFill>
+                  <a:srgbClr val="0F5963"/>
+                </a:solidFill>
+                <a:latin typeface="Montserrat" panose="00000500000000000000" pitchFamily="2" charset="0"/>
+              </a:rPr>
+              <a:t>  ROUND(100 * COUNT(*) / (SELECT COUNT(*) FROM </a:t>
+            </a:r>
+            <a:r>
+              <a:rPr lang="en-US" sz="1600" dirty="0" err="1">
+                <a:solidFill>
+                  <a:srgbClr val="0F5963"/>
+                </a:solidFill>
+                <a:latin typeface="Montserrat" panose="00000500000000000000" pitchFamily="2" charset="0"/>
+              </a:rPr>
+              <a:t>loans_clean</a:t>
+            </a:r>
+            <a:r>
+              <a:rPr lang="en-US" sz="1600" dirty="0">
+                <a:solidFill>
+                  <a:srgbClr val="0F5963"/>
+                </a:solidFill>
+                <a:latin typeface="Montserrat" panose="00000500000000000000" pitchFamily="2" charset="0"/>
+              </a:rPr>
+              <a:t>), 2) AS percent</a:t>
+            </a:r>
+          </a:p>
+          <a:p>
+            <a:r>
+              <a:rPr lang="en-US" sz="1600" dirty="0">
+                <a:solidFill>
+                  <a:srgbClr val="0F5963"/>
+                </a:solidFill>
+                <a:latin typeface="Montserrat" panose="00000500000000000000" pitchFamily="2" charset="0"/>
+              </a:rPr>
+              <a:t>FROM </a:t>
+            </a:r>
+            <a:r>
+              <a:rPr lang="en-US" sz="1600" dirty="0" err="1">
+                <a:solidFill>
+                  <a:srgbClr val="0F5963"/>
+                </a:solidFill>
+                <a:latin typeface="Montserrat" panose="00000500000000000000" pitchFamily="2" charset="0"/>
+              </a:rPr>
+              <a:t>loans_cleaned</a:t>
+            </a:r>
+            <a:endParaRPr lang="en-US" sz="1600" dirty="0">
               <a:solidFill>
                 <a:srgbClr val="0F5963"/>
               </a:solidFill>
@@ -9114,63 +9612,47 @@
           </a:p>
           <a:p>
             <a:r>
-              <a:rPr lang="en-US" b="1" dirty="0">
-                <a:solidFill>
-                  <a:srgbClr val="0F5963"/>
-                </a:solidFill>
-                <a:latin typeface="Montserrat" panose="00000500000000000000" pitchFamily="2" charset="0"/>
-              </a:rPr>
-              <a:t>2. Default Level is Moderate but Significant</a:t>
-            </a:r>
-          </a:p>
-          <a:p>
-            <a:pPr>
-              <a:buFont typeface="Arial" panose="020B0604020202020204" pitchFamily="34" charset="0"/>
-              <a:buChar char="•"/>
+              <a:rPr lang="en-US" sz="1600" dirty="0">
+                <a:solidFill>
+                  <a:srgbClr val="0F5963"/>
+                </a:solidFill>
+                <a:latin typeface="Montserrat" panose="00000500000000000000" pitchFamily="2" charset="0"/>
+              </a:rPr>
+              <a:t>GROUP BY </a:t>
+            </a:r>
+            <a:r>
+              <a:rPr lang="en-US" sz="1600" dirty="0" err="1">
+                <a:solidFill>
+                  <a:srgbClr val="0F5963"/>
+                </a:solidFill>
+                <a:latin typeface="Montserrat" panose="00000500000000000000" pitchFamily="2" charset="0"/>
+              </a:rPr>
+              <a:t>loan_status</a:t>
+            </a:r>
+            <a:r>
+              <a:rPr lang="en-US" sz="1600" dirty="0">
+                <a:solidFill>
+                  <a:srgbClr val="0F5963"/>
+                </a:solidFill>
+                <a:latin typeface="Montserrat" panose="00000500000000000000" pitchFamily="2" charset="0"/>
+              </a:rPr>
+              <a:t>;</a:t>
+            </a:r>
+          </a:p>
+          <a:p>
+            <a:endParaRPr lang="en-US" sz="1600" dirty="0"/>
+          </a:p>
+          <a:p>
+            <a:pPr marL="342900" indent="-342900">
+              <a:buAutoNum type="arabicPeriod"/>
             </a:pPr>
-            <a:r>
-              <a:rPr lang="en-US" b="1" dirty="0">
-                <a:solidFill>
-                  <a:srgbClr val="0F5963"/>
-                </a:solidFill>
-                <a:latin typeface="Montserrat" panose="00000500000000000000" pitchFamily="2" charset="0"/>
-              </a:rPr>
-              <a:t>13.82% loans are in default</a:t>
-            </a:r>
-            <a:r>
-              <a:rPr lang="en-US" dirty="0">
-                <a:solidFill>
-                  <a:srgbClr val="0F5963"/>
-                </a:solidFill>
-                <a:latin typeface="Montserrat" panose="00000500000000000000" pitchFamily="2" charset="0"/>
-              </a:rPr>
-              <a:t>, resulting in </a:t>
-            </a:r>
-            <a:r>
-              <a:rPr lang="en-US" b="1" dirty="0">
-                <a:solidFill>
-                  <a:srgbClr val="0F5963"/>
-                </a:solidFill>
-                <a:latin typeface="Montserrat" panose="00000500000000000000" pitchFamily="2" charset="0"/>
-              </a:rPr>
-              <a:t>$65.53M</a:t>
-            </a:r>
-            <a:r>
-              <a:rPr lang="en-US" dirty="0">
-                <a:solidFill>
-                  <a:srgbClr val="0F5963"/>
-                </a:solidFill>
-                <a:latin typeface="Montserrat" panose="00000500000000000000" pitchFamily="2" charset="0"/>
-              </a:rPr>
-              <a:t> total defaulted amount.</a:t>
-            </a:r>
-          </a:p>
-          <a:p>
-            <a:pPr>
-              <a:buFont typeface="Arial" panose="020B0604020202020204" pitchFamily="34" charset="0"/>
-              <a:buChar char="•"/>
-            </a:pPr>
-            <a:endParaRPr lang="en-US" dirty="0">
+            <a:endParaRPr lang="en-US" sz="1600" dirty="0"/>
+          </a:p>
+          <a:p>
+            <a:endParaRPr lang="en-US" sz="1600" dirty="0"/>
+          </a:p>
+          <a:p>
+            <a:endParaRPr lang="en-US" sz="1600" dirty="0">
               <a:solidFill>
                 <a:srgbClr val="0F5963"/>
               </a:solidFill>
@@ -9178,181 +9660,66 @@
             </a:endParaRPr>
           </a:p>
           <a:p>
-            <a:r>
-              <a:rPr lang="en-US" b="1" dirty="0">
-                <a:solidFill>
-                  <a:srgbClr val="0F5963"/>
-                </a:solidFill>
-                <a:latin typeface="Montserrat" panose="00000500000000000000" pitchFamily="2" charset="0"/>
-              </a:rPr>
-              <a:t>3. Good Loans Drive Most of the Revenue</a:t>
-            </a:r>
-          </a:p>
-          <a:p>
-            <a:pPr>
-              <a:buFont typeface="Arial" panose="020B0604020202020204" pitchFamily="34" charset="0"/>
-              <a:buChar char="•"/>
-            </a:pPr>
-            <a:r>
-              <a:rPr lang="en-US" dirty="0">
-                <a:solidFill>
-                  <a:srgbClr val="0F5963"/>
-                </a:solidFill>
-                <a:latin typeface="Montserrat" panose="00000500000000000000" pitchFamily="2" charset="0"/>
-              </a:rPr>
-              <a:t>Good loans recovered </a:t>
-            </a:r>
-            <a:r>
-              <a:rPr lang="en-US" b="1" dirty="0">
-                <a:solidFill>
-                  <a:srgbClr val="0F5963"/>
-                </a:solidFill>
-                <a:latin typeface="Montserrat" panose="00000500000000000000" pitchFamily="2" charset="0"/>
-              </a:rPr>
-              <a:t>$435.79M</a:t>
-            </a:r>
-            <a:r>
-              <a:rPr lang="en-US" dirty="0">
-                <a:solidFill>
-                  <a:srgbClr val="0F5963"/>
-                </a:solidFill>
-                <a:latin typeface="Montserrat" panose="00000500000000000000" pitchFamily="2" charset="0"/>
-              </a:rPr>
-              <a:t>, far higher than other segments.</a:t>
-            </a:r>
-          </a:p>
-          <a:p>
-            <a:endParaRPr lang="en-US" dirty="0">
+            <a:endParaRPr lang="en-US" sz="1600" dirty="0">
               <a:solidFill>
                 <a:srgbClr val="0F5963"/>
               </a:solidFill>
               <a:latin typeface="Montserrat" panose="00000500000000000000" pitchFamily="2" charset="0"/>
             </a:endParaRPr>
           </a:p>
-          <a:p>
-            <a:r>
-              <a:rPr lang="en-US" b="1" dirty="0">
-                <a:solidFill>
-                  <a:srgbClr val="0F5963"/>
-                </a:solidFill>
-                <a:latin typeface="Montserrat" panose="00000500000000000000" pitchFamily="2" charset="0"/>
-              </a:rPr>
-              <a:t>4. Interest Rate Difference Explains Risk</a:t>
-            </a:r>
-          </a:p>
-          <a:p>
-            <a:pPr>
-              <a:buFont typeface="Arial" panose="020B0604020202020204" pitchFamily="34" charset="0"/>
-              <a:buChar char="•"/>
-            </a:pPr>
-            <a:r>
-              <a:rPr lang="en-US" dirty="0">
-                <a:solidFill>
-                  <a:srgbClr val="0F5963"/>
-                </a:solidFill>
-                <a:latin typeface="Montserrat" panose="00000500000000000000" pitchFamily="2" charset="0"/>
-              </a:rPr>
-              <a:t>Charged-off loans have </a:t>
-            </a:r>
-            <a:r>
-              <a:rPr lang="en-US" b="1" dirty="0">
-                <a:solidFill>
-                  <a:srgbClr val="0F5963"/>
-                </a:solidFill>
-                <a:latin typeface="Montserrat" panose="00000500000000000000" pitchFamily="2" charset="0"/>
-              </a:rPr>
-              <a:t>higher interest rates</a:t>
-            </a:r>
-            <a:r>
-              <a:rPr lang="en-US" dirty="0">
-                <a:solidFill>
-                  <a:srgbClr val="0F5963"/>
-                </a:solidFill>
-                <a:latin typeface="Montserrat" panose="00000500000000000000" pitchFamily="2" charset="0"/>
-              </a:rPr>
-              <a:t> (13.88%+) compared to Fully Paid (11.64%).</a:t>
-            </a:r>
-          </a:p>
-          <a:p>
-            <a:pPr>
-              <a:buFont typeface="Arial" panose="020B0604020202020204" pitchFamily="34" charset="0"/>
-              <a:buChar char="•"/>
-            </a:pPr>
-            <a:endParaRPr lang="en-US" dirty="0">
-              <a:solidFill>
-                <a:srgbClr val="0F5963"/>
-              </a:solidFill>
-              <a:latin typeface="Montserrat" panose="00000500000000000000" pitchFamily="2" charset="0"/>
-            </a:endParaRPr>
-          </a:p>
-          <a:p>
-            <a:r>
-              <a:rPr lang="en-US" b="1" dirty="0">
-                <a:solidFill>
-                  <a:srgbClr val="0F5963"/>
-                </a:solidFill>
-                <a:latin typeface="Montserrat" panose="00000500000000000000" pitchFamily="2" charset="0"/>
-              </a:rPr>
-              <a:t>5. Loan Purpose &amp; Grade Affect Risk Profile</a:t>
-            </a:r>
-          </a:p>
-          <a:p>
-            <a:pPr>
-              <a:buFont typeface="Arial" panose="020B0604020202020204" pitchFamily="34" charset="0"/>
-              <a:buChar char="•"/>
-            </a:pPr>
-            <a:r>
-              <a:rPr lang="en-US" dirty="0">
-                <a:solidFill>
-                  <a:srgbClr val="0F5963"/>
-                </a:solidFill>
-                <a:latin typeface="Montserrat" panose="00000500000000000000" pitchFamily="2" charset="0"/>
-              </a:rPr>
-              <a:t>Filters (Grade &amp; Purpose) allow identifying high-risk segments like </a:t>
-            </a:r>
-            <a:r>
-              <a:rPr lang="en-US" b="1" dirty="0">
-                <a:solidFill>
-                  <a:srgbClr val="0F5963"/>
-                </a:solidFill>
-                <a:latin typeface="Montserrat" panose="00000500000000000000" pitchFamily="2" charset="0"/>
-              </a:rPr>
-              <a:t>lower grades</a:t>
-            </a:r>
-            <a:r>
-              <a:rPr lang="en-US" dirty="0">
-                <a:solidFill>
-                  <a:srgbClr val="0F5963"/>
-                </a:solidFill>
-                <a:latin typeface="Montserrat" panose="00000500000000000000" pitchFamily="2" charset="0"/>
-              </a:rPr>
-              <a:t> and </a:t>
-            </a:r>
-            <a:r>
-              <a:rPr lang="en-US" b="1" dirty="0">
-                <a:solidFill>
-                  <a:srgbClr val="0F5963"/>
-                </a:solidFill>
-                <a:latin typeface="Montserrat" panose="00000500000000000000" pitchFamily="2" charset="0"/>
-              </a:rPr>
-              <a:t>Debt Consolidation</a:t>
-            </a:r>
-            <a:r>
-              <a:rPr lang="en-US" dirty="0">
-                <a:solidFill>
-                  <a:srgbClr val="0F5963"/>
-                </a:solidFill>
-                <a:latin typeface="Montserrat" panose="00000500000000000000" pitchFamily="2" charset="0"/>
-              </a:rPr>
-              <a:t> loans.</a:t>
-            </a:r>
-          </a:p>
         </p:txBody>
       </p:sp>
+      <p:pic>
+        <p:nvPicPr>
+          <p:cNvPr id="6" name="Picture 14" descr="SQL icon in Windows 11 Color Style">
+            <a:extLst>
+              <a:ext uri="{FF2B5EF4-FFF2-40B4-BE49-F238E27FC236}">
+                <a16:creationId xmlns:a16="http://schemas.microsoft.com/office/drawing/2014/main" id="{18EC81BD-0C64-4A00-8C26-7844A390C675}"/>
+              </a:ext>
+            </a:extLst>
+          </p:cNvPr>
+          <p:cNvPicPr>
+            <a:picLocks noChangeAspect="1" noChangeArrowheads="1"/>
+          </p:cNvPicPr>
+          <p:nvPr/>
+        </p:nvPicPr>
+        <p:blipFill>
+          <a:blip r:embed="rId2">
+            <a:extLst>
+              <a:ext uri="{28A0092B-C50C-407E-A947-70E740481C1C}">
+                <a14:useLocalDpi xmlns:a14="http://schemas.microsoft.com/office/drawing/2010/main" val="0"/>
+              </a:ext>
+            </a:extLst>
+          </a:blip>
+          <a:srcRect/>
+          <a:stretch>
+            <a:fillRect/>
+          </a:stretch>
+        </p:blipFill>
+        <p:spPr bwMode="auto">
+          <a:xfrm>
+            <a:off x="706387" y="548336"/>
+            <a:ext cx="868680" cy="868680"/>
+          </a:xfrm>
+          <a:prstGeom prst="rect">
+            <a:avLst/>
+          </a:prstGeom>
+          <a:noFill/>
+          <a:extLst>
+            <a:ext uri="{909E8E84-426E-40DD-AFC4-6F175D3DCCD1}">
+              <a14:hiddenFill xmlns:a14="http://schemas.microsoft.com/office/drawing/2010/main">
+                <a:solidFill>
+                  <a:srgbClr val="FFFFFF"/>
+                </a:solidFill>
+              </a14:hiddenFill>
+            </a:ext>
+          </a:extLst>
+        </p:spPr>
+      </p:pic>
     </p:spTree>
     <p:extLst>
       <p:ext uri="{BB962C8B-B14F-4D97-AF65-F5344CB8AC3E}">
-        <p14:creationId xmlns:p14="http://schemas.microsoft.com/office/powerpoint/2010/main" val="3161645886"/>
+        <p14:creationId xmlns:p14="http://schemas.microsoft.com/office/powerpoint/2010/main" val="854875866"/>
       </p:ext>
     </p:extLst>
   </p:cSld>
@@ -10137,65 +10504,453 @@
         </p:nvSpPr>
         <p:spPr>
           <a:xfrm>
-            <a:off x="548640" y="589280"/>
+            <a:off x="1476962" y="572635"/>
             <a:ext cx="10789920" cy="738497"/>
           </a:xfrm>
         </p:spPr>
         <p:txBody>
           <a:bodyPr>
-            <a:normAutofit fontScale="90000"/>
+            <a:normAutofit/>
           </a:bodyPr>
           <a:lstStyle/>
           <a:p>
             <a:pPr algn="l"/>
             <a:r>
-              <a:rPr lang="en-US" sz="4000" dirty="0">
-                <a:solidFill>
-                  <a:srgbClr val="CC0000"/>
+              <a:rPr lang="en-US" sz="3600" dirty="0">
+                <a:solidFill>
+                  <a:srgbClr val="C00000"/>
                 </a:solidFill>
                 <a:latin typeface="Amazon Ember Display Heavy" panose="020F0803020204020204" pitchFamily="34" charset="0"/>
                 <a:ea typeface="Amazon Ember Display Heavy" panose="020F0803020204020204" pitchFamily="34" charset="0"/>
                 <a:cs typeface="Amazon Ember Display Heavy" panose="020F0803020204020204" pitchFamily="34" charset="0"/>
               </a:rPr>
-              <a:t>Visual Insights from Dashboards (Continued)</a:t>
-            </a:r>
+              <a:t>SQL Analysis &amp; KPIs</a:t>
+            </a:r>
+          </a:p>
+        </p:txBody>
+      </p:sp>
+      <p:sp>
+        <p:nvSpPr>
+          <p:cNvPr id="2" name="TextBox 1">
+            <a:extLst>
+              <a:ext uri="{FF2B5EF4-FFF2-40B4-BE49-F238E27FC236}">
+                <a16:creationId xmlns:a16="http://schemas.microsoft.com/office/drawing/2014/main" id="{3DD509C2-10E7-41A1-AE27-5862EB2013DD}"/>
+              </a:ext>
+            </a:extLst>
+          </p:cNvPr>
+          <p:cNvSpPr txBox="1"/>
+          <p:nvPr/>
+        </p:nvSpPr>
+        <p:spPr>
+          <a:xfrm>
+            <a:off x="548639" y="1509757"/>
+            <a:ext cx="11302733" cy="5232202"/>
+          </a:xfrm>
+          <a:prstGeom prst="rect">
+            <a:avLst/>
+          </a:prstGeom>
+          <a:noFill/>
+        </p:spPr>
+        <p:txBody>
+          <a:bodyPr wrap="square" rtlCol="0">
+            <a:spAutoFit/>
+          </a:bodyPr>
+          <a:lstStyle/>
+          <a:p>
+            <a:r>
+              <a:rPr lang="en-US" sz="1600" b="1" dirty="0">
+                <a:solidFill>
+                  <a:srgbClr val="C00000"/>
+                </a:solidFill>
+                <a:latin typeface="Montserrat" panose="00000500000000000000" pitchFamily="2" charset="0"/>
+              </a:rPr>
+              <a:t>3. Grade-wise Risk:</a:t>
+            </a:r>
+          </a:p>
+          <a:p>
+            <a:endParaRPr lang="en-US" sz="1600" b="1" dirty="0">
+              <a:solidFill>
+                <a:srgbClr val="0F5963"/>
+              </a:solidFill>
+              <a:latin typeface="Montserrat" panose="00000500000000000000" pitchFamily="2" charset="0"/>
+            </a:endParaRPr>
+          </a:p>
+          <a:p>
+            <a:r>
+              <a:rPr lang="en-US" sz="1600" dirty="0">
+                <a:solidFill>
+                  <a:srgbClr val="0F5963"/>
+                </a:solidFill>
+                <a:latin typeface="Montserrat" panose="00000500000000000000" pitchFamily="2" charset="0"/>
+              </a:rPr>
+              <a:t>SELECT </a:t>
+            </a:r>
+          </a:p>
+          <a:p>
+            <a:r>
+              <a:rPr lang="en-US" sz="1600" dirty="0">
+                <a:solidFill>
+                  <a:srgbClr val="0F5963"/>
+                </a:solidFill>
+                <a:latin typeface="Montserrat" panose="00000500000000000000" pitchFamily="2" charset="0"/>
+              </a:rPr>
+              <a:t>  grade,</a:t>
+            </a:r>
+          </a:p>
+          <a:p>
+            <a:r>
+              <a:rPr lang="en-US" sz="1600" dirty="0">
+                <a:solidFill>
+                  <a:srgbClr val="0F5963"/>
+                </a:solidFill>
+                <a:latin typeface="Montserrat" panose="00000500000000000000" pitchFamily="2" charset="0"/>
+              </a:rPr>
+              <a:t>  SUM(CASE WHEN </a:t>
+            </a:r>
+            <a:r>
+              <a:rPr lang="en-US" sz="1600" dirty="0" err="1">
+                <a:solidFill>
+                  <a:srgbClr val="0F5963"/>
+                </a:solidFill>
+                <a:latin typeface="Montserrat" panose="00000500000000000000" pitchFamily="2" charset="0"/>
+              </a:rPr>
+              <a:t>loan_status</a:t>
+            </a:r>
+            <a:r>
+              <a:rPr lang="en-US" sz="1600" dirty="0">
+                <a:solidFill>
+                  <a:srgbClr val="0F5963"/>
+                </a:solidFill>
+                <a:latin typeface="Montserrat" panose="00000500000000000000" pitchFamily="2" charset="0"/>
+              </a:rPr>
+              <a:t>='Bad' THEN 1 END) AS </a:t>
+            </a:r>
+            <a:r>
+              <a:rPr lang="en-US" sz="1600" dirty="0" err="1">
+                <a:solidFill>
+                  <a:srgbClr val="0F5963"/>
+                </a:solidFill>
+                <a:latin typeface="Montserrat" panose="00000500000000000000" pitchFamily="2" charset="0"/>
+              </a:rPr>
+              <a:t>bad_loans</a:t>
+            </a:r>
+            <a:endParaRPr lang="en-US" sz="1600" dirty="0">
+              <a:solidFill>
+                <a:srgbClr val="0F5963"/>
+              </a:solidFill>
+              <a:latin typeface="Montserrat" panose="00000500000000000000" pitchFamily="2" charset="0"/>
+            </a:endParaRPr>
+          </a:p>
+          <a:p>
+            <a:r>
+              <a:rPr lang="en-US" sz="1600" dirty="0">
+                <a:solidFill>
+                  <a:srgbClr val="0F5963"/>
+                </a:solidFill>
+                <a:latin typeface="Montserrat" panose="00000500000000000000" pitchFamily="2" charset="0"/>
+              </a:rPr>
+              <a:t>FROM </a:t>
+            </a:r>
+            <a:r>
+              <a:rPr lang="en-US" sz="1600" dirty="0" err="1">
+                <a:solidFill>
+                  <a:srgbClr val="0F5963"/>
+                </a:solidFill>
+                <a:latin typeface="Montserrat" panose="00000500000000000000" pitchFamily="2" charset="0"/>
+              </a:rPr>
+              <a:t>loans_cleaned</a:t>
+            </a:r>
+            <a:endParaRPr lang="en-US" sz="1600" dirty="0">
+              <a:solidFill>
+                <a:srgbClr val="0F5963"/>
+              </a:solidFill>
+              <a:latin typeface="Montserrat" panose="00000500000000000000" pitchFamily="2" charset="0"/>
+            </a:endParaRPr>
+          </a:p>
+          <a:p>
+            <a:r>
+              <a:rPr lang="en-US" sz="1600" dirty="0">
+                <a:solidFill>
+                  <a:srgbClr val="0F5963"/>
+                </a:solidFill>
+                <a:latin typeface="Montserrat" panose="00000500000000000000" pitchFamily="2" charset="0"/>
+              </a:rPr>
+              <a:t>GROUP BY grade;</a:t>
+            </a:r>
+          </a:p>
+          <a:p>
+            <a:endParaRPr lang="en-US" sz="1400" dirty="0">
+              <a:latin typeface="Montserrat" panose="00000500000000000000" pitchFamily="2" charset="0"/>
+            </a:endParaRPr>
+          </a:p>
+          <a:p>
+            <a:r>
+              <a:rPr lang="en-US" sz="1600" b="1" dirty="0">
+                <a:solidFill>
+                  <a:srgbClr val="C00000"/>
+                </a:solidFill>
+                <a:latin typeface="Montserrat" panose="00000500000000000000" pitchFamily="2" charset="0"/>
+              </a:rPr>
+              <a:t>4. Interest Rate Trend Using Window Function:</a:t>
+            </a:r>
+          </a:p>
+          <a:p>
+            <a:endParaRPr lang="en-US" sz="1600" b="1" dirty="0">
+              <a:solidFill>
+                <a:srgbClr val="C00000"/>
+              </a:solidFill>
+              <a:latin typeface="Montserrat" panose="00000500000000000000" pitchFamily="2" charset="0"/>
+            </a:endParaRPr>
+          </a:p>
+          <a:p>
+            <a:r>
+              <a:rPr lang="en-US" sz="1600" dirty="0">
+                <a:solidFill>
+                  <a:srgbClr val="0F5963"/>
+                </a:solidFill>
+                <a:latin typeface="Montserrat" panose="00000500000000000000" pitchFamily="2" charset="0"/>
+              </a:rPr>
+              <a:t>SELECT </a:t>
+            </a:r>
+          </a:p>
+          <a:p>
+            <a:r>
+              <a:rPr lang="en-US" sz="1600" dirty="0">
+                <a:solidFill>
+                  <a:srgbClr val="0F5963"/>
+                </a:solidFill>
+                <a:latin typeface="Montserrat" panose="00000500000000000000" pitchFamily="2" charset="0"/>
+              </a:rPr>
+              <a:t>    </a:t>
+            </a:r>
+            <a:r>
+              <a:rPr lang="en-US" sz="1600" dirty="0" err="1">
+                <a:solidFill>
+                  <a:srgbClr val="0F5963"/>
+                </a:solidFill>
+                <a:latin typeface="Montserrat" panose="00000500000000000000" pitchFamily="2" charset="0"/>
+              </a:rPr>
+              <a:t>issue_date</a:t>
+            </a:r>
+            <a:r>
+              <a:rPr lang="en-US" sz="1600" dirty="0">
+                <a:solidFill>
+                  <a:srgbClr val="0F5963"/>
+                </a:solidFill>
+                <a:latin typeface="Montserrat" panose="00000500000000000000" pitchFamily="2" charset="0"/>
+              </a:rPr>
+              <a:t>,</a:t>
+            </a:r>
+          </a:p>
+          <a:p>
+            <a:r>
+              <a:rPr lang="en-US" sz="1600" dirty="0">
+                <a:solidFill>
+                  <a:srgbClr val="0F5963"/>
+                </a:solidFill>
+                <a:latin typeface="Montserrat" panose="00000500000000000000" pitchFamily="2" charset="0"/>
+              </a:rPr>
+              <a:t>    COUNT(*) AS </a:t>
+            </a:r>
+            <a:r>
+              <a:rPr lang="en-US" sz="1600" dirty="0" err="1">
+                <a:solidFill>
+                  <a:srgbClr val="0F5963"/>
+                </a:solidFill>
+                <a:latin typeface="Montserrat" panose="00000500000000000000" pitchFamily="2" charset="0"/>
+              </a:rPr>
+              <a:t>loans_issued</a:t>
+            </a:r>
+            <a:r>
+              <a:rPr lang="en-US" sz="1600" dirty="0">
+                <a:solidFill>
+                  <a:srgbClr val="0F5963"/>
+                </a:solidFill>
+                <a:latin typeface="Montserrat" panose="00000500000000000000" pitchFamily="2" charset="0"/>
+              </a:rPr>
+              <a:t>,</a:t>
+            </a:r>
+          </a:p>
+          <a:p>
+            <a:r>
+              <a:rPr lang="en-US" sz="1600" dirty="0">
+                <a:solidFill>
+                  <a:srgbClr val="0F5963"/>
+                </a:solidFill>
+                <a:latin typeface="Montserrat" panose="00000500000000000000" pitchFamily="2" charset="0"/>
+              </a:rPr>
+              <a:t>    SUM(COUNT(*)) OVER (ORDER BY </a:t>
+            </a:r>
+            <a:r>
+              <a:rPr lang="en-US" sz="1600" dirty="0" err="1">
+                <a:solidFill>
+                  <a:srgbClr val="0F5963"/>
+                </a:solidFill>
+                <a:latin typeface="Montserrat" panose="00000500000000000000" pitchFamily="2" charset="0"/>
+              </a:rPr>
+              <a:t>issue_date</a:t>
+            </a:r>
+            <a:r>
+              <a:rPr lang="en-US" sz="1600" dirty="0">
+                <a:solidFill>
+                  <a:srgbClr val="0F5963"/>
+                </a:solidFill>
+                <a:latin typeface="Montserrat" panose="00000500000000000000" pitchFamily="2" charset="0"/>
+              </a:rPr>
+              <a:t>) AS </a:t>
+            </a:r>
+            <a:r>
+              <a:rPr lang="en-US" sz="1600" dirty="0" err="1">
+                <a:solidFill>
+                  <a:srgbClr val="0F5963"/>
+                </a:solidFill>
+                <a:latin typeface="Montserrat" panose="00000500000000000000" pitchFamily="2" charset="0"/>
+              </a:rPr>
+              <a:t>cumulative_loans</a:t>
+            </a:r>
+            <a:endParaRPr lang="en-US" sz="1600" dirty="0">
+              <a:solidFill>
+                <a:srgbClr val="0F5963"/>
+              </a:solidFill>
+              <a:latin typeface="Montserrat" panose="00000500000000000000" pitchFamily="2" charset="0"/>
+            </a:endParaRPr>
+          </a:p>
+          <a:p>
+            <a:r>
+              <a:rPr lang="en-US" sz="1600" dirty="0">
+                <a:solidFill>
+                  <a:srgbClr val="0F5963"/>
+                </a:solidFill>
+                <a:latin typeface="Montserrat" panose="00000500000000000000" pitchFamily="2" charset="0"/>
+              </a:rPr>
+              <a:t>FROM </a:t>
+            </a:r>
+            <a:r>
+              <a:rPr lang="en-US" sz="1600" dirty="0" err="1">
+                <a:solidFill>
+                  <a:srgbClr val="0F5963"/>
+                </a:solidFill>
+                <a:latin typeface="Montserrat" panose="00000500000000000000" pitchFamily="2" charset="0"/>
+              </a:rPr>
+              <a:t>loans_clean</a:t>
+            </a:r>
+            <a:endParaRPr lang="en-US" sz="1600" dirty="0">
+              <a:solidFill>
+                <a:srgbClr val="0F5963"/>
+              </a:solidFill>
+              <a:latin typeface="Montserrat" panose="00000500000000000000" pitchFamily="2" charset="0"/>
+            </a:endParaRPr>
+          </a:p>
+          <a:p>
+            <a:r>
+              <a:rPr lang="en-US" sz="1600" dirty="0">
+                <a:solidFill>
+                  <a:srgbClr val="0F5963"/>
+                </a:solidFill>
+                <a:latin typeface="Montserrat" panose="00000500000000000000" pitchFamily="2" charset="0"/>
+              </a:rPr>
+              <a:t>GROUP BY </a:t>
+            </a:r>
+            <a:r>
+              <a:rPr lang="en-US" sz="1600" dirty="0" err="1">
+                <a:solidFill>
+                  <a:srgbClr val="0F5963"/>
+                </a:solidFill>
+                <a:latin typeface="Montserrat" panose="00000500000000000000" pitchFamily="2" charset="0"/>
+              </a:rPr>
+              <a:t>issue_date</a:t>
+            </a:r>
+            <a:r>
+              <a:rPr lang="en-US" sz="1600" dirty="0">
+                <a:solidFill>
+                  <a:srgbClr val="0F5963"/>
+                </a:solidFill>
+                <a:latin typeface="Montserrat" panose="00000500000000000000" pitchFamily="2" charset="0"/>
+              </a:rPr>
+              <a:t>;</a:t>
+            </a:r>
+          </a:p>
+          <a:p>
+            <a:endParaRPr lang="en-US" sz="1600" dirty="0"/>
+          </a:p>
+          <a:p>
+            <a:pPr marL="342900" indent="-342900">
+              <a:buAutoNum type="arabicPeriod"/>
+            </a:pPr>
+            <a:endParaRPr lang="en-US" sz="1600" dirty="0"/>
+          </a:p>
+          <a:p>
+            <a:endParaRPr lang="en-US" sz="1600" dirty="0"/>
+          </a:p>
+          <a:p>
+            <a:endParaRPr lang="en-US" sz="1600" dirty="0">
+              <a:solidFill>
+                <a:srgbClr val="0F5963"/>
+              </a:solidFill>
+              <a:latin typeface="Montserrat" panose="00000500000000000000" pitchFamily="2" charset="0"/>
+            </a:endParaRPr>
+          </a:p>
+          <a:p>
+            <a:endParaRPr lang="en-US" sz="1600" dirty="0">
+              <a:solidFill>
+                <a:srgbClr val="0F5963"/>
+              </a:solidFill>
+              <a:latin typeface="Montserrat" panose="00000500000000000000" pitchFamily="2" charset="0"/>
+            </a:endParaRPr>
           </a:p>
         </p:txBody>
       </p:sp>
       <p:pic>
         <p:nvPicPr>
-          <p:cNvPr id="3" name="Picture 2">
-            <a:extLst>
-              <a:ext uri="{FF2B5EF4-FFF2-40B4-BE49-F238E27FC236}">
-                <a16:creationId xmlns:a16="http://schemas.microsoft.com/office/drawing/2014/main" id="{D5242DE0-7DCD-4863-8D0D-5A3947070A4E}"/>
+          <p:cNvPr id="5" name="Picture 10">
+            <a:extLst>
+              <a:ext uri="{FF2B5EF4-FFF2-40B4-BE49-F238E27FC236}">
+                <a16:creationId xmlns:a16="http://schemas.microsoft.com/office/drawing/2014/main" id="{A0AD8E99-E852-443A-B5AA-67A33B17F3DB}"/>
               </a:ext>
             </a:extLst>
           </p:cNvPr>
           <p:cNvPicPr>
-            <a:picLocks noChangeAspect="1"/>
+            <a:picLocks noChangeAspect="1" noChangeArrowheads="1"/>
           </p:cNvPicPr>
           <p:nvPr/>
         </p:nvPicPr>
         <p:blipFill>
-          <a:blip r:embed="rId2"/>
+          <a:blip r:embed="rId2">
+            <a:extLst>
+              <a:ext uri="{28A0092B-C50C-407E-A947-70E740481C1C}">
+                <a14:useLocalDpi xmlns:a14="http://schemas.microsoft.com/office/drawing/2010/main" val="0"/>
+              </a:ext>
+            </a:extLst>
+          </a:blip>
+          <a:srcRect/>
           <a:stretch>
             <a:fillRect/>
           </a:stretch>
         </p:blipFill>
-        <p:spPr>
+        <p:spPr bwMode="auto">
           <a:xfrm>
-            <a:off x="756652" y="1272459"/>
-            <a:ext cx="10789920" cy="5129945"/>
+            <a:off x="608282" y="548336"/>
+            <a:ext cx="868680" cy="868680"/>
           </a:xfrm>
           <a:prstGeom prst="rect">
             <a:avLst/>
           </a:prstGeom>
+          <a:noFill/>
+          <a:extLst>
+            <a:ext uri="{909E8E84-426E-40DD-AFC4-6F175D3DCCD1}">
+              <a14:hiddenFill xmlns:a14="http://schemas.microsoft.com/office/drawing/2010/main">
+                <a:solidFill>
+                  <a:srgbClr val="FFFFFF"/>
+                </a:solidFill>
+              </a14:hiddenFill>
+            </a:ext>
+          </a:extLst>
         </p:spPr>
       </p:pic>
     </p:spTree>
     <p:extLst>
       <p:ext uri="{BB962C8B-B14F-4D97-AF65-F5344CB8AC3E}">
-        <p14:creationId xmlns:p14="http://schemas.microsoft.com/office/powerpoint/2010/main" val="3143964249"/>
+        <p14:creationId xmlns:p14="http://schemas.microsoft.com/office/powerpoint/2010/main" val="2942851492"/>
       </p:ext>
     </p:extLst>
   </p:cSld>
@@ -10292,37 +11047,37 @@
         </p:nvSpPr>
         <p:spPr>
           <a:xfrm>
-            <a:off x="548640" y="589280"/>
+            <a:off x="1476962" y="572635"/>
             <a:ext cx="10789920" cy="738497"/>
           </a:xfrm>
         </p:spPr>
         <p:txBody>
           <a:bodyPr>
-            <a:normAutofit fontScale="90000"/>
+            <a:normAutofit/>
           </a:bodyPr>
           <a:lstStyle/>
           <a:p>
             <a:pPr algn="l"/>
             <a:r>
-              <a:rPr lang="en-US" sz="4000" dirty="0">
-                <a:solidFill>
-                  <a:srgbClr val="CC0000"/>
+              <a:rPr lang="en-US" sz="3600" dirty="0">
+                <a:solidFill>
+                  <a:srgbClr val="C00000"/>
                 </a:solidFill>
                 <a:latin typeface="Amazon Ember Display Heavy" panose="020F0803020204020204" pitchFamily="34" charset="0"/>
                 <a:ea typeface="Amazon Ember Display Heavy" panose="020F0803020204020204" pitchFamily="34" charset="0"/>
                 <a:cs typeface="Amazon Ember Display Heavy" panose="020F0803020204020204" pitchFamily="34" charset="0"/>
               </a:rPr>
-              <a:t>Visual Insights from Dashboards (Continued)</a:t>
+              <a:t>SQL Analysis &amp; KPIs</a:t>
             </a:r>
           </a:p>
         </p:txBody>
       </p:sp>
       <p:sp>
         <p:nvSpPr>
-          <p:cNvPr id="5" name="TextBox 4">
-            <a:extLst>
-              <a:ext uri="{FF2B5EF4-FFF2-40B4-BE49-F238E27FC236}">
-                <a16:creationId xmlns:a16="http://schemas.microsoft.com/office/drawing/2014/main" id="{C9268BBC-E025-4D76-9CEB-6E03BF84B8B3}"/>
+          <p:cNvPr id="2" name="TextBox 1">
+            <a:extLst>
+              <a:ext uri="{FF2B5EF4-FFF2-40B4-BE49-F238E27FC236}">
+                <a16:creationId xmlns:a16="http://schemas.microsoft.com/office/drawing/2014/main" id="{3DD509C2-10E7-41A1-AE27-5862EB2013DD}"/>
               </a:ext>
             </a:extLst>
           </p:cNvPr>
@@ -10331,8 +11086,8 @@
         </p:nvSpPr>
         <p:spPr>
           <a:xfrm>
-            <a:off x="629920" y="1461461"/>
-            <a:ext cx="11135360" cy="4801314"/>
+            <a:off x="548639" y="1509757"/>
+            <a:ext cx="11302733" cy="4678204"/>
           </a:xfrm>
           <a:prstGeom prst="rect">
             <a:avLst/>
@@ -10345,58 +11100,41 @@
           </a:bodyPr>
           <a:lstStyle/>
           <a:p>
+            <a:endParaRPr lang="en-US" sz="1800" dirty="0">
+              <a:latin typeface="Montserrat" panose="00000500000000000000" pitchFamily="2" charset="0"/>
+            </a:endParaRPr>
+          </a:p>
+          <a:p>
             <a:r>
               <a:rPr lang="en-US" sz="1600" b="1" dirty="0">
                 <a:solidFill>
-                  <a:srgbClr val="0F5963"/>
-                </a:solidFill>
-                <a:latin typeface="Montserrat" panose="00000500000000000000" pitchFamily="2" charset="0"/>
-              </a:rPr>
-              <a:t>Insights from Overview Dashboard</a:t>
+                  <a:srgbClr val="CC0000"/>
+                </a:solidFill>
+                <a:latin typeface="Montserrat" panose="00000500000000000000" pitchFamily="2" charset="0"/>
+              </a:rPr>
+              <a:t>5. CTE for High-Risk Segments:</a:t>
             </a:r>
           </a:p>
           <a:p>
             <a:endParaRPr lang="en-US" sz="1600" b="1" dirty="0">
               <a:solidFill>
-                <a:srgbClr val="0F5963"/>
+                <a:srgbClr val="CC0000"/>
               </a:solidFill>
               <a:latin typeface="Montserrat" panose="00000500000000000000" pitchFamily="2" charset="0"/>
             </a:endParaRPr>
           </a:p>
           <a:p>
             <a:r>
-              <a:rPr lang="en-US" sz="1600" b="1" dirty="0">
-                <a:solidFill>
-                  <a:srgbClr val="0F5963"/>
-                </a:solidFill>
-                <a:latin typeface="Montserrat" panose="00000500000000000000" pitchFamily="2" charset="0"/>
-              </a:rPr>
-              <a:t>1. Default Rate is Gradually Increasing</a:t>
-            </a:r>
-          </a:p>
-          <a:p>
-            <a:pPr>
-              <a:buFont typeface="Arial" panose="020B0604020202020204" pitchFamily="34" charset="0"/>
-              <a:buChar char="•"/>
-            </a:pPr>
-            <a:r>
               <a:rPr lang="en-US" sz="1600" dirty="0">
                 <a:solidFill>
                   <a:srgbClr val="0F5963"/>
                 </a:solidFill>
                 <a:latin typeface="Montserrat" panose="00000500000000000000" pitchFamily="2" charset="0"/>
               </a:rPr>
-              <a:t>Monthly trend shows defaults rising from </a:t>
-            </a:r>
-            <a:r>
-              <a:rPr lang="en-US" sz="1600" b="1" dirty="0">
-                <a:solidFill>
-                  <a:srgbClr val="0F5963"/>
-                </a:solidFill>
-                <a:latin typeface="Montserrat" panose="00000500000000000000" pitchFamily="2" charset="0"/>
-              </a:rPr>
-              <a:t>0.3K in Jan to 0.6K in Dec</a:t>
-            </a:r>
+              <a:t>WITH risky AS (</a:t>
+            </a:r>
+          </a:p>
+          <a:p>
             <a:r>
               <a:rPr lang="en-US" sz="1600" dirty="0">
                 <a:solidFill>
@@ -10404,10 +11142,28 @@
                 </a:solidFill>
                 <a:latin typeface="Montserrat" panose="00000500000000000000" pitchFamily="2" charset="0"/>
               </a:rPr>
-              <a:t> → consistent upward risk pattern.</a:t>
-            </a:r>
-          </a:p>
-          <a:p>
+              <a:t>  SELECT *</a:t>
+            </a:r>
+          </a:p>
+          <a:p>
+            <a:r>
+              <a:rPr lang="en-US" sz="1600" dirty="0">
+                <a:solidFill>
+                  <a:srgbClr val="0F5963"/>
+                </a:solidFill>
+                <a:latin typeface="Montserrat" panose="00000500000000000000" pitchFamily="2" charset="0"/>
+              </a:rPr>
+              <a:t>  FROM </a:t>
+            </a:r>
+            <a:r>
+              <a:rPr lang="en-US" sz="1600" dirty="0" err="1">
+                <a:solidFill>
+                  <a:srgbClr val="0F5963"/>
+                </a:solidFill>
+                <a:latin typeface="Montserrat" panose="00000500000000000000" pitchFamily="2" charset="0"/>
+              </a:rPr>
+              <a:t>loans_clean</a:t>
+            </a:r>
             <a:endParaRPr lang="en-US" sz="1600" dirty="0">
               <a:solidFill>
                 <a:srgbClr val="0F5963"/>
@@ -10417,37 +11173,22 @@
           </a:p>
           <a:p>
             <a:r>
-              <a:rPr lang="en-US" sz="1600" b="1" dirty="0">
-                <a:solidFill>
-                  <a:srgbClr val="0F5963"/>
-                </a:solidFill>
-                <a:latin typeface="Montserrat" panose="00000500000000000000" pitchFamily="2" charset="0"/>
-              </a:rPr>
-              <a:t>2. State-wise Defaults Vary Significantly</a:t>
-            </a:r>
-          </a:p>
-          <a:p>
-            <a:pPr>
-              <a:buFont typeface="Arial" panose="020B0604020202020204" pitchFamily="34" charset="0"/>
-              <a:buChar char="•"/>
-            </a:pPr>
-            <a:r>
               <a:rPr lang="en-US" sz="1600" dirty="0">
                 <a:solidFill>
                   <a:srgbClr val="0F5963"/>
                 </a:solidFill>
                 <a:latin typeface="Montserrat" panose="00000500000000000000" pitchFamily="2" charset="0"/>
               </a:rPr>
-              <a:t>Some states show </a:t>
-            </a:r>
-            <a:r>
-              <a:rPr lang="en-US" sz="1600" b="1" dirty="0">
-                <a:solidFill>
-                  <a:srgbClr val="0F5963"/>
-                </a:solidFill>
-                <a:latin typeface="Montserrat" panose="00000500000000000000" pitchFamily="2" charset="0"/>
-              </a:rPr>
-              <a:t>very high default concentration</a:t>
+              <a:t>  WHERE </a:t>
+            </a:r>
+            <a:r>
+              <a:rPr lang="en-US" sz="1600" dirty="0" err="1">
+                <a:solidFill>
+                  <a:srgbClr val="0F5963"/>
+                </a:solidFill>
+                <a:latin typeface="Montserrat" panose="00000500000000000000" pitchFamily="2" charset="0"/>
+              </a:rPr>
+              <a:t>dti</a:t>
             </a:r>
             <a:r>
               <a:rPr lang="en-US" sz="1600" dirty="0">
@@ -10456,10 +11197,57 @@
                 </a:solidFill>
                 <a:latin typeface="Montserrat" panose="00000500000000000000" pitchFamily="2" charset="0"/>
               </a:rPr>
-              <a:t>, while others remain low → geographic risk differences.</a:t>
-            </a:r>
-          </a:p>
-          <a:p>
+              <a:t> &gt; 20 AND </a:t>
+            </a:r>
+            <a:r>
+              <a:rPr lang="en-US" sz="1600" dirty="0" err="1">
+                <a:solidFill>
+                  <a:srgbClr val="0F5963"/>
+                </a:solidFill>
+                <a:latin typeface="Montserrat" panose="00000500000000000000" pitchFamily="2" charset="0"/>
+              </a:rPr>
+              <a:t>interest_rate</a:t>
+            </a:r>
+            <a:r>
+              <a:rPr lang="en-US" sz="1600" dirty="0">
+                <a:solidFill>
+                  <a:srgbClr val="0F5963"/>
+                </a:solidFill>
+                <a:latin typeface="Montserrat" panose="00000500000000000000" pitchFamily="2" charset="0"/>
+              </a:rPr>
+              <a:t> &gt; 15</a:t>
+            </a:r>
+          </a:p>
+          <a:p>
+            <a:r>
+              <a:rPr lang="en-US" sz="1600" dirty="0">
+                <a:solidFill>
+                  <a:srgbClr val="0F5963"/>
+                </a:solidFill>
+                <a:latin typeface="Montserrat" panose="00000500000000000000" pitchFamily="2" charset="0"/>
+              </a:rPr>
+              <a:t>)</a:t>
+            </a:r>
+          </a:p>
+          <a:p>
+            <a:r>
+              <a:rPr lang="en-US" sz="1600" dirty="0">
+                <a:solidFill>
+                  <a:srgbClr val="0F5963"/>
+                </a:solidFill>
+                <a:latin typeface="Montserrat" panose="00000500000000000000" pitchFamily="2" charset="0"/>
+              </a:rPr>
+              <a:t>SELECT COUNT(*) AS </a:t>
+            </a:r>
+            <a:r>
+              <a:rPr lang="en-US" sz="1600" dirty="0" err="1">
+                <a:solidFill>
+                  <a:srgbClr val="0F5963"/>
+                </a:solidFill>
+                <a:latin typeface="Montserrat" panose="00000500000000000000" pitchFamily="2" charset="0"/>
+              </a:rPr>
+              <a:t>high_risk_borrowers</a:t>
+            </a:r>
             <a:endParaRPr lang="en-US" sz="1600" dirty="0">
               <a:solidFill>
                 <a:srgbClr val="0F5963"/>
@@ -10469,55 +11257,13 @@
           </a:p>
           <a:p>
             <a:r>
-              <a:rPr lang="en-US" sz="1600" b="1" dirty="0">
-                <a:solidFill>
-                  <a:srgbClr val="0F5963"/>
-                </a:solidFill>
-                <a:latin typeface="Montserrat" panose="00000500000000000000" pitchFamily="2" charset="0"/>
-              </a:rPr>
-              <a:t>3. Longer Loan Terms Have Higher Default Rates</a:t>
-            </a:r>
-          </a:p>
-          <a:p>
-            <a:pPr>
-              <a:buFont typeface="Arial" panose="020B0604020202020204" pitchFamily="34" charset="0"/>
-              <a:buChar char="•"/>
-            </a:pPr>
-            <a:r>
-              <a:rPr lang="en-US" sz="1600" b="1" dirty="0">
-                <a:solidFill>
-                  <a:srgbClr val="0F5963"/>
-                </a:solidFill>
-                <a:latin typeface="Montserrat" panose="00000500000000000000" pitchFamily="2" charset="0"/>
-              </a:rPr>
-              <a:t>60-month loans</a:t>
-            </a:r>
-            <a:r>
               <a:rPr lang="en-US" sz="1600" dirty="0">
                 <a:solidFill>
                   <a:srgbClr val="0F5963"/>
                 </a:solidFill>
                 <a:latin typeface="Montserrat" panose="00000500000000000000" pitchFamily="2" charset="0"/>
               </a:rPr>
-              <a:t> default more than </a:t>
-            </a:r>
-            <a:r>
-              <a:rPr lang="en-US" sz="1600" b="1" dirty="0">
-                <a:solidFill>
-                  <a:srgbClr val="0F5963"/>
-                </a:solidFill>
-                <a:latin typeface="Montserrat" panose="00000500000000000000" pitchFamily="2" charset="0"/>
-              </a:rPr>
-              <a:t>36-month loans</a:t>
-            </a:r>
-            <a:r>
-              <a:rPr lang="en-US" sz="1600" dirty="0">
-                <a:solidFill>
-                  <a:srgbClr val="0F5963"/>
-                </a:solidFill>
-                <a:latin typeface="Montserrat" panose="00000500000000000000" pitchFamily="2" charset="0"/>
-              </a:rPr>
-              <a:t> → longer commitments increase risk.</a:t>
+              <a:t>FROM risky;</a:t>
             </a:r>
           </a:p>
           <a:p>
@@ -10530,83 +11276,26 @@
           </a:p>
           <a:p>
             <a:r>
-              <a:rPr lang="en-US" sz="1600" b="1" dirty="0">
-                <a:solidFill>
-                  <a:srgbClr val="0F5963"/>
-                </a:solidFill>
-                <a:latin typeface="Montserrat" panose="00000500000000000000" pitchFamily="2" charset="0"/>
-              </a:rPr>
-              <a:t>4. Certain Loan Purposes Are High Risk</a:t>
-            </a:r>
-          </a:p>
-          <a:p>
-            <a:pPr>
-              <a:buFont typeface="Arial" panose="020B0604020202020204" pitchFamily="34" charset="0"/>
-              <a:buChar char="•"/>
+              <a:rPr lang="en-US" sz="2000" b="1" dirty="0">
+                <a:solidFill>
+                  <a:srgbClr val="0F5963"/>
+                </a:solidFill>
+                <a:latin typeface="Montserrat" panose="00000500000000000000" pitchFamily="2" charset="0"/>
+              </a:rPr>
+              <a:t>“The cleaned SQL table served as the data source for Power BI, enabling real-time updates, dynamic filtering, and smooth KPI dashboards.”</a:t>
+            </a:r>
+          </a:p>
+          <a:p>
+            <a:endParaRPr lang="en-US" sz="1600" dirty="0"/>
+          </a:p>
+          <a:p>
+            <a:pPr marL="342900" indent="-342900">
+              <a:buAutoNum type="arabicPeriod"/>
             </a:pPr>
-            <a:r>
-              <a:rPr lang="en-US" sz="1600" dirty="0">
-                <a:solidFill>
-                  <a:srgbClr val="0F5963"/>
-                </a:solidFill>
-                <a:latin typeface="Montserrat" panose="00000500000000000000" pitchFamily="2" charset="0"/>
-              </a:rPr>
-              <a:t>Highest defaults come from </a:t>
-            </a:r>
-            <a:r>
-              <a:rPr lang="en-US" sz="1600" b="1" dirty="0">
-                <a:solidFill>
-                  <a:srgbClr val="0F5963"/>
-                </a:solidFill>
-                <a:latin typeface="Montserrat" panose="00000500000000000000" pitchFamily="2" charset="0"/>
-              </a:rPr>
-              <a:t>Other</a:t>
-            </a:r>
-            <a:r>
-              <a:rPr lang="en-US" sz="1600" dirty="0">
-                <a:solidFill>
-                  <a:srgbClr val="0F5963"/>
-                </a:solidFill>
-                <a:latin typeface="Montserrat" panose="00000500000000000000" pitchFamily="2" charset="0"/>
-              </a:rPr>
-              <a:t>, </a:t>
-            </a:r>
-            <a:r>
-              <a:rPr lang="en-US" sz="1600" b="1" dirty="0">
-                <a:solidFill>
-                  <a:srgbClr val="0F5963"/>
-                </a:solidFill>
-                <a:latin typeface="Montserrat" panose="00000500000000000000" pitchFamily="2" charset="0"/>
-              </a:rPr>
-              <a:t>Small Business</a:t>
-            </a:r>
-            <a:r>
-              <a:rPr lang="en-US" sz="1600" dirty="0">
-                <a:solidFill>
-                  <a:srgbClr val="0F5963"/>
-                </a:solidFill>
-                <a:latin typeface="Montserrat" panose="00000500000000000000" pitchFamily="2" charset="0"/>
-              </a:rPr>
-              <a:t>, and </a:t>
-            </a:r>
-            <a:r>
-              <a:rPr lang="en-US" sz="1600" b="1" dirty="0">
-                <a:solidFill>
-                  <a:srgbClr val="0F5963"/>
-                </a:solidFill>
-                <a:latin typeface="Montserrat" panose="00000500000000000000" pitchFamily="2" charset="0"/>
-              </a:rPr>
-              <a:t>Debt Consolidation</a:t>
-            </a:r>
-            <a:r>
-              <a:rPr lang="en-US" sz="1600" dirty="0">
-                <a:solidFill>
-                  <a:srgbClr val="0F5963"/>
-                </a:solidFill>
-                <a:latin typeface="Montserrat" panose="00000500000000000000" pitchFamily="2" charset="0"/>
-              </a:rPr>
-              <a:t> categories.</a:t>
-            </a:r>
+            <a:endParaRPr lang="en-US" sz="1600" dirty="0"/>
+          </a:p>
+          <a:p>
+            <a:endParaRPr lang="en-US" sz="1600" dirty="0"/>
           </a:p>
           <a:p>
             <a:endParaRPr lang="en-US" sz="1600" dirty="0">
@@ -10617,51 +11306,7 @@
             </a:endParaRPr>
           </a:p>
           <a:p>
-            <a:r>
-              <a:rPr lang="en-US" sz="1600" b="1" dirty="0">
-                <a:solidFill>
-                  <a:srgbClr val="0F5963"/>
-                </a:solidFill>
-                <a:latin typeface="Montserrat" panose="00000500000000000000" pitchFamily="2" charset="0"/>
-              </a:rPr>
-              <a:t>5. Employment Length Doesn't Guarantee Low Risk</a:t>
-            </a:r>
-          </a:p>
-          <a:p>
-            <a:pPr>
-              <a:buFont typeface="Arial" panose="020B0604020202020204" pitchFamily="34" charset="0"/>
-              <a:buChar char="•"/>
-            </a:pPr>
-            <a:r>
-              <a:rPr lang="en-US" sz="1600" dirty="0">
-                <a:solidFill>
-                  <a:srgbClr val="0F5963"/>
-                </a:solidFill>
-                <a:latin typeface="Montserrat" panose="00000500000000000000" pitchFamily="2" charset="0"/>
-              </a:rPr>
-              <a:t>Even borrowers with </a:t>
-            </a:r>
-            <a:r>
-              <a:rPr lang="en-US" sz="1600" b="1" dirty="0">
-                <a:solidFill>
-                  <a:srgbClr val="0F5963"/>
-                </a:solidFill>
-                <a:latin typeface="Montserrat" panose="00000500000000000000" pitchFamily="2" charset="0"/>
-              </a:rPr>
-              <a:t>10+ years experience</a:t>
-            </a:r>
-            <a:r>
-              <a:rPr lang="en-US" sz="1600" dirty="0">
-                <a:solidFill>
-                  <a:srgbClr val="0F5963"/>
-                </a:solidFill>
-                <a:latin typeface="Montserrat" panose="00000500000000000000" pitchFamily="2" charset="0"/>
-              </a:rPr>
-              <a:t> show high defaults → stability doesn’t always mean safe borrowing.</a:t>
-            </a:r>
-          </a:p>
-          <a:p>
-            <a:endParaRPr lang="en-US" dirty="0">
+            <a:endParaRPr lang="en-US" sz="1600" dirty="0">
               <a:solidFill>
                 <a:srgbClr val="0F5963"/>
               </a:solidFill>
@@ -10670,10 +11315,57 @@
           </a:p>
         </p:txBody>
       </p:sp>
+      <p:pic>
+        <p:nvPicPr>
+          <p:cNvPr id="6" name="Picture 14" descr="SQL icon in Windows 11 Color Style">
+            <a:extLst>
+              <a:ext uri="{FF2B5EF4-FFF2-40B4-BE49-F238E27FC236}">
+                <a16:creationId xmlns:a16="http://schemas.microsoft.com/office/drawing/2014/main" id="{EDFAE67A-503E-47E4-9EE5-F596B8271C1E}"/>
+              </a:ext>
+            </a:extLst>
+          </p:cNvPr>
+          <p:cNvPicPr>
+            <a:picLocks noChangeAspect="1" noChangeArrowheads="1"/>
+          </p:cNvPicPr>
+          <p:nvPr/>
+        </p:nvPicPr>
+        <p:blipFill>
+          <a:blip r:embed="rId2">
+            <a:extLst>
+              <a:ext uri="{28A0092B-C50C-407E-A947-70E740481C1C}">
+                <a14:useLocalDpi xmlns:a14="http://schemas.microsoft.com/office/drawing/2010/main" val="0"/>
+              </a:ext>
+            </a:extLst>
+          </a:blip>
+          <a:srcRect/>
+          <a:stretch>
+            <a:fillRect/>
+          </a:stretch>
+        </p:blipFill>
+        <p:spPr bwMode="auto">
+          <a:xfrm>
+            <a:off x="706387" y="541765"/>
+            <a:ext cx="868680" cy="868680"/>
+          </a:xfrm>
+          <a:prstGeom prst="rect">
+            <a:avLst/>
+          </a:prstGeom>
+          <a:noFill/>
+          <a:extLst>
+            <a:ext uri="{909E8E84-426E-40DD-AFC4-6F175D3DCCD1}">
+              <a14:hiddenFill xmlns:a14="http://schemas.microsoft.com/office/drawing/2010/main">
+                <a:solidFill>
+                  <a:srgbClr val="FFFFFF"/>
+                </a:solidFill>
+              </a14:hiddenFill>
+            </a:ext>
+          </a:extLst>
+        </p:spPr>
+      </p:pic>
     </p:spTree>
     <p:extLst>
       <p:ext uri="{BB962C8B-B14F-4D97-AF65-F5344CB8AC3E}">
-        <p14:creationId xmlns:p14="http://schemas.microsoft.com/office/powerpoint/2010/main" val="88007996"/>
+        <p14:creationId xmlns:p14="http://schemas.microsoft.com/office/powerpoint/2010/main" val="1475243633"/>
       </p:ext>
     </p:extLst>
   </p:cSld>
@@ -10770,8 +11462,8 @@
         </p:nvSpPr>
         <p:spPr>
           <a:xfrm>
-            <a:off x="548640" y="589280"/>
-            <a:ext cx="10789920" cy="738497"/>
+            <a:off x="1330960" y="483572"/>
+            <a:ext cx="9144000" cy="738497"/>
           </a:xfrm>
         </p:spPr>
         <p:txBody>
@@ -10784,23 +11476,23 @@
             <a:r>
               <a:rPr lang="en-US" sz="3600" dirty="0">
                 <a:solidFill>
-                  <a:srgbClr val="C00000"/>
+                  <a:srgbClr val="CC0000"/>
                 </a:solidFill>
                 <a:latin typeface="Amazon Ember Display Heavy" panose="020F0803020204020204" pitchFamily="34" charset="0"/>
                 <a:ea typeface="Amazon Ember Display Heavy" panose="020F0803020204020204" pitchFamily="34" charset="0"/>
                 <a:cs typeface="Amazon Ember Display Heavy" panose="020F0803020204020204" pitchFamily="34" charset="0"/>
               </a:rPr>
-              <a:t>Final Recommendations</a:t>
+              <a:t>Visual Insights from Dashboards</a:t>
             </a:r>
           </a:p>
         </p:txBody>
       </p:sp>
       <p:sp>
         <p:nvSpPr>
-          <p:cNvPr id="2" name="TextBox 1">
-            <a:extLst>
-              <a:ext uri="{FF2B5EF4-FFF2-40B4-BE49-F238E27FC236}">
-                <a16:creationId xmlns:a16="http://schemas.microsoft.com/office/drawing/2014/main" id="{3DD509C2-10E7-41A1-AE27-5862EB2013DD}"/>
+          <p:cNvPr id="26" name="TextBox 25">
+            <a:extLst>
+              <a:ext uri="{FF2B5EF4-FFF2-40B4-BE49-F238E27FC236}">
+                <a16:creationId xmlns:a16="http://schemas.microsoft.com/office/drawing/2014/main" id="{4ED139B9-0116-4674-9017-35E35C8B714B}"/>
               </a:ext>
             </a:extLst>
           </p:cNvPr>
@@ -10809,8 +11501,8 @@
         </p:nvSpPr>
         <p:spPr>
           <a:xfrm>
-            <a:off x="548640" y="1566952"/>
-            <a:ext cx="11094720" cy="3724096"/>
+            <a:off x="9083040" y="924560"/>
+            <a:ext cx="2560320" cy="369332"/>
           </a:xfrm>
           <a:prstGeom prst="rect">
             <a:avLst/>
@@ -10823,211 +11515,185 @@
           </a:bodyPr>
           <a:lstStyle/>
           <a:p>
-            <a:pPr>
-              <a:buFont typeface="Arial" panose="020B0604020202020204" pitchFamily="34" charset="0"/>
-              <a:buChar char="•"/>
-            </a:pPr>
-            <a:r>
-              <a:rPr lang="en-US" sz="2000" b="1" dirty="0">
-                <a:solidFill>
-                  <a:srgbClr val="0F5963"/>
-                </a:solidFill>
-                <a:latin typeface="Montserrat" panose="00000500000000000000" pitchFamily="2" charset="0"/>
-              </a:rPr>
-              <a:t>Tighten loan approval rules</a:t>
-            </a:r>
-            <a:r>
-              <a:rPr lang="en-US" sz="2000" dirty="0">
-                <a:solidFill>
-                  <a:srgbClr val="0F5963"/>
-                </a:solidFill>
-                <a:latin typeface="Montserrat" panose="00000500000000000000" pitchFamily="2" charset="0"/>
-              </a:rPr>
-              <a:t> for high-risk segments (low grades: E, F, G).</a:t>
-            </a:r>
-          </a:p>
-          <a:p>
-            <a:endParaRPr lang="en-US" sz="2000" dirty="0">
-              <a:solidFill>
-                <a:srgbClr val="0F5963"/>
-              </a:solidFill>
-              <a:latin typeface="Montserrat" panose="00000500000000000000" pitchFamily="2" charset="0"/>
-            </a:endParaRPr>
-          </a:p>
-          <a:p>
-            <a:pPr>
-              <a:buFont typeface="Arial" panose="020B0604020202020204" pitchFamily="34" charset="0"/>
-              <a:buChar char="•"/>
-            </a:pPr>
-            <a:r>
-              <a:rPr lang="en-US" sz="2000" b="1" dirty="0">
-                <a:solidFill>
-                  <a:srgbClr val="0F5963"/>
-                </a:solidFill>
-                <a:latin typeface="Montserrat" panose="00000500000000000000" pitchFamily="2" charset="0"/>
-              </a:rPr>
-              <a:t>Increase interest rates</a:t>
-            </a:r>
-            <a:r>
-              <a:rPr lang="en-US" sz="2000" dirty="0">
-                <a:solidFill>
-                  <a:srgbClr val="0F5963"/>
-                </a:solidFill>
-                <a:latin typeface="Montserrat" panose="00000500000000000000" pitchFamily="2" charset="0"/>
-              </a:rPr>
-              <a:t> or add stricter checks for borrowers with </a:t>
-            </a:r>
-            <a:r>
-              <a:rPr lang="en-US" sz="2000" b="1" dirty="0">
-                <a:solidFill>
-                  <a:srgbClr val="0F5963"/>
-                </a:solidFill>
-                <a:latin typeface="Montserrat" panose="00000500000000000000" pitchFamily="2" charset="0"/>
-              </a:rPr>
-              <a:t>high DTI</a:t>
-            </a:r>
-            <a:r>
-              <a:rPr lang="en-US" sz="2000" dirty="0">
-                <a:solidFill>
-                  <a:srgbClr val="0F5963"/>
-                </a:solidFill>
-                <a:latin typeface="Montserrat" panose="00000500000000000000" pitchFamily="2" charset="0"/>
-              </a:rPr>
-              <a:t> or </a:t>
-            </a:r>
-            <a:r>
-              <a:rPr lang="en-US" sz="2000" b="1" dirty="0">
-                <a:solidFill>
-                  <a:srgbClr val="0F5963"/>
-                </a:solidFill>
-                <a:latin typeface="Montserrat" panose="00000500000000000000" pitchFamily="2" charset="0"/>
-              </a:rPr>
-              <a:t>high loan amounts</a:t>
-            </a:r>
-            <a:r>
-              <a:rPr lang="en-US" sz="2000" dirty="0">
-                <a:solidFill>
-                  <a:srgbClr val="0F5963"/>
-                </a:solidFill>
-                <a:latin typeface="Montserrat" panose="00000500000000000000" pitchFamily="2" charset="0"/>
-              </a:rPr>
-              <a:t>.</a:t>
-            </a:r>
-          </a:p>
-          <a:p>
-            <a:endParaRPr lang="en-US" sz="2000" dirty="0">
-              <a:solidFill>
-                <a:srgbClr val="0F5963"/>
-              </a:solidFill>
-              <a:latin typeface="Montserrat" panose="00000500000000000000" pitchFamily="2" charset="0"/>
-            </a:endParaRPr>
-          </a:p>
-          <a:p>
-            <a:pPr>
-              <a:buFont typeface="Arial" panose="020B0604020202020204" pitchFamily="34" charset="0"/>
-              <a:buChar char="•"/>
-            </a:pPr>
-            <a:r>
-              <a:rPr lang="en-US" sz="2000" b="1" dirty="0">
-                <a:solidFill>
-                  <a:srgbClr val="0F5963"/>
-                </a:solidFill>
-                <a:latin typeface="Montserrat" panose="00000500000000000000" pitchFamily="2" charset="0"/>
-              </a:rPr>
-              <a:t>Strengthen verification</a:t>
-            </a:r>
-            <a:r>
-              <a:rPr lang="en-US" sz="2000" dirty="0">
-                <a:solidFill>
-                  <a:srgbClr val="0F5963"/>
-                </a:solidFill>
-                <a:latin typeface="Montserrat" panose="00000500000000000000" pitchFamily="2" charset="0"/>
-              </a:rPr>
-              <a:t> for high-risk loan purposes (Debt Consolidation, Small Business, Other)</a:t>
-            </a:r>
-          </a:p>
-          <a:p>
-            <a:pPr>
-              <a:buFont typeface="Arial" panose="020B0604020202020204" pitchFamily="34" charset="0"/>
-              <a:buChar char="•"/>
-            </a:pPr>
-            <a:endParaRPr lang="en-US" sz="2000" dirty="0">
-              <a:solidFill>
-                <a:srgbClr val="0F5963"/>
-              </a:solidFill>
-              <a:latin typeface="Montserrat" panose="00000500000000000000" pitchFamily="2" charset="0"/>
-            </a:endParaRPr>
-          </a:p>
-          <a:p>
-            <a:pPr>
-              <a:buFont typeface="Arial" panose="020B0604020202020204" pitchFamily="34" charset="0"/>
-              <a:buChar char="•"/>
-            </a:pPr>
-            <a:r>
-              <a:rPr lang="en-US" sz="2000" b="1" dirty="0">
-                <a:solidFill>
-                  <a:srgbClr val="0F5963"/>
-                </a:solidFill>
-                <a:latin typeface="Montserrat" panose="00000500000000000000" pitchFamily="2" charset="0"/>
-              </a:rPr>
-              <a:t>Promote shorter loan terms</a:t>
-            </a:r>
-            <a:r>
-              <a:rPr lang="en-US" sz="2000" dirty="0">
-                <a:solidFill>
-                  <a:srgbClr val="0F5963"/>
-                </a:solidFill>
-                <a:latin typeface="Montserrat" panose="00000500000000000000" pitchFamily="2" charset="0"/>
-              </a:rPr>
-              <a:t> (36-month) to reduce default probability.</a:t>
-            </a:r>
-          </a:p>
-          <a:p>
-            <a:endParaRPr lang="en-US" sz="2000" dirty="0">
-              <a:solidFill>
-                <a:srgbClr val="0F5963"/>
-              </a:solidFill>
-              <a:latin typeface="Montserrat" panose="00000500000000000000" pitchFamily="2" charset="0"/>
-            </a:endParaRPr>
-          </a:p>
-          <a:p>
-            <a:pPr>
-              <a:buFont typeface="Arial" panose="020B0604020202020204" pitchFamily="34" charset="0"/>
-              <a:buChar char="•"/>
-            </a:pPr>
-            <a:r>
-              <a:rPr lang="en-US" sz="2000" b="1" dirty="0">
-                <a:solidFill>
-                  <a:srgbClr val="0F5963"/>
-                </a:solidFill>
-                <a:latin typeface="Montserrat" panose="00000500000000000000" pitchFamily="2" charset="0"/>
-              </a:rPr>
-              <a:t>Use automated alerts</a:t>
-            </a:r>
-            <a:r>
-              <a:rPr lang="en-US" sz="2000" dirty="0">
-                <a:solidFill>
-                  <a:srgbClr val="0F5963"/>
-                </a:solidFill>
-                <a:latin typeface="Montserrat" panose="00000500000000000000" pitchFamily="2" charset="0"/>
-              </a:rPr>
-              <a:t> for risky profiles (high DTI, high interest rate, long loan term).</a:t>
-            </a:r>
-          </a:p>
-          <a:p>
-            <a:endParaRPr lang="en-US" sz="1600" dirty="0">
-              <a:solidFill>
-                <a:srgbClr val="0F5963"/>
-              </a:solidFill>
-              <a:latin typeface="Montserrat" panose="00000500000000000000" pitchFamily="2" charset="0"/>
-            </a:endParaRPr>
+            <a:endParaRPr lang="en-US" dirty="0"/>
           </a:p>
         </p:txBody>
       </p:sp>
+      <p:sp>
+        <p:nvSpPr>
+          <p:cNvPr id="44" name="Rectangle 12">
+            <a:extLst>
+              <a:ext uri="{FF2B5EF4-FFF2-40B4-BE49-F238E27FC236}">
+                <a16:creationId xmlns:a16="http://schemas.microsoft.com/office/drawing/2014/main" id="{D451315E-7F17-4B18-9E8E-E5C105609BA0}"/>
+              </a:ext>
+            </a:extLst>
+          </p:cNvPr>
+          <p:cNvSpPr>
+            <a:spLocks noChangeArrowheads="1"/>
+          </p:cNvSpPr>
+          <p:nvPr/>
+        </p:nvSpPr>
+        <p:spPr bwMode="auto">
+          <a:xfrm>
+            <a:off x="0" y="-184666"/>
+            <a:ext cx="264816" cy="369332"/>
+          </a:xfrm>
+          <a:prstGeom prst="rect">
+            <a:avLst/>
+          </a:prstGeom>
+          <a:noFill/>
+          <a:ln>
+            <a:noFill/>
+          </a:ln>
+          <a:effectLst/>
+          <a:extLst>
+            <a:ext uri="{909E8E84-426E-40DD-AFC4-6F175D3DCCD1}">
+              <a14:hiddenFill xmlns:a14="http://schemas.microsoft.com/office/drawing/2010/main">
+                <a:solidFill>
+                  <a:schemeClr val="accent1"/>
+                </a:solidFill>
+              </a14:hiddenFill>
+            </a:ext>
+            <a:ext uri="{91240B29-F687-4F45-9708-019B960494DF}">
+              <a14:hiddenLine xmlns:a14="http://schemas.microsoft.com/office/drawing/2010/main" w="9525">
+                <a:solidFill>
+                  <a:schemeClr val="tx1"/>
+                </a:solidFill>
+                <a:miter lim="800000"/>
+                <a:headEnd/>
+                <a:tailEnd/>
+              </a14:hiddenLine>
+            </a:ext>
+            <a:ext uri="{AF507438-7753-43E0-B8FC-AC1667EBCBE1}">
+              <a14:hiddenEffects xmlns:a14="http://schemas.microsoft.com/office/drawing/2010/main">
+                <a:effectLst>
+                  <a:outerShdw dist="35921" dir="2700000" algn="ctr" rotWithShape="0">
+                    <a:schemeClr val="bg2"/>
+                  </a:outerShdw>
+                </a:effectLst>
+              </a14:hiddenEffects>
+            </a:ext>
+          </a:extLst>
+        </p:spPr>
+        <p:txBody>
+          <a:bodyPr vert="horz" wrap="none" lIns="91440" tIns="45720" rIns="91440" bIns="45720" numCol="1" anchor="ctr" anchorCtr="0" compatLnSpc="1">
+            <a:prstTxWarp prst="textNoShape">
+              <a:avLst/>
+            </a:prstTxWarp>
+            <a:spAutoFit/>
+          </a:bodyPr>
+          <a:lstStyle/>
+          <a:p>
+            <a:pPr marL="0" marR="0" lvl="0" indent="0" algn="l" defTabSz="914400" rtl="0" eaLnBrk="0" fontAlgn="base" latinLnBrk="0" hangingPunct="0">
+              <a:lnSpc>
+                <a:spcPct val="100000"/>
+              </a:lnSpc>
+              <a:spcBef>
+                <a:spcPct val="0"/>
+              </a:spcBef>
+              <a:spcAft>
+                <a:spcPct val="0"/>
+              </a:spcAft>
+              <a:buClrTx/>
+              <a:buSzTx/>
+              <a:buFontTx/>
+              <a:buChar char="•"/>
+              <a:tabLst/>
+            </a:pPr>
+            <a:endParaRPr kumimoji="0" lang="en-US" altLang="en-US" sz="1800" b="0" i="0" u="none" strike="noStrike" cap="none" normalizeH="0" baseline="0" dirty="0">
+              <a:ln>
+                <a:noFill/>
+              </a:ln>
+              <a:solidFill>
+                <a:schemeClr val="tx1"/>
+              </a:solidFill>
+              <a:effectLst/>
+              <a:latin typeface="Arial" panose="020B0604020202020204" pitchFamily="34" charset="0"/>
+            </a:endParaRPr>
+          </a:p>
+        </p:txBody>
+      </p:sp>
+      <p:pic>
+        <p:nvPicPr>
+          <p:cNvPr id="48" name="Picture 47">
+            <a:extLst>
+              <a:ext uri="{FF2B5EF4-FFF2-40B4-BE49-F238E27FC236}">
+                <a16:creationId xmlns:a16="http://schemas.microsoft.com/office/drawing/2014/main" id="{FAD14926-B590-46BD-B8A7-51F99ADE37CC}"/>
+              </a:ext>
+            </a:extLst>
+          </p:cNvPr>
+          <p:cNvPicPr>
+            <a:picLocks noChangeAspect="1"/>
+          </p:cNvPicPr>
+          <p:nvPr/>
+        </p:nvPicPr>
+        <p:blipFill>
+          <a:blip r:embed="rId2"/>
+          <a:stretch>
+            <a:fillRect/>
+          </a:stretch>
+        </p:blipFill>
+        <p:spPr>
+          <a:xfrm>
+            <a:off x="807720" y="1293892"/>
+            <a:ext cx="10718800" cy="5135368"/>
+          </a:xfrm>
+          <a:prstGeom prst="rect">
+            <a:avLst/>
+          </a:prstGeom>
+        </p:spPr>
+      </p:pic>
+      <p:pic>
+        <p:nvPicPr>
+          <p:cNvPr id="7" name="Picture 16">
+            <a:extLst>
+              <a:ext uri="{FF2B5EF4-FFF2-40B4-BE49-F238E27FC236}">
+                <a16:creationId xmlns:a16="http://schemas.microsoft.com/office/drawing/2014/main" id="{CE6ACC1B-CA6D-49DD-9502-1D30575CC193}"/>
+              </a:ext>
+            </a:extLst>
+          </p:cNvPr>
+          <p:cNvPicPr>
+            <a:picLocks noChangeAspect="1" noChangeArrowheads="1"/>
+          </p:cNvPicPr>
+          <p:nvPr/>
+        </p:nvPicPr>
+        <p:blipFill>
+          <a:blip r:embed="rId3">
+            <a:extLst>
+              <a:ext uri="{28A0092B-C50C-407E-A947-70E740481C1C}">
+                <a14:useLocalDpi xmlns:a14="http://schemas.microsoft.com/office/drawing/2010/main" val="0"/>
+              </a:ext>
+            </a:extLst>
+          </a:blip>
+          <a:srcRect/>
+          <a:stretch>
+            <a:fillRect/>
+          </a:stretch>
+        </p:blipFill>
+        <p:spPr bwMode="auto">
+          <a:xfrm>
+            <a:off x="762267" y="543599"/>
+            <a:ext cx="662291" cy="662291"/>
+          </a:xfrm>
+          <a:prstGeom prst="rect">
+            <a:avLst/>
+          </a:prstGeom>
+          <a:noFill/>
+          <a:extLst>
+            <a:ext uri="{909E8E84-426E-40DD-AFC4-6F175D3DCCD1}">
+              <a14:hiddenFill xmlns:a14="http://schemas.microsoft.com/office/drawing/2010/main">
+                <a:solidFill>
+                  <a:srgbClr val="FFFFFF"/>
+                </a:solidFill>
+              </a14:hiddenFill>
+            </a:ext>
+          </a:extLst>
+        </p:spPr>
+      </p:pic>
     </p:spTree>
     <p:extLst>
       <p:ext uri="{BB962C8B-B14F-4D97-AF65-F5344CB8AC3E}">
-        <p14:creationId xmlns:p14="http://schemas.microsoft.com/office/powerpoint/2010/main" val="2715558926"/>
+        <p14:creationId xmlns:p14="http://schemas.microsoft.com/office/powerpoint/2010/main" val="3688960412"/>
       </p:ext>
     </p:extLst>
   </p:cSld>
@@ -11124,7 +11790,1590 @@
         </p:nvSpPr>
         <p:spPr>
           <a:xfrm>
-            <a:off x="548640" y="589280"/>
+            <a:off x="1402080" y="589280"/>
+            <a:ext cx="10789920" cy="738497"/>
+          </a:xfrm>
+        </p:spPr>
+        <p:txBody>
+          <a:bodyPr>
+            <a:normAutofit fontScale="90000"/>
+          </a:bodyPr>
+          <a:lstStyle/>
+          <a:p>
+            <a:pPr algn="l"/>
+            <a:r>
+              <a:rPr lang="en-US" sz="4000" dirty="0">
+                <a:solidFill>
+                  <a:srgbClr val="CC0000"/>
+                </a:solidFill>
+                <a:latin typeface="Amazon Ember Display Heavy" panose="020F0803020204020204" pitchFamily="34" charset="0"/>
+                <a:ea typeface="Amazon Ember Display Heavy" panose="020F0803020204020204" pitchFamily="34" charset="0"/>
+                <a:cs typeface="Amazon Ember Display Heavy" panose="020F0803020204020204" pitchFamily="34" charset="0"/>
+              </a:rPr>
+              <a:t>Visual Insights from Dashboards (Continued)</a:t>
+            </a:r>
+          </a:p>
+        </p:txBody>
+      </p:sp>
+      <p:sp>
+        <p:nvSpPr>
+          <p:cNvPr id="5" name="TextBox 4">
+            <a:extLst>
+              <a:ext uri="{FF2B5EF4-FFF2-40B4-BE49-F238E27FC236}">
+                <a16:creationId xmlns:a16="http://schemas.microsoft.com/office/drawing/2014/main" id="{C9268BBC-E025-4D76-9CEB-6E03BF84B8B3}"/>
+              </a:ext>
+            </a:extLst>
+          </p:cNvPr>
+          <p:cNvSpPr txBox="1"/>
+          <p:nvPr/>
+        </p:nvSpPr>
+        <p:spPr>
+          <a:xfrm>
+            <a:off x="629920" y="1461461"/>
+            <a:ext cx="11033760" cy="4801314"/>
+          </a:xfrm>
+          <a:prstGeom prst="rect">
+            <a:avLst/>
+          </a:prstGeom>
+          <a:noFill/>
+        </p:spPr>
+        <p:txBody>
+          <a:bodyPr wrap="square" rtlCol="0">
+            <a:spAutoFit/>
+          </a:bodyPr>
+          <a:lstStyle/>
+          <a:p>
+            <a:r>
+              <a:rPr lang="en-US" b="1" dirty="0">
+                <a:solidFill>
+                  <a:srgbClr val="0F5963"/>
+                </a:solidFill>
+                <a:latin typeface="Montserrat" panose="00000500000000000000" pitchFamily="2" charset="0"/>
+              </a:rPr>
+              <a:t>Insights from Summary Dashboard</a:t>
+            </a:r>
+          </a:p>
+          <a:p>
+            <a:endParaRPr lang="en-US" b="1" dirty="0">
+              <a:solidFill>
+                <a:srgbClr val="0F5963"/>
+              </a:solidFill>
+              <a:latin typeface="Montserrat" panose="00000500000000000000" pitchFamily="2" charset="0"/>
+            </a:endParaRPr>
+          </a:p>
+          <a:p>
+            <a:r>
+              <a:rPr lang="en-US" b="1" dirty="0">
+                <a:solidFill>
+                  <a:srgbClr val="0F5963"/>
+                </a:solidFill>
+                <a:latin typeface="Montserrat" panose="00000500000000000000" pitchFamily="2" charset="0"/>
+              </a:rPr>
+              <a:t>1. High Loan Success Rate</a:t>
+            </a:r>
+          </a:p>
+          <a:p>
+            <a:pPr>
+              <a:buFont typeface="Arial" panose="020B0604020202020204" pitchFamily="34" charset="0"/>
+              <a:buChar char="•"/>
+            </a:pPr>
+            <a:r>
+              <a:rPr lang="en-US" b="1" dirty="0">
+                <a:solidFill>
+                  <a:srgbClr val="0F5963"/>
+                </a:solidFill>
+                <a:latin typeface="Montserrat" panose="00000500000000000000" pitchFamily="2" charset="0"/>
+              </a:rPr>
+              <a:t>86.18% of all loans issued are Good Loans</a:t>
+            </a:r>
+            <a:r>
+              <a:rPr lang="en-US" dirty="0">
+                <a:solidFill>
+                  <a:srgbClr val="0F5963"/>
+                </a:solidFill>
+                <a:latin typeface="Montserrat" panose="00000500000000000000" pitchFamily="2" charset="0"/>
+              </a:rPr>
+              <a:t>, indicating strong repayment behavior.</a:t>
+            </a:r>
+          </a:p>
+          <a:p>
+            <a:pPr>
+              <a:buFont typeface="Arial" panose="020B0604020202020204" pitchFamily="34" charset="0"/>
+              <a:buChar char="•"/>
+            </a:pPr>
+            <a:endParaRPr lang="en-US" dirty="0">
+              <a:solidFill>
+                <a:srgbClr val="0F5963"/>
+              </a:solidFill>
+              <a:latin typeface="Montserrat" panose="00000500000000000000" pitchFamily="2" charset="0"/>
+            </a:endParaRPr>
+          </a:p>
+          <a:p>
+            <a:r>
+              <a:rPr lang="en-US" b="1" dirty="0">
+                <a:solidFill>
+                  <a:srgbClr val="0F5963"/>
+                </a:solidFill>
+                <a:latin typeface="Montserrat" panose="00000500000000000000" pitchFamily="2" charset="0"/>
+              </a:rPr>
+              <a:t>2. Default Level is Moderate but Significant</a:t>
+            </a:r>
+          </a:p>
+          <a:p>
+            <a:pPr>
+              <a:buFont typeface="Arial" panose="020B0604020202020204" pitchFamily="34" charset="0"/>
+              <a:buChar char="•"/>
+            </a:pPr>
+            <a:r>
+              <a:rPr lang="en-US" b="1" dirty="0">
+                <a:solidFill>
+                  <a:srgbClr val="0F5963"/>
+                </a:solidFill>
+                <a:latin typeface="Montserrat" panose="00000500000000000000" pitchFamily="2" charset="0"/>
+              </a:rPr>
+              <a:t>13.82% loans are in default</a:t>
+            </a:r>
+            <a:r>
+              <a:rPr lang="en-US" dirty="0">
+                <a:solidFill>
+                  <a:srgbClr val="0F5963"/>
+                </a:solidFill>
+                <a:latin typeface="Montserrat" panose="00000500000000000000" pitchFamily="2" charset="0"/>
+              </a:rPr>
+              <a:t>, resulting in </a:t>
+            </a:r>
+            <a:r>
+              <a:rPr lang="en-US" b="1" dirty="0">
+                <a:solidFill>
+                  <a:srgbClr val="0F5963"/>
+                </a:solidFill>
+                <a:latin typeface="Montserrat" panose="00000500000000000000" pitchFamily="2" charset="0"/>
+              </a:rPr>
+              <a:t>$65.53M</a:t>
+            </a:r>
+            <a:r>
+              <a:rPr lang="en-US" dirty="0">
+                <a:solidFill>
+                  <a:srgbClr val="0F5963"/>
+                </a:solidFill>
+                <a:latin typeface="Montserrat" panose="00000500000000000000" pitchFamily="2" charset="0"/>
+              </a:rPr>
+              <a:t> total defaulted amount.</a:t>
+            </a:r>
+          </a:p>
+          <a:p>
+            <a:pPr>
+              <a:buFont typeface="Arial" panose="020B0604020202020204" pitchFamily="34" charset="0"/>
+              <a:buChar char="•"/>
+            </a:pPr>
+            <a:endParaRPr lang="en-US" dirty="0">
+              <a:solidFill>
+                <a:srgbClr val="0F5963"/>
+              </a:solidFill>
+              <a:latin typeface="Montserrat" panose="00000500000000000000" pitchFamily="2" charset="0"/>
+            </a:endParaRPr>
+          </a:p>
+          <a:p>
+            <a:r>
+              <a:rPr lang="en-US" b="1" dirty="0">
+                <a:solidFill>
+                  <a:srgbClr val="0F5963"/>
+                </a:solidFill>
+                <a:latin typeface="Montserrat" panose="00000500000000000000" pitchFamily="2" charset="0"/>
+              </a:rPr>
+              <a:t>3. Good Loans Drive Most of the Revenue</a:t>
+            </a:r>
+          </a:p>
+          <a:p>
+            <a:pPr>
+              <a:buFont typeface="Arial" panose="020B0604020202020204" pitchFamily="34" charset="0"/>
+              <a:buChar char="•"/>
+            </a:pPr>
+            <a:r>
+              <a:rPr lang="en-US" dirty="0">
+                <a:solidFill>
+                  <a:srgbClr val="0F5963"/>
+                </a:solidFill>
+                <a:latin typeface="Montserrat" panose="00000500000000000000" pitchFamily="2" charset="0"/>
+              </a:rPr>
+              <a:t>Good loans recovered </a:t>
+            </a:r>
+            <a:r>
+              <a:rPr lang="en-US" b="1" dirty="0">
+                <a:solidFill>
+                  <a:srgbClr val="0F5963"/>
+                </a:solidFill>
+                <a:latin typeface="Montserrat" panose="00000500000000000000" pitchFamily="2" charset="0"/>
+              </a:rPr>
+              <a:t>$435.79M</a:t>
+            </a:r>
+            <a:r>
+              <a:rPr lang="en-US" dirty="0">
+                <a:solidFill>
+                  <a:srgbClr val="0F5963"/>
+                </a:solidFill>
+                <a:latin typeface="Montserrat" panose="00000500000000000000" pitchFamily="2" charset="0"/>
+              </a:rPr>
+              <a:t>, far higher than other segments.</a:t>
+            </a:r>
+          </a:p>
+          <a:p>
+            <a:endParaRPr lang="en-US" dirty="0">
+              <a:solidFill>
+                <a:srgbClr val="0F5963"/>
+              </a:solidFill>
+              <a:latin typeface="Montserrat" panose="00000500000000000000" pitchFamily="2" charset="0"/>
+            </a:endParaRPr>
+          </a:p>
+          <a:p>
+            <a:r>
+              <a:rPr lang="en-US" b="1" dirty="0">
+                <a:solidFill>
+                  <a:srgbClr val="0F5963"/>
+                </a:solidFill>
+                <a:latin typeface="Montserrat" panose="00000500000000000000" pitchFamily="2" charset="0"/>
+              </a:rPr>
+              <a:t>4. Interest Rate Difference Explains Risk</a:t>
+            </a:r>
+          </a:p>
+          <a:p>
+            <a:pPr>
+              <a:buFont typeface="Arial" panose="020B0604020202020204" pitchFamily="34" charset="0"/>
+              <a:buChar char="•"/>
+            </a:pPr>
+            <a:r>
+              <a:rPr lang="en-US" dirty="0">
+                <a:solidFill>
+                  <a:srgbClr val="0F5963"/>
+                </a:solidFill>
+                <a:latin typeface="Montserrat" panose="00000500000000000000" pitchFamily="2" charset="0"/>
+              </a:rPr>
+              <a:t>Charged-off loans have </a:t>
+            </a:r>
+            <a:r>
+              <a:rPr lang="en-US" b="1" dirty="0">
+                <a:solidFill>
+                  <a:srgbClr val="0F5963"/>
+                </a:solidFill>
+                <a:latin typeface="Montserrat" panose="00000500000000000000" pitchFamily="2" charset="0"/>
+              </a:rPr>
+              <a:t>higher interest rates</a:t>
+            </a:r>
+            <a:r>
+              <a:rPr lang="en-US" dirty="0">
+                <a:solidFill>
+                  <a:srgbClr val="0F5963"/>
+                </a:solidFill>
+                <a:latin typeface="Montserrat" panose="00000500000000000000" pitchFamily="2" charset="0"/>
+              </a:rPr>
+              <a:t> (13.88%+) compared to Fully Paid (11.64%).</a:t>
+            </a:r>
+          </a:p>
+          <a:p>
+            <a:pPr>
+              <a:buFont typeface="Arial" panose="020B0604020202020204" pitchFamily="34" charset="0"/>
+              <a:buChar char="•"/>
+            </a:pPr>
+            <a:endParaRPr lang="en-US" dirty="0">
+              <a:solidFill>
+                <a:srgbClr val="0F5963"/>
+              </a:solidFill>
+              <a:latin typeface="Montserrat" panose="00000500000000000000" pitchFamily="2" charset="0"/>
+            </a:endParaRPr>
+          </a:p>
+          <a:p>
+            <a:r>
+              <a:rPr lang="en-US" b="1" dirty="0">
+                <a:solidFill>
+                  <a:srgbClr val="0F5963"/>
+                </a:solidFill>
+                <a:latin typeface="Montserrat" panose="00000500000000000000" pitchFamily="2" charset="0"/>
+              </a:rPr>
+              <a:t>5. Loan Purpose &amp; Grade Affect Risk Profile</a:t>
+            </a:r>
+          </a:p>
+          <a:p>
+            <a:pPr>
+              <a:buFont typeface="Arial" panose="020B0604020202020204" pitchFamily="34" charset="0"/>
+              <a:buChar char="•"/>
+            </a:pPr>
+            <a:r>
+              <a:rPr lang="en-US" dirty="0">
+                <a:solidFill>
+                  <a:srgbClr val="0F5963"/>
+                </a:solidFill>
+                <a:latin typeface="Montserrat" panose="00000500000000000000" pitchFamily="2" charset="0"/>
+              </a:rPr>
+              <a:t>Filters (Grade &amp; Purpose) allow identifying high-risk segments like </a:t>
+            </a:r>
+            <a:r>
+              <a:rPr lang="en-US" b="1" dirty="0">
+                <a:solidFill>
+                  <a:srgbClr val="0F5963"/>
+                </a:solidFill>
+                <a:latin typeface="Montserrat" panose="00000500000000000000" pitchFamily="2" charset="0"/>
+              </a:rPr>
+              <a:t>lower grades</a:t>
+            </a:r>
+            <a:r>
+              <a:rPr lang="en-US" dirty="0">
+                <a:solidFill>
+                  <a:srgbClr val="0F5963"/>
+                </a:solidFill>
+                <a:latin typeface="Montserrat" panose="00000500000000000000" pitchFamily="2" charset="0"/>
+              </a:rPr>
+              <a:t> and </a:t>
+            </a:r>
+            <a:r>
+              <a:rPr lang="en-US" b="1" dirty="0">
+                <a:solidFill>
+                  <a:srgbClr val="0F5963"/>
+                </a:solidFill>
+                <a:latin typeface="Montserrat" panose="00000500000000000000" pitchFamily="2" charset="0"/>
+              </a:rPr>
+              <a:t>Debt Consolidation</a:t>
+            </a:r>
+            <a:r>
+              <a:rPr lang="en-US" dirty="0">
+                <a:solidFill>
+                  <a:srgbClr val="0F5963"/>
+                </a:solidFill>
+                <a:latin typeface="Montserrat" panose="00000500000000000000" pitchFamily="2" charset="0"/>
+              </a:rPr>
+              <a:t> loans.</a:t>
+            </a:r>
+          </a:p>
+        </p:txBody>
+      </p:sp>
+      <p:pic>
+        <p:nvPicPr>
+          <p:cNvPr id="7" name="Picture 16">
+            <a:extLst>
+              <a:ext uri="{FF2B5EF4-FFF2-40B4-BE49-F238E27FC236}">
+                <a16:creationId xmlns:a16="http://schemas.microsoft.com/office/drawing/2014/main" id="{6DCEDAD5-F52C-4432-81AF-5FA92CCA53A6}"/>
+              </a:ext>
+            </a:extLst>
+          </p:cNvPr>
+          <p:cNvPicPr>
+            <a:picLocks noChangeAspect="1" noChangeArrowheads="1"/>
+          </p:cNvPicPr>
+          <p:nvPr/>
+        </p:nvPicPr>
+        <p:blipFill>
+          <a:blip r:embed="rId2">
+            <a:extLst>
+              <a:ext uri="{28A0092B-C50C-407E-A947-70E740481C1C}">
+                <a14:useLocalDpi xmlns:a14="http://schemas.microsoft.com/office/drawing/2010/main" val="0"/>
+              </a:ext>
+            </a:extLst>
+          </a:blip>
+          <a:srcRect/>
+          <a:stretch>
+            <a:fillRect/>
+          </a:stretch>
+        </p:blipFill>
+        <p:spPr bwMode="auto">
+          <a:xfrm>
+            <a:off x="739789" y="589280"/>
+            <a:ext cx="662291" cy="662291"/>
+          </a:xfrm>
+          <a:prstGeom prst="rect">
+            <a:avLst/>
+          </a:prstGeom>
+          <a:noFill/>
+          <a:extLst>
+            <a:ext uri="{909E8E84-426E-40DD-AFC4-6F175D3DCCD1}">
+              <a14:hiddenFill xmlns:a14="http://schemas.microsoft.com/office/drawing/2010/main">
+                <a:solidFill>
+                  <a:srgbClr val="FFFFFF"/>
+                </a:solidFill>
+              </a14:hiddenFill>
+            </a:ext>
+          </a:extLst>
+        </p:spPr>
+      </p:pic>
+    </p:spTree>
+    <p:extLst>
+      <p:ext uri="{BB962C8B-B14F-4D97-AF65-F5344CB8AC3E}">
+        <p14:creationId xmlns:p14="http://schemas.microsoft.com/office/powerpoint/2010/main" val="3161645886"/>
+      </p:ext>
+    </p:extLst>
+  </p:cSld>
+  <p:clrMapOvr>
+    <a:masterClrMapping/>
+  </p:clrMapOvr>
+</p:sld>
+</file>
+
+<file path=ppt/slides/slide24.xml><?xml version="1.0" encoding="utf-8"?>
+<p:sld xmlns:a="http://schemas.openxmlformats.org/drawingml/2006/main" xmlns:r="http://schemas.openxmlformats.org/officeDocument/2006/relationships" xmlns:p="http://schemas.openxmlformats.org/presentationml/2006/main">
+  <p:cSld>
+    <p:spTree>
+      <p:nvGrpSpPr>
+        <p:cNvPr id="1" name=""/>
+        <p:cNvGrpSpPr/>
+        <p:nvPr/>
+      </p:nvGrpSpPr>
+      <p:grpSpPr>
+        <a:xfrm>
+          <a:off x="0" y="0"/>
+          <a:ext cx="0" cy="0"/>
+          <a:chOff x="0" y="0"/>
+          <a:chExt cx="0" cy="0"/>
+        </a:xfrm>
+      </p:grpSpPr>
+      <p:sp>
+        <p:nvSpPr>
+          <p:cNvPr id="4" name="Rectangle 3">
+            <a:extLst>
+              <a:ext uri="{FF2B5EF4-FFF2-40B4-BE49-F238E27FC236}">
+                <a16:creationId xmlns:a16="http://schemas.microsoft.com/office/drawing/2014/main" id="{EA8DC749-B83B-4825-8E59-E41BAE25CF1E}"/>
+              </a:ext>
+            </a:extLst>
+          </p:cNvPr>
+          <p:cNvSpPr/>
+          <p:nvPr/>
+        </p:nvSpPr>
+        <p:spPr>
+          <a:xfrm>
+            <a:off x="340627" y="455596"/>
+            <a:ext cx="11652986" cy="6246796"/>
+          </a:xfrm>
+          <a:prstGeom prst="rect">
+            <a:avLst/>
+          </a:prstGeom>
+          <a:noFill/>
+          <a:ln w="44450">
+            <a:solidFill>
+              <a:srgbClr val="FF0000"/>
+            </a:solidFill>
+          </a:ln>
+        </p:spPr>
+        <p:style>
+          <a:lnRef idx="2">
+            <a:schemeClr val="accent1">
+              <a:shade val="50000"/>
+            </a:schemeClr>
+          </a:lnRef>
+          <a:fillRef idx="1">
+            <a:schemeClr val="accent1"/>
+          </a:fillRef>
+          <a:effectRef idx="0">
+            <a:schemeClr val="accent1"/>
+          </a:effectRef>
+          <a:fontRef idx="minor">
+            <a:schemeClr val="lt1"/>
+          </a:fontRef>
+        </p:style>
+        <p:txBody>
+          <a:bodyPr rtlCol="0" anchor="ctr"/>
+          <a:lstStyle/>
+          <a:p>
+            <a:pPr algn="ctr"/>
+            <a:endParaRPr lang="en-US"/>
+          </a:p>
+        </p:txBody>
+      </p:sp>
+      <p:sp>
+        <p:nvSpPr>
+          <p:cNvPr id="8" name="Title 7">
+            <a:extLst>
+              <a:ext uri="{FF2B5EF4-FFF2-40B4-BE49-F238E27FC236}">
+                <a16:creationId xmlns:a16="http://schemas.microsoft.com/office/drawing/2014/main" id="{5401B907-336C-467F-9968-B44395FCA4AD}"/>
+              </a:ext>
+            </a:extLst>
+          </p:cNvPr>
+          <p:cNvSpPr>
+            <a:spLocks noGrp="1"/>
+          </p:cNvSpPr>
+          <p:nvPr>
+            <p:ph type="ctrTitle"/>
+          </p:nvPr>
+        </p:nvSpPr>
+        <p:spPr>
+          <a:xfrm>
+            <a:off x="1513840" y="533962"/>
+            <a:ext cx="10789920" cy="738497"/>
+          </a:xfrm>
+        </p:spPr>
+        <p:txBody>
+          <a:bodyPr>
+            <a:normAutofit fontScale="90000"/>
+          </a:bodyPr>
+          <a:lstStyle/>
+          <a:p>
+            <a:pPr algn="l"/>
+            <a:r>
+              <a:rPr lang="en-US" sz="4000" dirty="0">
+                <a:solidFill>
+                  <a:srgbClr val="CC0000"/>
+                </a:solidFill>
+                <a:latin typeface="Amazon Ember Display Heavy" panose="020F0803020204020204" pitchFamily="34" charset="0"/>
+                <a:ea typeface="Amazon Ember Display Heavy" panose="020F0803020204020204" pitchFamily="34" charset="0"/>
+                <a:cs typeface="Amazon Ember Display Heavy" panose="020F0803020204020204" pitchFamily="34" charset="0"/>
+              </a:rPr>
+              <a:t>Visual Insights from Dashboards (Continued)</a:t>
+            </a:r>
+          </a:p>
+        </p:txBody>
+      </p:sp>
+      <p:pic>
+        <p:nvPicPr>
+          <p:cNvPr id="3" name="Picture 2">
+            <a:extLst>
+              <a:ext uri="{FF2B5EF4-FFF2-40B4-BE49-F238E27FC236}">
+                <a16:creationId xmlns:a16="http://schemas.microsoft.com/office/drawing/2014/main" id="{D5242DE0-7DCD-4863-8D0D-5A3947070A4E}"/>
+              </a:ext>
+            </a:extLst>
+          </p:cNvPr>
+          <p:cNvPicPr>
+            <a:picLocks noChangeAspect="1"/>
+          </p:cNvPicPr>
+          <p:nvPr/>
+        </p:nvPicPr>
+        <p:blipFill>
+          <a:blip r:embed="rId2"/>
+          <a:stretch>
+            <a:fillRect/>
+          </a:stretch>
+        </p:blipFill>
+        <p:spPr>
+          <a:xfrm>
+            <a:off x="756652" y="1272459"/>
+            <a:ext cx="10789920" cy="5129945"/>
+          </a:xfrm>
+          <a:prstGeom prst="rect">
+            <a:avLst/>
+          </a:prstGeom>
+        </p:spPr>
+      </p:pic>
+      <p:pic>
+        <p:nvPicPr>
+          <p:cNvPr id="5" name="Picture 16">
+            <a:extLst>
+              <a:ext uri="{FF2B5EF4-FFF2-40B4-BE49-F238E27FC236}">
+                <a16:creationId xmlns:a16="http://schemas.microsoft.com/office/drawing/2014/main" id="{867A12CC-01E7-4AFB-8701-DA496FC7B2EC}"/>
+              </a:ext>
+            </a:extLst>
+          </p:cNvPr>
+          <p:cNvPicPr>
+            <a:picLocks noChangeAspect="1" noChangeArrowheads="1"/>
+          </p:cNvPicPr>
+          <p:nvPr/>
+        </p:nvPicPr>
+        <p:blipFill>
+          <a:blip r:embed="rId3">
+            <a:extLst>
+              <a:ext uri="{28A0092B-C50C-407E-A947-70E740481C1C}">
+                <a14:useLocalDpi xmlns:a14="http://schemas.microsoft.com/office/drawing/2010/main" val="0"/>
+              </a:ext>
+            </a:extLst>
+          </a:blip>
+          <a:srcRect/>
+          <a:stretch>
+            <a:fillRect/>
+          </a:stretch>
+        </p:blipFill>
+        <p:spPr bwMode="auto">
+          <a:xfrm>
+            <a:off x="762267" y="543599"/>
+            <a:ext cx="662291" cy="662291"/>
+          </a:xfrm>
+          <a:prstGeom prst="rect">
+            <a:avLst/>
+          </a:prstGeom>
+          <a:noFill/>
+          <a:extLst>
+            <a:ext uri="{909E8E84-426E-40DD-AFC4-6F175D3DCCD1}">
+              <a14:hiddenFill xmlns:a14="http://schemas.microsoft.com/office/drawing/2010/main">
+                <a:solidFill>
+                  <a:srgbClr val="FFFFFF"/>
+                </a:solidFill>
+              </a14:hiddenFill>
+            </a:ext>
+          </a:extLst>
+        </p:spPr>
+      </p:pic>
+    </p:spTree>
+    <p:extLst>
+      <p:ext uri="{BB962C8B-B14F-4D97-AF65-F5344CB8AC3E}">
+        <p14:creationId xmlns:p14="http://schemas.microsoft.com/office/powerpoint/2010/main" val="3143964249"/>
+      </p:ext>
+    </p:extLst>
+  </p:cSld>
+  <p:clrMapOvr>
+    <a:masterClrMapping/>
+  </p:clrMapOvr>
+</p:sld>
+</file>
+
+<file path=ppt/slides/slide25.xml><?xml version="1.0" encoding="utf-8"?>
+<p:sld xmlns:a="http://schemas.openxmlformats.org/drawingml/2006/main" xmlns:r="http://schemas.openxmlformats.org/officeDocument/2006/relationships" xmlns:p="http://schemas.openxmlformats.org/presentationml/2006/main">
+  <p:cSld>
+    <p:spTree>
+      <p:nvGrpSpPr>
+        <p:cNvPr id="1" name=""/>
+        <p:cNvGrpSpPr/>
+        <p:nvPr/>
+      </p:nvGrpSpPr>
+      <p:grpSpPr>
+        <a:xfrm>
+          <a:off x="0" y="0"/>
+          <a:ext cx="0" cy="0"/>
+          <a:chOff x="0" y="0"/>
+          <a:chExt cx="0" cy="0"/>
+        </a:xfrm>
+      </p:grpSpPr>
+      <p:sp>
+        <p:nvSpPr>
+          <p:cNvPr id="4" name="Rectangle 3">
+            <a:extLst>
+              <a:ext uri="{FF2B5EF4-FFF2-40B4-BE49-F238E27FC236}">
+                <a16:creationId xmlns:a16="http://schemas.microsoft.com/office/drawing/2014/main" id="{EA8DC749-B83B-4825-8E59-E41BAE25CF1E}"/>
+              </a:ext>
+            </a:extLst>
+          </p:cNvPr>
+          <p:cNvSpPr/>
+          <p:nvPr/>
+        </p:nvSpPr>
+        <p:spPr>
+          <a:xfrm>
+            <a:off x="340627" y="455596"/>
+            <a:ext cx="11652986" cy="6246796"/>
+          </a:xfrm>
+          <a:prstGeom prst="rect">
+            <a:avLst/>
+          </a:prstGeom>
+          <a:noFill/>
+          <a:ln w="44450">
+            <a:solidFill>
+              <a:srgbClr val="FF0000"/>
+            </a:solidFill>
+          </a:ln>
+        </p:spPr>
+        <p:style>
+          <a:lnRef idx="2">
+            <a:schemeClr val="accent1">
+              <a:shade val="50000"/>
+            </a:schemeClr>
+          </a:lnRef>
+          <a:fillRef idx="1">
+            <a:schemeClr val="accent1"/>
+          </a:fillRef>
+          <a:effectRef idx="0">
+            <a:schemeClr val="accent1"/>
+          </a:effectRef>
+          <a:fontRef idx="minor">
+            <a:schemeClr val="lt1"/>
+          </a:fontRef>
+        </p:style>
+        <p:txBody>
+          <a:bodyPr rtlCol="0" anchor="ctr"/>
+          <a:lstStyle/>
+          <a:p>
+            <a:pPr algn="ctr"/>
+            <a:endParaRPr lang="en-US"/>
+          </a:p>
+        </p:txBody>
+      </p:sp>
+      <p:sp>
+        <p:nvSpPr>
+          <p:cNvPr id="8" name="Title 7">
+            <a:extLst>
+              <a:ext uri="{FF2B5EF4-FFF2-40B4-BE49-F238E27FC236}">
+                <a16:creationId xmlns:a16="http://schemas.microsoft.com/office/drawing/2014/main" id="{5401B907-336C-467F-9968-B44395FCA4AD}"/>
+              </a:ext>
+            </a:extLst>
+          </p:cNvPr>
+          <p:cNvSpPr>
+            <a:spLocks noGrp="1"/>
+          </p:cNvSpPr>
+          <p:nvPr>
+            <p:ph type="ctrTitle"/>
+          </p:nvPr>
+        </p:nvSpPr>
+        <p:spPr>
+          <a:xfrm>
+            <a:off x="1402080" y="589280"/>
+            <a:ext cx="10789920" cy="738497"/>
+          </a:xfrm>
+        </p:spPr>
+        <p:txBody>
+          <a:bodyPr>
+            <a:normAutofit fontScale="90000"/>
+          </a:bodyPr>
+          <a:lstStyle/>
+          <a:p>
+            <a:pPr algn="l"/>
+            <a:r>
+              <a:rPr lang="en-US" sz="4000" dirty="0">
+                <a:solidFill>
+                  <a:srgbClr val="CC0000"/>
+                </a:solidFill>
+                <a:latin typeface="Amazon Ember Display Heavy" panose="020F0803020204020204" pitchFamily="34" charset="0"/>
+                <a:ea typeface="Amazon Ember Display Heavy" panose="020F0803020204020204" pitchFamily="34" charset="0"/>
+                <a:cs typeface="Amazon Ember Display Heavy" panose="020F0803020204020204" pitchFamily="34" charset="0"/>
+              </a:rPr>
+              <a:t>Visual Insights from Dashboards (Continued)</a:t>
+            </a:r>
+          </a:p>
+        </p:txBody>
+      </p:sp>
+      <p:sp>
+        <p:nvSpPr>
+          <p:cNvPr id="5" name="TextBox 4">
+            <a:extLst>
+              <a:ext uri="{FF2B5EF4-FFF2-40B4-BE49-F238E27FC236}">
+                <a16:creationId xmlns:a16="http://schemas.microsoft.com/office/drawing/2014/main" id="{C9268BBC-E025-4D76-9CEB-6E03BF84B8B3}"/>
+              </a:ext>
+            </a:extLst>
+          </p:cNvPr>
+          <p:cNvSpPr txBox="1"/>
+          <p:nvPr/>
+        </p:nvSpPr>
+        <p:spPr>
+          <a:xfrm>
+            <a:off x="629920" y="1461461"/>
+            <a:ext cx="11135360" cy="4801314"/>
+          </a:xfrm>
+          <a:prstGeom prst="rect">
+            <a:avLst/>
+          </a:prstGeom>
+          <a:noFill/>
+        </p:spPr>
+        <p:txBody>
+          <a:bodyPr wrap="square" rtlCol="0">
+            <a:spAutoFit/>
+          </a:bodyPr>
+          <a:lstStyle/>
+          <a:p>
+            <a:r>
+              <a:rPr lang="en-US" sz="1600" b="1" dirty="0">
+                <a:solidFill>
+                  <a:srgbClr val="0F5963"/>
+                </a:solidFill>
+                <a:latin typeface="Montserrat" panose="00000500000000000000" pitchFamily="2" charset="0"/>
+              </a:rPr>
+              <a:t>Insights from Overview Dashboard</a:t>
+            </a:r>
+          </a:p>
+          <a:p>
+            <a:endParaRPr lang="en-US" sz="1600" b="1" dirty="0">
+              <a:solidFill>
+                <a:srgbClr val="0F5963"/>
+              </a:solidFill>
+              <a:latin typeface="Montserrat" panose="00000500000000000000" pitchFamily="2" charset="0"/>
+            </a:endParaRPr>
+          </a:p>
+          <a:p>
+            <a:r>
+              <a:rPr lang="en-US" sz="1600" b="1" dirty="0">
+                <a:solidFill>
+                  <a:srgbClr val="0F5963"/>
+                </a:solidFill>
+                <a:latin typeface="Montserrat" panose="00000500000000000000" pitchFamily="2" charset="0"/>
+              </a:rPr>
+              <a:t>1. Default Rate is Gradually Increasing</a:t>
+            </a:r>
+          </a:p>
+          <a:p>
+            <a:pPr>
+              <a:buFont typeface="Arial" panose="020B0604020202020204" pitchFamily="34" charset="0"/>
+              <a:buChar char="•"/>
+            </a:pPr>
+            <a:r>
+              <a:rPr lang="en-US" sz="1600" dirty="0">
+                <a:solidFill>
+                  <a:srgbClr val="0F5963"/>
+                </a:solidFill>
+                <a:latin typeface="Montserrat" panose="00000500000000000000" pitchFamily="2" charset="0"/>
+              </a:rPr>
+              <a:t>Monthly trend shows defaults rising from </a:t>
+            </a:r>
+            <a:r>
+              <a:rPr lang="en-US" sz="1600" b="1" dirty="0">
+                <a:solidFill>
+                  <a:srgbClr val="0F5963"/>
+                </a:solidFill>
+                <a:latin typeface="Montserrat" panose="00000500000000000000" pitchFamily="2" charset="0"/>
+              </a:rPr>
+              <a:t>0.3K in Jan to 0.6K in Dec</a:t>
+            </a:r>
+            <a:r>
+              <a:rPr lang="en-US" sz="1600" dirty="0">
+                <a:solidFill>
+                  <a:srgbClr val="0F5963"/>
+                </a:solidFill>
+                <a:latin typeface="Montserrat" panose="00000500000000000000" pitchFamily="2" charset="0"/>
+              </a:rPr>
+              <a:t> → consistent upward risk pattern.</a:t>
+            </a:r>
+          </a:p>
+          <a:p>
+            <a:endParaRPr lang="en-US" sz="1600" dirty="0">
+              <a:solidFill>
+                <a:srgbClr val="0F5963"/>
+              </a:solidFill>
+              <a:latin typeface="Montserrat" panose="00000500000000000000" pitchFamily="2" charset="0"/>
+            </a:endParaRPr>
+          </a:p>
+          <a:p>
+            <a:r>
+              <a:rPr lang="en-US" sz="1600" b="1" dirty="0">
+                <a:solidFill>
+                  <a:srgbClr val="0F5963"/>
+                </a:solidFill>
+                <a:latin typeface="Montserrat" panose="00000500000000000000" pitchFamily="2" charset="0"/>
+              </a:rPr>
+              <a:t>2. State-wise Defaults Vary Significantly</a:t>
+            </a:r>
+          </a:p>
+          <a:p>
+            <a:pPr>
+              <a:buFont typeface="Arial" panose="020B0604020202020204" pitchFamily="34" charset="0"/>
+              <a:buChar char="•"/>
+            </a:pPr>
+            <a:r>
+              <a:rPr lang="en-US" sz="1600" dirty="0">
+                <a:solidFill>
+                  <a:srgbClr val="0F5963"/>
+                </a:solidFill>
+                <a:latin typeface="Montserrat" panose="00000500000000000000" pitchFamily="2" charset="0"/>
+              </a:rPr>
+              <a:t>Some states show </a:t>
+            </a:r>
+            <a:r>
+              <a:rPr lang="en-US" sz="1600" b="1" dirty="0">
+                <a:solidFill>
+                  <a:srgbClr val="0F5963"/>
+                </a:solidFill>
+                <a:latin typeface="Montserrat" panose="00000500000000000000" pitchFamily="2" charset="0"/>
+              </a:rPr>
+              <a:t>very high default concentration</a:t>
+            </a:r>
+            <a:r>
+              <a:rPr lang="en-US" sz="1600" dirty="0">
+                <a:solidFill>
+                  <a:srgbClr val="0F5963"/>
+                </a:solidFill>
+                <a:latin typeface="Montserrat" panose="00000500000000000000" pitchFamily="2" charset="0"/>
+              </a:rPr>
+              <a:t>, while others remain low → geographic risk differences.</a:t>
+            </a:r>
+          </a:p>
+          <a:p>
+            <a:endParaRPr lang="en-US" sz="1600" dirty="0">
+              <a:solidFill>
+                <a:srgbClr val="0F5963"/>
+              </a:solidFill>
+              <a:latin typeface="Montserrat" panose="00000500000000000000" pitchFamily="2" charset="0"/>
+            </a:endParaRPr>
+          </a:p>
+          <a:p>
+            <a:r>
+              <a:rPr lang="en-US" sz="1600" b="1" dirty="0">
+                <a:solidFill>
+                  <a:srgbClr val="0F5963"/>
+                </a:solidFill>
+                <a:latin typeface="Montserrat" panose="00000500000000000000" pitchFamily="2" charset="0"/>
+              </a:rPr>
+              <a:t>3. Longer Loan Terms Have Higher Default Rates</a:t>
+            </a:r>
+          </a:p>
+          <a:p>
+            <a:pPr>
+              <a:buFont typeface="Arial" panose="020B0604020202020204" pitchFamily="34" charset="0"/>
+              <a:buChar char="•"/>
+            </a:pPr>
+            <a:r>
+              <a:rPr lang="en-US" sz="1600" b="1" dirty="0">
+                <a:solidFill>
+                  <a:srgbClr val="0F5963"/>
+                </a:solidFill>
+                <a:latin typeface="Montserrat" panose="00000500000000000000" pitchFamily="2" charset="0"/>
+              </a:rPr>
+              <a:t>60-month loans</a:t>
+            </a:r>
+            <a:r>
+              <a:rPr lang="en-US" sz="1600" dirty="0">
+                <a:solidFill>
+                  <a:srgbClr val="0F5963"/>
+                </a:solidFill>
+                <a:latin typeface="Montserrat" panose="00000500000000000000" pitchFamily="2" charset="0"/>
+              </a:rPr>
+              <a:t> default more than </a:t>
+            </a:r>
+            <a:r>
+              <a:rPr lang="en-US" sz="1600" b="1" dirty="0">
+                <a:solidFill>
+                  <a:srgbClr val="0F5963"/>
+                </a:solidFill>
+                <a:latin typeface="Montserrat" panose="00000500000000000000" pitchFamily="2" charset="0"/>
+              </a:rPr>
+              <a:t>36-month loans</a:t>
+            </a:r>
+            <a:r>
+              <a:rPr lang="en-US" sz="1600" dirty="0">
+                <a:solidFill>
+                  <a:srgbClr val="0F5963"/>
+                </a:solidFill>
+                <a:latin typeface="Montserrat" panose="00000500000000000000" pitchFamily="2" charset="0"/>
+              </a:rPr>
+              <a:t> → longer commitments increase risk.</a:t>
+            </a:r>
+          </a:p>
+          <a:p>
+            <a:endParaRPr lang="en-US" sz="1600" dirty="0">
+              <a:solidFill>
+                <a:srgbClr val="0F5963"/>
+              </a:solidFill>
+              <a:latin typeface="Montserrat" panose="00000500000000000000" pitchFamily="2" charset="0"/>
+            </a:endParaRPr>
+          </a:p>
+          <a:p>
+            <a:r>
+              <a:rPr lang="en-US" sz="1600" b="1" dirty="0">
+                <a:solidFill>
+                  <a:srgbClr val="0F5963"/>
+                </a:solidFill>
+                <a:latin typeface="Montserrat" panose="00000500000000000000" pitchFamily="2" charset="0"/>
+              </a:rPr>
+              <a:t>4. Certain Loan Purposes Are High Risk</a:t>
+            </a:r>
+          </a:p>
+          <a:p>
+            <a:pPr>
+              <a:buFont typeface="Arial" panose="020B0604020202020204" pitchFamily="34" charset="0"/>
+              <a:buChar char="•"/>
+            </a:pPr>
+            <a:r>
+              <a:rPr lang="en-US" sz="1600" dirty="0">
+                <a:solidFill>
+                  <a:srgbClr val="0F5963"/>
+                </a:solidFill>
+                <a:latin typeface="Montserrat" panose="00000500000000000000" pitchFamily="2" charset="0"/>
+              </a:rPr>
+              <a:t>Highest defaults come from </a:t>
+            </a:r>
+            <a:r>
+              <a:rPr lang="en-US" sz="1600" b="1" dirty="0">
+                <a:solidFill>
+                  <a:srgbClr val="0F5963"/>
+                </a:solidFill>
+                <a:latin typeface="Montserrat" panose="00000500000000000000" pitchFamily="2" charset="0"/>
+              </a:rPr>
+              <a:t>Other</a:t>
+            </a:r>
+            <a:r>
+              <a:rPr lang="en-US" sz="1600" dirty="0">
+                <a:solidFill>
+                  <a:srgbClr val="0F5963"/>
+                </a:solidFill>
+                <a:latin typeface="Montserrat" panose="00000500000000000000" pitchFamily="2" charset="0"/>
+              </a:rPr>
+              <a:t>, </a:t>
+            </a:r>
+            <a:r>
+              <a:rPr lang="en-US" sz="1600" b="1" dirty="0">
+                <a:solidFill>
+                  <a:srgbClr val="0F5963"/>
+                </a:solidFill>
+                <a:latin typeface="Montserrat" panose="00000500000000000000" pitchFamily="2" charset="0"/>
+              </a:rPr>
+              <a:t>Small Business</a:t>
+            </a:r>
+            <a:r>
+              <a:rPr lang="en-US" sz="1600" dirty="0">
+                <a:solidFill>
+                  <a:srgbClr val="0F5963"/>
+                </a:solidFill>
+                <a:latin typeface="Montserrat" panose="00000500000000000000" pitchFamily="2" charset="0"/>
+              </a:rPr>
+              <a:t>, and </a:t>
+            </a:r>
+            <a:r>
+              <a:rPr lang="en-US" sz="1600" b="1" dirty="0">
+                <a:solidFill>
+                  <a:srgbClr val="0F5963"/>
+                </a:solidFill>
+                <a:latin typeface="Montserrat" panose="00000500000000000000" pitchFamily="2" charset="0"/>
+              </a:rPr>
+              <a:t>Debt Consolidation</a:t>
+            </a:r>
+            <a:r>
+              <a:rPr lang="en-US" sz="1600" dirty="0">
+                <a:solidFill>
+                  <a:srgbClr val="0F5963"/>
+                </a:solidFill>
+                <a:latin typeface="Montserrat" panose="00000500000000000000" pitchFamily="2" charset="0"/>
+              </a:rPr>
+              <a:t> categories.</a:t>
+            </a:r>
+          </a:p>
+          <a:p>
+            <a:endParaRPr lang="en-US" sz="1600" dirty="0">
+              <a:solidFill>
+                <a:srgbClr val="0F5963"/>
+              </a:solidFill>
+              <a:latin typeface="Montserrat" panose="00000500000000000000" pitchFamily="2" charset="0"/>
+            </a:endParaRPr>
+          </a:p>
+          <a:p>
+            <a:r>
+              <a:rPr lang="en-US" sz="1600" b="1" dirty="0">
+                <a:solidFill>
+                  <a:srgbClr val="0F5963"/>
+                </a:solidFill>
+                <a:latin typeface="Montserrat" panose="00000500000000000000" pitchFamily="2" charset="0"/>
+              </a:rPr>
+              <a:t>5. Employment Length Doesn't Guarantee Low Risk</a:t>
+            </a:r>
+          </a:p>
+          <a:p>
+            <a:pPr>
+              <a:buFont typeface="Arial" panose="020B0604020202020204" pitchFamily="34" charset="0"/>
+              <a:buChar char="•"/>
+            </a:pPr>
+            <a:r>
+              <a:rPr lang="en-US" sz="1600" dirty="0">
+                <a:solidFill>
+                  <a:srgbClr val="0F5963"/>
+                </a:solidFill>
+                <a:latin typeface="Montserrat" panose="00000500000000000000" pitchFamily="2" charset="0"/>
+              </a:rPr>
+              <a:t>Even borrowers with </a:t>
+            </a:r>
+            <a:r>
+              <a:rPr lang="en-US" sz="1600" b="1" dirty="0">
+                <a:solidFill>
+                  <a:srgbClr val="0F5963"/>
+                </a:solidFill>
+                <a:latin typeface="Montserrat" panose="00000500000000000000" pitchFamily="2" charset="0"/>
+              </a:rPr>
+              <a:t>10+ years experience</a:t>
+            </a:r>
+            <a:r>
+              <a:rPr lang="en-US" sz="1600" dirty="0">
+                <a:solidFill>
+                  <a:srgbClr val="0F5963"/>
+                </a:solidFill>
+                <a:latin typeface="Montserrat" panose="00000500000000000000" pitchFamily="2" charset="0"/>
+              </a:rPr>
+              <a:t> show high defaults → stability doesn’t always mean safe borrowing.</a:t>
+            </a:r>
+          </a:p>
+          <a:p>
+            <a:endParaRPr lang="en-US" dirty="0">
+              <a:solidFill>
+                <a:srgbClr val="0F5963"/>
+              </a:solidFill>
+              <a:latin typeface="Montserrat" panose="00000500000000000000" pitchFamily="2" charset="0"/>
+            </a:endParaRPr>
+          </a:p>
+        </p:txBody>
+      </p:sp>
+      <p:pic>
+        <p:nvPicPr>
+          <p:cNvPr id="6" name="Picture 16">
+            <a:extLst>
+              <a:ext uri="{FF2B5EF4-FFF2-40B4-BE49-F238E27FC236}">
+                <a16:creationId xmlns:a16="http://schemas.microsoft.com/office/drawing/2014/main" id="{413E0753-F2C8-473C-9B1A-EC65C766F0E6}"/>
+              </a:ext>
+            </a:extLst>
+          </p:cNvPr>
+          <p:cNvPicPr>
+            <a:picLocks noChangeAspect="1" noChangeArrowheads="1"/>
+          </p:cNvPicPr>
+          <p:nvPr/>
+        </p:nvPicPr>
+        <p:blipFill>
+          <a:blip r:embed="rId2">
+            <a:extLst>
+              <a:ext uri="{28A0092B-C50C-407E-A947-70E740481C1C}">
+                <a14:useLocalDpi xmlns:a14="http://schemas.microsoft.com/office/drawing/2010/main" val="0"/>
+              </a:ext>
+            </a:extLst>
+          </a:blip>
+          <a:srcRect/>
+          <a:stretch>
+            <a:fillRect/>
+          </a:stretch>
+        </p:blipFill>
+        <p:spPr bwMode="auto">
+          <a:xfrm>
+            <a:off x="739789" y="589280"/>
+            <a:ext cx="662291" cy="662291"/>
+          </a:xfrm>
+          <a:prstGeom prst="rect">
+            <a:avLst/>
+          </a:prstGeom>
+          <a:noFill/>
+          <a:extLst>
+            <a:ext uri="{909E8E84-426E-40DD-AFC4-6F175D3DCCD1}">
+              <a14:hiddenFill xmlns:a14="http://schemas.microsoft.com/office/drawing/2010/main">
+                <a:solidFill>
+                  <a:srgbClr val="FFFFFF"/>
+                </a:solidFill>
+              </a14:hiddenFill>
+            </a:ext>
+          </a:extLst>
+        </p:spPr>
+      </p:pic>
+    </p:spTree>
+    <p:extLst>
+      <p:ext uri="{BB962C8B-B14F-4D97-AF65-F5344CB8AC3E}">
+        <p14:creationId xmlns:p14="http://schemas.microsoft.com/office/powerpoint/2010/main" val="88007996"/>
+      </p:ext>
+    </p:extLst>
+  </p:cSld>
+  <p:clrMapOvr>
+    <a:masterClrMapping/>
+  </p:clrMapOvr>
+</p:sld>
+</file>
+
+<file path=ppt/slides/slide26.xml><?xml version="1.0" encoding="utf-8"?>
+<p:sld xmlns:a="http://schemas.openxmlformats.org/drawingml/2006/main" xmlns:r="http://schemas.openxmlformats.org/officeDocument/2006/relationships" xmlns:p="http://schemas.openxmlformats.org/presentationml/2006/main">
+  <p:cSld>
+    <p:spTree>
+      <p:nvGrpSpPr>
+        <p:cNvPr id="1" name=""/>
+        <p:cNvGrpSpPr/>
+        <p:nvPr/>
+      </p:nvGrpSpPr>
+      <p:grpSpPr>
+        <a:xfrm>
+          <a:off x="0" y="0"/>
+          <a:ext cx="0" cy="0"/>
+          <a:chOff x="0" y="0"/>
+          <a:chExt cx="0" cy="0"/>
+        </a:xfrm>
+      </p:grpSpPr>
+      <p:sp>
+        <p:nvSpPr>
+          <p:cNvPr id="4" name="Rectangle 3">
+            <a:extLst>
+              <a:ext uri="{FF2B5EF4-FFF2-40B4-BE49-F238E27FC236}">
+                <a16:creationId xmlns:a16="http://schemas.microsoft.com/office/drawing/2014/main" id="{EA8DC749-B83B-4825-8E59-E41BAE25CF1E}"/>
+              </a:ext>
+            </a:extLst>
+          </p:cNvPr>
+          <p:cNvSpPr/>
+          <p:nvPr/>
+        </p:nvSpPr>
+        <p:spPr>
+          <a:xfrm>
+            <a:off x="340627" y="455596"/>
+            <a:ext cx="11652986" cy="6246796"/>
+          </a:xfrm>
+          <a:prstGeom prst="rect">
+            <a:avLst/>
+          </a:prstGeom>
+          <a:noFill/>
+          <a:ln w="44450">
+            <a:solidFill>
+              <a:srgbClr val="FF0000"/>
+            </a:solidFill>
+          </a:ln>
+        </p:spPr>
+        <p:style>
+          <a:lnRef idx="2">
+            <a:schemeClr val="accent1">
+              <a:shade val="50000"/>
+            </a:schemeClr>
+          </a:lnRef>
+          <a:fillRef idx="1">
+            <a:schemeClr val="accent1"/>
+          </a:fillRef>
+          <a:effectRef idx="0">
+            <a:schemeClr val="accent1"/>
+          </a:effectRef>
+          <a:fontRef idx="minor">
+            <a:schemeClr val="lt1"/>
+          </a:fontRef>
+        </p:style>
+        <p:txBody>
+          <a:bodyPr rtlCol="0" anchor="ctr"/>
+          <a:lstStyle/>
+          <a:p>
+            <a:pPr algn="ctr"/>
+            <a:endParaRPr lang="en-US"/>
+          </a:p>
+        </p:txBody>
+      </p:sp>
+      <p:sp>
+        <p:nvSpPr>
+          <p:cNvPr id="8" name="Title 7">
+            <a:extLst>
+              <a:ext uri="{FF2B5EF4-FFF2-40B4-BE49-F238E27FC236}">
+                <a16:creationId xmlns:a16="http://schemas.microsoft.com/office/drawing/2014/main" id="{5401B907-336C-467F-9968-B44395FCA4AD}"/>
+              </a:ext>
+            </a:extLst>
+          </p:cNvPr>
+          <p:cNvSpPr>
+            <a:spLocks noGrp="1"/>
+          </p:cNvSpPr>
+          <p:nvPr>
+            <p:ph type="ctrTitle"/>
+          </p:nvPr>
+        </p:nvSpPr>
+        <p:spPr>
+          <a:xfrm>
+            <a:off x="629920" y="642026"/>
+            <a:ext cx="10789920" cy="738497"/>
+          </a:xfrm>
+        </p:spPr>
+        <p:txBody>
+          <a:bodyPr>
+            <a:normAutofit/>
+          </a:bodyPr>
+          <a:lstStyle/>
+          <a:p>
+            <a:pPr algn="l"/>
+            <a:r>
+              <a:rPr lang="en-US" sz="3600" dirty="0">
+                <a:solidFill>
+                  <a:srgbClr val="C00000"/>
+                </a:solidFill>
+                <a:latin typeface="Amazon Ember Display Heavy" panose="020F0803020204020204" pitchFamily="34" charset="0"/>
+                <a:ea typeface="Amazon Ember Display Heavy" panose="020F0803020204020204" pitchFamily="34" charset="0"/>
+                <a:cs typeface="Amazon Ember Display Heavy" panose="020F0803020204020204" pitchFamily="34" charset="0"/>
+              </a:rPr>
+              <a:t>Final Recommendations</a:t>
+            </a:r>
+          </a:p>
+        </p:txBody>
+      </p:sp>
+      <p:sp>
+        <p:nvSpPr>
+          <p:cNvPr id="2" name="TextBox 1">
+            <a:extLst>
+              <a:ext uri="{FF2B5EF4-FFF2-40B4-BE49-F238E27FC236}">
+                <a16:creationId xmlns:a16="http://schemas.microsoft.com/office/drawing/2014/main" id="{3DD509C2-10E7-41A1-AE27-5862EB2013DD}"/>
+              </a:ext>
+            </a:extLst>
+          </p:cNvPr>
+          <p:cNvSpPr txBox="1"/>
+          <p:nvPr/>
+        </p:nvSpPr>
+        <p:spPr>
+          <a:xfrm>
+            <a:off x="548640" y="1566952"/>
+            <a:ext cx="11094720" cy="3724096"/>
+          </a:xfrm>
+          <a:prstGeom prst="rect">
+            <a:avLst/>
+          </a:prstGeom>
+          <a:noFill/>
+        </p:spPr>
+        <p:txBody>
+          <a:bodyPr wrap="square" rtlCol="0">
+            <a:spAutoFit/>
+          </a:bodyPr>
+          <a:lstStyle/>
+          <a:p>
+            <a:pPr>
+              <a:buFont typeface="Arial" panose="020B0604020202020204" pitchFamily="34" charset="0"/>
+              <a:buChar char="•"/>
+            </a:pPr>
+            <a:r>
+              <a:rPr lang="en-US" sz="2000" b="1" dirty="0">
+                <a:solidFill>
+                  <a:srgbClr val="0F5963"/>
+                </a:solidFill>
+                <a:latin typeface="Montserrat" panose="00000500000000000000" pitchFamily="2" charset="0"/>
+              </a:rPr>
+              <a:t>Tighten loan approval rules</a:t>
+            </a:r>
+            <a:r>
+              <a:rPr lang="en-US" sz="2000" dirty="0">
+                <a:solidFill>
+                  <a:srgbClr val="0F5963"/>
+                </a:solidFill>
+                <a:latin typeface="Montserrat" panose="00000500000000000000" pitchFamily="2" charset="0"/>
+              </a:rPr>
+              <a:t> for high-risk segments (low grades: E, F, G).</a:t>
+            </a:r>
+          </a:p>
+          <a:p>
+            <a:endParaRPr lang="en-US" sz="2000" dirty="0">
+              <a:solidFill>
+                <a:srgbClr val="0F5963"/>
+              </a:solidFill>
+              <a:latin typeface="Montserrat" panose="00000500000000000000" pitchFamily="2" charset="0"/>
+            </a:endParaRPr>
+          </a:p>
+          <a:p>
+            <a:pPr>
+              <a:buFont typeface="Arial" panose="020B0604020202020204" pitchFamily="34" charset="0"/>
+              <a:buChar char="•"/>
+            </a:pPr>
+            <a:r>
+              <a:rPr lang="en-US" sz="2000" b="1" dirty="0">
+                <a:solidFill>
+                  <a:srgbClr val="0F5963"/>
+                </a:solidFill>
+                <a:latin typeface="Montserrat" panose="00000500000000000000" pitchFamily="2" charset="0"/>
+              </a:rPr>
+              <a:t>Increase interest rates</a:t>
+            </a:r>
+            <a:r>
+              <a:rPr lang="en-US" sz="2000" dirty="0">
+                <a:solidFill>
+                  <a:srgbClr val="0F5963"/>
+                </a:solidFill>
+                <a:latin typeface="Montserrat" panose="00000500000000000000" pitchFamily="2" charset="0"/>
+              </a:rPr>
+              <a:t> or add stricter checks for borrowers with </a:t>
+            </a:r>
+            <a:r>
+              <a:rPr lang="en-US" sz="2000" b="1" dirty="0">
+                <a:solidFill>
+                  <a:srgbClr val="0F5963"/>
+                </a:solidFill>
+                <a:latin typeface="Montserrat" panose="00000500000000000000" pitchFamily="2" charset="0"/>
+              </a:rPr>
+              <a:t>high DTI</a:t>
+            </a:r>
+            <a:r>
+              <a:rPr lang="en-US" sz="2000" dirty="0">
+                <a:solidFill>
+                  <a:srgbClr val="0F5963"/>
+                </a:solidFill>
+                <a:latin typeface="Montserrat" panose="00000500000000000000" pitchFamily="2" charset="0"/>
+              </a:rPr>
+              <a:t> or </a:t>
+            </a:r>
+            <a:r>
+              <a:rPr lang="en-US" sz="2000" b="1" dirty="0">
+                <a:solidFill>
+                  <a:srgbClr val="0F5963"/>
+                </a:solidFill>
+                <a:latin typeface="Montserrat" panose="00000500000000000000" pitchFamily="2" charset="0"/>
+              </a:rPr>
+              <a:t>high loan amounts</a:t>
+            </a:r>
+            <a:r>
+              <a:rPr lang="en-US" sz="2000" dirty="0">
+                <a:solidFill>
+                  <a:srgbClr val="0F5963"/>
+                </a:solidFill>
+                <a:latin typeface="Montserrat" panose="00000500000000000000" pitchFamily="2" charset="0"/>
+              </a:rPr>
+              <a:t>.</a:t>
+            </a:r>
+          </a:p>
+          <a:p>
+            <a:endParaRPr lang="en-US" sz="2000" dirty="0">
+              <a:solidFill>
+                <a:srgbClr val="0F5963"/>
+              </a:solidFill>
+              <a:latin typeface="Montserrat" panose="00000500000000000000" pitchFamily="2" charset="0"/>
+            </a:endParaRPr>
+          </a:p>
+          <a:p>
+            <a:pPr>
+              <a:buFont typeface="Arial" panose="020B0604020202020204" pitchFamily="34" charset="0"/>
+              <a:buChar char="•"/>
+            </a:pPr>
+            <a:r>
+              <a:rPr lang="en-US" sz="2000" b="1" dirty="0">
+                <a:solidFill>
+                  <a:srgbClr val="0F5963"/>
+                </a:solidFill>
+                <a:latin typeface="Montserrat" panose="00000500000000000000" pitchFamily="2" charset="0"/>
+              </a:rPr>
+              <a:t>Strengthen verification</a:t>
+            </a:r>
+            <a:r>
+              <a:rPr lang="en-US" sz="2000" dirty="0">
+                <a:solidFill>
+                  <a:srgbClr val="0F5963"/>
+                </a:solidFill>
+                <a:latin typeface="Montserrat" panose="00000500000000000000" pitchFamily="2" charset="0"/>
+              </a:rPr>
+              <a:t> for high-risk loan purposes (Debt Consolidation, Small Business, Other)</a:t>
+            </a:r>
+          </a:p>
+          <a:p>
+            <a:pPr>
+              <a:buFont typeface="Arial" panose="020B0604020202020204" pitchFamily="34" charset="0"/>
+              <a:buChar char="•"/>
+            </a:pPr>
+            <a:endParaRPr lang="en-US" sz="2000" dirty="0">
+              <a:solidFill>
+                <a:srgbClr val="0F5963"/>
+              </a:solidFill>
+              <a:latin typeface="Montserrat" panose="00000500000000000000" pitchFamily="2" charset="0"/>
+            </a:endParaRPr>
+          </a:p>
+          <a:p>
+            <a:pPr>
+              <a:buFont typeface="Arial" panose="020B0604020202020204" pitchFamily="34" charset="0"/>
+              <a:buChar char="•"/>
+            </a:pPr>
+            <a:r>
+              <a:rPr lang="en-US" sz="2000" b="1" dirty="0">
+                <a:solidFill>
+                  <a:srgbClr val="0F5963"/>
+                </a:solidFill>
+                <a:latin typeface="Montserrat" panose="00000500000000000000" pitchFamily="2" charset="0"/>
+              </a:rPr>
+              <a:t>Promote shorter loan terms</a:t>
+            </a:r>
+            <a:r>
+              <a:rPr lang="en-US" sz="2000" dirty="0">
+                <a:solidFill>
+                  <a:srgbClr val="0F5963"/>
+                </a:solidFill>
+                <a:latin typeface="Montserrat" panose="00000500000000000000" pitchFamily="2" charset="0"/>
+              </a:rPr>
+              <a:t> (36-month) to reduce default probability.</a:t>
+            </a:r>
+          </a:p>
+          <a:p>
+            <a:endParaRPr lang="en-US" sz="2000" dirty="0">
+              <a:solidFill>
+                <a:srgbClr val="0F5963"/>
+              </a:solidFill>
+              <a:latin typeface="Montserrat" panose="00000500000000000000" pitchFamily="2" charset="0"/>
+            </a:endParaRPr>
+          </a:p>
+          <a:p>
+            <a:pPr>
+              <a:buFont typeface="Arial" panose="020B0604020202020204" pitchFamily="34" charset="0"/>
+              <a:buChar char="•"/>
+            </a:pPr>
+            <a:r>
+              <a:rPr lang="en-US" sz="2000" b="1" dirty="0">
+                <a:solidFill>
+                  <a:srgbClr val="0F5963"/>
+                </a:solidFill>
+                <a:latin typeface="Montserrat" panose="00000500000000000000" pitchFamily="2" charset="0"/>
+              </a:rPr>
+              <a:t>Use automated alerts</a:t>
+            </a:r>
+            <a:r>
+              <a:rPr lang="en-US" sz="2000" dirty="0">
+                <a:solidFill>
+                  <a:srgbClr val="0F5963"/>
+                </a:solidFill>
+                <a:latin typeface="Montserrat" panose="00000500000000000000" pitchFamily="2" charset="0"/>
+              </a:rPr>
+              <a:t> for risky profiles (high DTI, high interest rate, long loan term).</a:t>
+            </a:r>
+          </a:p>
+          <a:p>
+            <a:endParaRPr lang="en-US" sz="1600" dirty="0">
+              <a:solidFill>
+                <a:srgbClr val="0F5963"/>
+              </a:solidFill>
+              <a:latin typeface="Montserrat" panose="00000500000000000000" pitchFamily="2" charset="0"/>
+            </a:endParaRPr>
+          </a:p>
+        </p:txBody>
+      </p:sp>
+    </p:spTree>
+    <p:extLst>
+      <p:ext uri="{BB962C8B-B14F-4D97-AF65-F5344CB8AC3E}">
+        <p14:creationId xmlns:p14="http://schemas.microsoft.com/office/powerpoint/2010/main" val="2715558926"/>
+      </p:ext>
+    </p:extLst>
+  </p:cSld>
+  <p:clrMapOvr>
+    <a:masterClrMapping/>
+  </p:clrMapOvr>
+</p:sld>
+</file>
+
+<file path=ppt/slides/slide27.xml><?xml version="1.0" encoding="utf-8"?>
+<p:sld xmlns:a="http://schemas.openxmlformats.org/drawingml/2006/main" xmlns:r="http://schemas.openxmlformats.org/officeDocument/2006/relationships" xmlns:p="http://schemas.openxmlformats.org/presentationml/2006/main">
+  <p:cSld>
+    <p:spTree>
+      <p:nvGrpSpPr>
+        <p:cNvPr id="1" name=""/>
+        <p:cNvGrpSpPr/>
+        <p:nvPr/>
+      </p:nvGrpSpPr>
+      <p:grpSpPr>
+        <a:xfrm>
+          <a:off x="0" y="0"/>
+          <a:ext cx="0" cy="0"/>
+          <a:chOff x="0" y="0"/>
+          <a:chExt cx="0" cy="0"/>
+        </a:xfrm>
+      </p:grpSpPr>
+      <p:sp>
+        <p:nvSpPr>
+          <p:cNvPr id="4" name="Rectangle 3">
+            <a:extLst>
+              <a:ext uri="{FF2B5EF4-FFF2-40B4-BE49-F238E27FC236}">
+                <a16:creationId xmlns:a16="http://schemas.microsoft.com/office/drawing/2014/main" id="{EA8DC749-B83B-4825-8E59-E41BAE25CF1E}"/>
+              </a:ext>
+            </a:extLst>
+          </p:cNvPr>
+          <p:cNvSpPr/>
+          <p:nvPr/>
+        </p:nvSpPr>
+        <p:spPr>
+          <a:xfrm>
+            <a:off x="340627" y="455596"/>
+            <a:ext cx="11652986" cy="6246796"/>
+          </a:xfrm>
+          <a:prstGeom prst="rect">
+            <a:avLst/>
+          </a:prstGeom>
+          <a:noFill/>
+          <a:ln w="44450">
+            <a:solidFill>
+              <a:srgbClr val="FF0000"/>
+            </a:solidFill>
+          </a:ln>
+        </p:spPr>
+        <p:style>
+          <a:lnRef idx="2">
+            <a:schemeClr val="accent1">
+              <a:shade val="50000"/>
+            </a:schemeClr>
+          </a:lnRef>
+          <a:fillRef idx="1">
+            <a:schemeClr val="accent1"/>
+          </a:fillRef>
+          <a:effectRef idx="0">
+            <a:schemeClr val="accent1"/>
+          </a:effectRef>
+          <a:fontRef idx="minor">
+            <a:schemeClr val="lt1"/>
+          </a:fontRef>
+        </p:style>
+        <p:txBody>
+          <a:bodyPr rtlCol="0" anchor="ctr"/>
+          <a:lstStyle/>
+          <a:p>
+            <a:pPr algn="ctr"/>
+            <a:endParaRPr lang="en-US"/>
+          </a:p>
+        </p:txBody>
+      </p:sp>
+      <p:sp>
+        <p:nvSpPr>
+          <p:cNvPr id="8" name="Title 7">
+            <a:extLst>
+              <a:ext uri="{FF2B5EF4-FFF2-40B4-BE49-F238E27FC236}">
+                <a16:creationId xmlns:a16="http://schemas.microsoft.com/office/drawing/2014/main" id="{5401B907-336C-467F-9968-B44395FCA4AD}"/>
+              </a:ext>
+            </a:extLst>
+          </p:cNvPr>
+          <p:cNvSpPr>
+            <a:spLocks noGrp="1"/>
+          </p:cNvSpPr>
+          <p:nvPr>
+            <p:ph type="ctrTitle"/>
+          </p:nvPr>
+        </p:nvSpPr>
+        <p:spPr>
+          <a:xfrm>
+            <a:off x="663073" y="579120"/>
             <a:ext cx="10789920" cy="738497"/>
           </a:xfrm>
         </p:spPr>
@@ -11197,8 +13446,8 @@
         </p:nvSpPr>
         <p:spPr bwMode="auto">
           <a:xfrm>
-            <a:off x="734193" y="1540639"/>
-            <a:ext cx="10865853" cy="2862322"/>
+            <a:off x="663073" y="1690064"/>
+            <a:ext cx="10865853" cy="3477875"/>
           </a:xfrm>
           <a:prstGeom prst="rect">
             <a:avLst/>
@@ -11263,41 +13512,41 @@
               <a:tabLst/>
             </a:pPr>
             <a:r>
-              <a:rPr kumimoji="0" lang="en-US" altLang="en-US" sz="1800" b="0" i="0" u="none" strike="noStrike" cap="none" normalizeH="0" baseline="0" dirty="0">
+              <a:rPr kumimoji="0" lang="en-US" altLang="en-US" sz="2000" b="0" i="0" u="none" strike="noStrike" cap="none" normalizeH="0" baseline="0" dirty="0">
                 <a:ln>
                   <a:noFill/>
                 </a:ln>
                 <a:solidFill>
-                  <a:schemeClr val="tx1"/>
+                  <a:srgbClr val="0F5963"/>
                 </a:solidFill>
                 <a:effectLst/>
-                <a:latin typeface="Arial" panose="020B0604020202020204" pitchFamily="34" charset="0"/>
+                <a:latin typeface="Montserrat" panose="00000500000000000000" pitchFamily="2" charset="0"/>
               </a:rPr>
               <a:t>This project analyzed </a:t>
             </a:r>
             <a:r>
-              <a:rPr kumimoji="0" lang="en-US" altLang="en-US" sz="1800" b="1" i="0" u="none" strike="noStrike" cap="none" normalizeH="0" baseline="0" dirty="0">
+              <a:rPr kumimoji="0" lang="en-US" altLang="en-US" sz="2000" b="1" i="0" u="none" strike="noStrike" cap="none" normalizeH="0" baseline="0" dirty="0">
                 <a:ln>
                   <a:noFill/>
                 </a:ln>
                 <a:solidFill>
-                  <a:schemeClr val="tx1"/>
+                  <a:srgbClr val="0F5963"/>
                 </a:solidFill>
                 <a:effectLst/>
-                <a:latin typeface="Arial" panose="020B0604020202020204" pitchFamily="34" charset="0"/>
+                <a:latin typeface="Montserrat" panose="00000500000000000000" pitchFamily="2" charset="0"/>
               </a:rPr>
               <a:t>loan applications, borrower profiles, and repayment behavior</a:t>
             </a:r>
             <a:r>
-              <a:rPr kumimoji="0" lang="en-US" altLang="en-US" sz="1800" b="0" i="0" u="none" strike="noStrike" cap="none" normalizeH="0" baseline="0" dirty="0">
+              <a:rPr kumimoji="0" lang="en-US" altLang="en-US" sz="2000" b="0" i="0" u="none" strike="noStrike" cap="none" normalizeH="0" baseline="0" dirty="0">
                 <a:ln>
                   <a:noFill/>
                 </a:ln>
                 <a:solidFill>
-                  <a:schemeClr val="tx1"/>
+                  <a:srgbClr val="0F5963"/>
                 </a:solidFill>
                 <a:effectLst/>
-                <a:latin typeface="Arial" panose="020B0604020202020204" pitchFamily="34" charset="0"/>
+                <a:latin typeface="Montserrat" panose="00000500000000000000" pitchFamily="2" charset="0"/>
               </a:rPr>
               <a:t> using Python and Power BI.</a:t>
             </a:r>
@@ -11319,15 +13568,15 @@
               <a:buChar char="•"/>
               <a:tabLst/>
             </a:pPr>
-            <a:endParaRPr kumimoji="0" lang="en-US" altLang="en-US" sz="1800" b="0" i="0" u="none" strike="noStrike" cap="none" normalizeH="0" baseline="0" dirty="0">
+            <a:endParaRPr kumimoji="0" lang="en-US" altLang="en-US" sz="2000" b="0" i="0" u="none" strike="noStrike" cap="none" normalizeH="0" baseline="0" dirty="0">
               <a:ln>
                 <a:noFill/>
               </a:ln>
               <a:solidFill>
-                <a:schemeClr val="tx1"/>
+                <a:srgbClr val="0F5963"/>
               </a:solidFill>
               <a:effectLst/>
-              <a:latin typeface="Arial" panose="020B0604020202020204" pitchFamily="34" charset="0"/>
+              <a:latin typeface="Montserrat" panose="00000500000000000000" pitchFamily="2" charset="0"/>
             </a:endParaRPr>
           </a:p>
           <a:p>
@@ -11348,119 +13597,119 @@
               <a:tabLst/>
             </a:pPr>
             <a:r>
-              <a:rPr kumimoji="0" lang="en-US" altLang="en-US" sz="1800" b="0" i="0" u="none" strike="noStrike" cap="none" normalizeH="0" baseline="0" dirty="0">
+              <a:rPr kumimoji="0" lang="en-US" altLang="en-US" sz="2000" b="0" i="0" u="none" strike="noStrike" cap="none" normalizeH="0" baseline="0" dirty="0">
                 <a:ln>
                   <a:noFill/>
                 </a:ln>
                 <a:solidFill>
-                  <a:schemeClr val="tx1"/>
+                  <a:srgbClr val="0F5963"/>
                 </a:solidFill>
                 <a:effectLst/>
-                <a:latin typeface="Arial" panose="020B0604020202020204" pitchFamily="34" charset="0"/>
+                <a:latin typeface="Montserrat" panose="00000500000000000000" pitchFamily="2" charset="0"/>
               </a:rPr>
               <a:t>Clear patterns emerged: higher </a:t>
             </a:r>
             <a:r>
-              <a:rPr kumimoji="0" lang="en-US" altLang="en-US" sz="1800" b="1" i="0" u="none" strike="noStrike" cap="none" normalizeH="0" baseline="0" dirty="0">
+              <a:rPr kumimoji="0" lang="en-US" altLang="en-US" sz="2000" b="1" i="0" u="none" strike="noStrike" cap="none" normalizeH="0" baseline="0" dirty="0">
                 <a:ln>
                   <a:noFill/>
                 </a:ln>
                 <a:solidFill>
-                  <a:schemeClr val="tx1"/>
+                  <a:srgbClr val="0F5963"/>
                 </a:solidFill>
                 <a:effectLst/>
-                <a:latin typeface="Arial" panose="020B0604020202020204" pitchFamily="34" charset="0"/>
+                <a:latin typeface="Montserrat" panose="00000500000000000000" pitchFamily="2" charset="0"/>
               </a:rPr>
               <a:t>DTI</a:t>
             </a:r>
             <a:r>
-              <a:rPr kumimoji="0" lang="en-US" altLang="en-US" sz="1800" b="0" i="0" u="none" strike="noStrike" cap="none" normalizeH="0" baseline="0" dirty="0">
+              <a:rPr kumimoji="0" lang="en-US" altLang="en-US" sz="2000" b="0" i="0" u="none" strike="noStrike" cap="none" normalizeH="0" baseline="0" dirty="0">
                 <a:ln>
                   <a:noFill/>
                 </a:ln>
                 <a:solidFill>
-                  <a:schemeClr val="tx1"/>
+                  <a:srgbClr val="0F5963"/>
                 </a:solidFill>
                 <a:effectLst/>
-                <a:latin typeface="Arial" panose="020B0604020202020204" pitchFamily="34" charset="0"/>
+                <a:latin typeface="Montserrat" panose="00000500000000000000" pitchFamily="2" charset="0"/>
               </a:rPr>
               <a:t>, higher </a:t>
             </a:r>
             <a:r>
-              <a:rPr kumimoji="0" lang="en-US" altLang="en-US" sz="1800" b="1" i="0" u="none" strike="noStrike" cap="none" normalizeH="0" baseline="0" dirty="0">
+              <a:rPr kumimoji="0" lang="en-US" altLang="en-US" sz="2000" b="1" i="0" u="none" strike="noStrike" cap="none" normalizeH="0" baseline="0" dirty="0">
                 <a:ln>
                   <a:noFill/>
                 </a:ln>
                 <a:solidFill>
-                  <a:schemeClr val="tx1"/>
+                  <a:srgbClr val="0F5963"/>
                 </a:solidFill>
                 <a:effectLst/>
-                <a:latin typeface="Arial" panose="020B0604020202020204" pitchFamily="34" charset="0"/>
+                <a:latin typeface="Montserrat" panose="00000500000000000000" pitchFamily="2" charset="0"/>
               </a:rPr>
               <a:t>interest rates</a:t>
             </a:r>
             <a:r>
-              <a:rPr kumimoji="0" lang="en-US" altLang="en-US" sz="1800" b="0" i="0" u="none" strike="noStrike" cap="none" normalizeH="0" baseline="0" dirty="0">
+              <a:rPr kumimoji="0" lang="en-US" altLang="en-US" sz="2000" b="0" i="0" u="none" strike="noStrike" cap="none" normalizeH="0" baseline="0" dirty="0">
                 <a:ln>
                   <a:noFill/>
                 </a:ln>
                 <a:solidFill>
-                  <a:schemeClr val="tx1"/>
+                  <a:srgbClr val="0F5963"/>
                 </a:solidFill>
                 <a:effectLst/>
-                <a:latin typeface="Arial" panose="020B0604020202020204" pitchFamily="34" charset="0"/>
+                <a:latin typeface="Montserrat" panose="00000500000000000000" pitchFamily="2" charset="0"/>
               </a:rPr>
               <a:t>, lower </a:t>
             </a:r>
             <a:r>
-              <a:rPr kumimoji="0" lang="en-US" altLang="en-US" sz="1800" b="1" i="0" u="none" strike="noStrike" cap="none" normalizeH="0" baseline="0" dirty="0">
+              <a:rPr kumimoji="0" lang="en-US" altLang="en-US" sz="2000" b="1" i="0" u="none" strike="noStrike" cap="none" normalizeH="0" baseline="0" dirty="0">
                 <a:ln>
                   <a:noFill/>
                 </a:ln>
                 <a:solidFill>
-                  <a:schemeClr val="tx1"/>
+                  <a:srgbClr val="0F5963"/>
                 </a:solidFill>
                 <a:effectLst/>
-                <a:latin typeface="Arial" panose="020B0604020202020204" pitchFamily="34" charset="0"/>
+                <a:latin typeface="Montserrat" panose="00000500000000000000" pitchFamily="2" charset="0"/>
               </a:rPr>
               <a:t>grades</a:t>
             </a:r>
             <a:r>
-              <a:rPr kumimoji="0" lang="en-US" altLang="en-US" sz="1800" b="0" i="0" u="none" strike="noStrike" cap="none" normalizeH="0" baseline="0" dirty="0">
+              <a:rPr kumimoji="0" lang="en-US" altLang="en-US" sz="2000" b="0" i="0" u="none" strike="noStrike" cap="none" normalizeH="0" baseline="0" dirty="0">
                 <a:ln>
                   <a:noFill/>
                 </a:ln>
                 <a:solidFill>
-                  <a:schemeClr val="tx1"/>
+                  <a:srgbClr val="0F5963"/>
                 </a:solidFill>
                 <a:effectLst/>
-                <a:latin typeface="Arial" panose="020B0604020202020204" pitchFamily="34" charset="0"/>
+                <a:latin typeface="Montserrat" panose="00000500000000000000" pitchFamily="2" charset="0"/>
               </a:rPr>
               <a:t>, and certain </a:t>
             </a:r>
             <a:r>
-              <a:rPr kumimoji="0" lang="en-US" altLang="en-US" sz="1800" b="1" i="0" u="none" strike="noStrike" cap="none" normalizeH="0" baseline="0" dirty="0">
+              <a:rPr kumimoji="0" lang="en-US" altLang="en-US" sz="2000" b="1" i="0" u="none" strike="noStrike" cap="none" normalizeH="0" baseline="0" dirty="0">
                 <a:ln>
                   <a:noFill/>
                 </a:ln>
                 <a:solidFill>
-                  <a:schemeClr val="tx1"/>
+                  <a:srgbClr val="0F5963"/>
                 </a:solidFill>
                 <a:effectLst/>
-                <a:latin typeface="Arial" panose="020B0604020202020204" pitchFamily="34" charset="0"/>
+                <a:latin typeface="Montserrat" panose="00000500000000000000" pitchFamily="2" charset="0"/>
               </a:rPr>
               <a:t>loan purposes</a:t>
             </a:r>
             <a:r>
-              <a:rPr kumimoji="0" lang="en-US" altLang="en-US" sz="1800" b="0" i="0" u="none" strike="noStrike" cap="none" normalizeH="0" baseline="0" dirty="0">
+              <a:rPr kumimoji="0" lang="en-US" altLang="en-US" sz="2000" b="0" i="0" u="none" strike="noStrike" cap="none" normalizeH="0" baseline="0" dirty="0">
                 <a:ln>
                   <a:noFill/>
                 </a:ln>
                 <a:solidFill>
-                  <a:schemeClr val="tx1"/>
+                  <a:srgbClr val="0F5963"/>
                 </a:solidFill>
                 <a:effectLst/>
-                <a:latin typeface="Arial" panose="020B0604020202020204" pitchFamily="34" charset="0"/>
+                <a:latin typeface="Montserrat" panose="00000500000000000000" pitchFamily="2" charset="0"/>
               </a:rPr>
               <a:t> increase default risk.</a:t>
             </a:r>
@@ -11480,15 +13729,15 @@
               <a:buSzTx/>
               <a:tabLst/>
             </a:pPr>
-            <a:endParaRPr kumimoji="0" lang="en-US" altLang="en-US" sz="1800" b="0" i="0" u="none" strike="noStrike" cap="none" normalizeH="0" baseline="0" dirty="0">
+            <a:endParaRPr kumimoji="0" lang="en-US" altLang="en-US" sz="2000" b="0" i="0" u="none" strike="noStrike" cap="none" normalizeH="0" baseline="0" dirty="0">
               <a:ln>
                 <a:noFill/>
               </a:ln>
               <a:solidFill>
-                <a:schemeClr val="tx1"/>
+                <a:srgbClr val="0F5963"/>
               </a:solidFill>
               <a:effectLst/>
-              <a:latin typeface="Arial" panose="020B0604020202020204" pitchFamily="34" charset="0"/>
+              <a:latin typeface="Montserrat" panose="00000500000000000000" pitchFamily="2" charset="0"/>
             </a:endParaRPr>
           </a:p>
           <a:p>
@@ -11509,41 +13758,41 @@
               <a:tabLst/>
             </a:pPr>
             <a:r>
-              <a:rPr kumimoji="0" lang="en-US" altLang="en-US" sz="1800" b="0" i="0" u="none" strike="noStrike" cap="none" normalizeH="0" baseline="0" dirty="0">
+              <a:rPr kumimoji="0" lang="en-US" altLang="en-US" sz="2000" b="0" i="0" u="none" strike="noStrike" cap="none" normalizeH="0" baseline="0" dirty="0">
                 <a:ln>
                   <a:noFill/>
                 </a:ln>
                 <a:solidFill>
-                  <a:schemeClr val="tx1"/>
+                  <a:srgbClr val="0F5963"/>
                 </a:solidFill>
                 <a:effectLst/>
-                <a:latin typeface="Arial" panose="020B0604020202020204" pitchFamily="34" charset="0"/>
+                <a:latin typeface="Montserrat" panose="00000500000000000000" pitchFamily="2" charset="0"/>
               </a:rPr>
               <a:t>Insights help the business </a:t>
             </a:r>
             <a:r>
-              <a:rPr kumimoji="0" lang="en-US" altLang="en-US" sz="1800" b="1" i="0" u="none" strike="noStrike" cap="none" normalizeH="0" baseline="0" dirty="0">
+              <a:rPr kumimoji="0" lang="en-US" altLang="en-US" sz="2000" b="1" i="0" u="none" strike="noStrike" cap="none" normalizeH="0" baseline="0" dirty="0">
                 <a:ln>
                   <a:noFill/>
                 </a:ln>
                 <a:solidFill>
-                  <a:schemeClr val="tx1"/>
+                  <a:srgbClr val="0F5963"/>
                 </a:solidFill>
                 <a:effectLst/>
-                <a:latin typeface="Arial" panose="020B0604020202020204" pitchFamily="34" charset="0"/>
+                <a:latin typeface="Montserrat" panose="00000500000000000000" pitchFamily="2" charset="0"/>
               </a:rPr>
               <a:t>improve approval policies, identify high-risk customers, and reduce default losses</a:t>
             </a:r>
             <a:r>
-              <a:rPr kumimoji="0" lang="en-US" altLang="en-US" sz="1800" b="0" i="0" u="none" strike="noStrike" cap="none" normalizeH="0" baseline="0" dirty="0">
+              <a:rPr kumimoji="0" lang="en-US" altLang="en-US" sz="2000" b="0" i="0" u="none" strike="noStrike" cap="none" normalizeH="0" baseline="0" dirty="0">
                 <a:ln>
                   <a:noFill/>
                 </a:ln>
                 <a:solidFill>
-                  <a:schemeClr val="tx1"/>
+                  <a:srgbClr val="0F5963"/>
                 </a:solidFill>
                 <a:effectLst/>
-                <a:latin typeface="Arial" panose="020B0604020202020204" pitchFamily="34" charset="0"/>
+                <a:latin typeface="Montserrat" panose="00000500000000000000" pitchFamily="2" charset="0"/>
               </a:rPr>
               <a:t>.</a:t>
             </a:r>
@@ -11563,15 +13812,15 @@
               <a:buSzTx/>
               <a:tabLst/>
             </a:pPr>
-            <a:endParaRPr kumimoji="0" lang="en-US" altLang="en-US" sz="1800" b="0" i="0" u="none" strike="noStrike" cap="none" normalizeH="0" baseline="0" dirty="0">
+            <a:endParaRPr kumimoji="0" lang="en-US" altLang="en-US" sz="2000" b="0" i="0" u="none" strike="noStrike" cap="none" normalizeH="0" baseline="0" dirty="0">
               <a:ln>
                 <a:noFill/>
               </a:ln>
               <a:solidFill>
-                <a:schemeClr val="tx1"/>
+                <a:srgbClr val="0F5963"/>
               </a:solidFill>
               <a:effectLst/>
-              <a:latin typeface="Arial" panose="020B0604020202020204" pitchFamily="34" charset="0"/>
+              <a:latin typeface="Montserrat" panose="00000500000000000000" pitchFamily="2" charset="0"/>
             </a:endParaRPr>
           </a:p>
           <a:p>
@@ -11592,67 +13841,67 @@
               <a:tabLst/>
             </a:pPr>
             <a:r>
-              <a:rPr kumimoji="0" lang="en-US" altLang="en-US" sz="1800" b="0" i="0" u="none" strike="noStrike" cap="none" normalizeH="0" baseline="0" dirty="0">
+              <a:rPr kumimoji="0" lang="en-US" altLang="en-US" sz="2000" b="0" i="0" u="none" strike="noStrike" cap="none" normalizeH="0" baseline="0" dirty="0">
                 <a:ln>
                   <a:noFill/>
                 </a:ln>
                 <a:solidFill>
-                  <a:schemeClr val="tx1"/>
+                  <a:srgbClr val="0F5963"/>
                 </a:solidFill>
                 <a:effectLst/>
-                <a:latin typeface="Arial" panose="020B0604020202020204" pitchFamily="34" charset="0"/>
+                <a:latin typeface="Montserrat" panose="00000500000000000000" pitchFamily="2" charset="0"/>
               </a:rPr>
               <a:t>Overall, the analysis supports </a:t>
             </a:r>
             <a:r>
-              <a:rPr kumimoji="0" lang="en-US" altLang="en-US" sz="1800" b="1" i="0" u="none" strike="noStrike" cap="none" normalizeH="0" baseline="0" dirty="0">
+              <a:rPr kumimoji="0" lang="en-US" altLang="en-US" sz="2000" b="1" i="0" u="none" strike="noStrike" cap="none" normalizeH="0" baseline="0" dirty="0">
                 <a:ln>
                   <a:noFill/>
                 </a:ln>
                 <a:solidFill>
-                  <a:schemeClr val="tx1"/>
+                  <a:srgbClr val="0F5963"/>
                 </a:solidFill>
                 <a:effectLst/>
-                <a:latin typeface="Arial" panose="020B0604020202020204" pitchFamily="34" charset="0"/>
+                <a:latin typeface="Montserrat" panose="00000500000000000000" pitchFamily="2" charset="0"/>
               </a:rPr>
               <a:t>smarter credit decisions</a:t>
             </a:r>
             <a:r>
-              <a:rPr kumimoji="0" lang="en-US" altLang="en-US" sz="1800" b="0" i="0" u="none" strike="noStrike" cap="none" normalizeH="0" baseline="0" dirty="0">
+              <a:rPr kumimoji="0" lang="en-US" altLang="en-US" sz="2000" b="0" i="0" u="none" strike="noStrike" cap="none" normalizeH="0" baseline="0" dirty="0">
                 <a:ln>
                   <a:noFill/>
                 </a:ln>
                 <a:solidFill>
-                  <a:schemeClr val="tx1"/>
+                  <a:srgbClr val="0F5963"/>
                 </a:solidFill>
                 <a:effectLst/>
-                <a:latin typeface="Arial" panose="020B0604020202020204" pitchFamily="34" charset="0"/>
+                <a:latin typeface="Montserrat" panose="00000500000000000000" pitchFamily="2" charset="0"/>
               </a:rPr>
               <a:t> and better </a:t>
             </a:r>
             <a:r>
-              <a:rPr kumimoji="0" lang="en-US" altLang="en-US" sz="1800" b="1" i="0" u="none" strike="noStrike" cap="none" normalizeH="0" baseline="0" dirty="0">
+              <a:rPr kumimoji="0" lang="en-US" altLang="en-US" sz="2000" b="1" i="0" u="none" strike="noStrike" cap="none" normalizeH="0" baseline="0" dirty="0">
                 <a:ln>
                   <a:noFill/>
                 </a:ln>
                 <a:solidFill>
-                  <a:schemeClr val="tx1"/>
+                  <a:srgbClr val="0F5963"/>
                 </a:solidFill>
                 <a:effectLst/>
-                <a:latin typeface="Arial" panose="020B0604020202020204" pitchFamily="34" charset="0"/>
+                <a:latin typeface="Montserrat" panose="00000500000000000000" pitchFamily="2" charset="0"/>
               </a:rPr>
               <a:t>portfolio risk management</a:t>
             </a:r>
             <a:r>
-              <a:rPr kumimoji="0" lang="en-US" altLang="en-US" sz="1800" b="0" i="0" u="none" strike="noStrike" cap="none" normalizeH="0" baseline="0" dirty="0">
+              <a:rPr kumimoji="0" lang="en-US" altLang="en-US" sz="2000" b="0" i="0" u="none" strike="noStrike" cap="none" normalizeH="0" baseline="0" dirty="0">
                 <a:ln>
                   <a:noFill/>
                 </a:ln>
                 <a:solidFill>
-                  <a:schemeClr val="tx1"/>
+                  <a:srgbClr val="0F5963"/>
                 </a:solidFill>
                 <a:effectLst/>
-                <a:latin typeface="Arial" panose="020B0604020202020204" pitchFamily="34" charset="0"/>
+                <a:latin typeface="Montserrat" panose="00000500000000000000" pitchFamily="2" charset="0"/>
               </a:rPr>
               <a:t>.</a:t>
             </a:r>
